--- a/big-data-capstone/submissions/Coursera-BigData-Capstone-Student-Submission-Final-Presentation.pptx
+++ b/big-data-capstone/submissions/Coursera-BigData-Capstone-Student-Submission-Final-Presentation.pptx
@@ -1,29 +1,459 @@
 
 <file path=ppt/presentation.xml><?xml version="1.0" encoding="utf-8"?>
-<p:presentation xmlns:a="http://schemas.openxmlformats.org/drawingml/2006/main" xmlns:p="http://schemas.openxmlformats.org/presentationml/2006/main" xmlns:r="http://schemas.openxmlformats.org/officeDocument/2006/relationships" xmlns:p14="http://schemas.microsoft.com/office/powerpoint/2010/main" xmlns:p15="http://schemas.microsoft.com/office/powerpoint/2012/main" xmlns:mc="http://schemas.openxmlformats.org/markup-compatibility/2006">
+<p:presentation xmlns:a="http://schemas.openxmlformats.org/drawingml/2006/main" xmlns:r="http://schemas.openxmlformats.org/officeDocument/2006/relationships" xmlns:p="http://schemas.openxmlformats.org/presentationml/2006/main">
   <p:sldMasterIdLst>
-    <p:sldMasterId id="2147483648" r:id="rId2"/>
-    <p:sldMasterId id="2147483661" r:id="rId3"/>
+    <p:sldMasterId id="2147483648" r:id="rId1"/>
+    <p:sldMasterId id="2147483661" r:id="rId2"/>
   </p:sldMasterIdLst>
   <p:notesMasterIdLst>
-    <p:notesMasterId r:id="rId4"/>
+    <p:notesMasterId r:id="rId10"/>
   </p:notesMasterIdLst>
   <p:sldIdLst>
-    <p:sldId id="256" r:id="rId5"/>
-    <p:sldId id="257" r:id="rId6"/>
-    <p:sldId id="258" r:id="rId7"/>
-    <p:sldId id="259" r:id="rId8"/>
-    <p:sldId id="260" r:id="rId9"/>
-    <p:sldId id="261" r:id="rId10"/>
-    <p:sldId id="262" r:id="rId11"/>
+    <p:sldId id="256" r:id="rId3"/>
+    <p:sldId id="257" r:id="rId4"/>
+    <p:sldId id="258" r:id="rId5"/>
+    <p:sldId id="259" r:id="rId6"/>
+    <p:sldId id="260" r:id="rId7"/>
+    <p:sldId id="261" r:id="rId8"/>
+    <p:sldId id="262" r:id="rId9"/>
   </p:sldIdLst>
-  <p:sldSz cx="9144000" cy="5143500"/>
+  <p:sldSz cx="9144000" cy="5143500" type="screen16x9"/>
   <p:notesSz cx="6858000" cy="9144000"/>
+  <p:defaultTextStyle>
+    <a:defPPr>
+      <a:defRPr lang="en-US"/>
+    </a:defPPr>
+    <a:lvl1pPr marL="0" algn="l" defTabSz="914400" rtl="0" eaLnBrk="1" latinLnBrk="0" hangingPunct="1">
+      <a:defRPr sz="1800" kern="1200">
+        <a:solidFill>
+          <a:schemeClr val="tx1"/>
+        </a:solidFill>
+        <a:latin typeface="+mn-lt"/>
+        <a:ea typeface="+mn-ea"/>
+        <a:cs typeface="+mn-cs"/>
+      </a:defRPr>
+    </a:lvl1pPr>
+    <a:lvl2pPr marL="457200" algn="l" defTabSz="914400" rtl="0" eaLnBrk="1" latinLnBrk="0" hangingPunct="1">
+      <a:defRPr sz="1800" kern="1200">
+        <a:solidFill>
+          <a:schemeClr val="tx1"/>
+        </a:solidFill>
+        <a:latin typeface="+mn-lt"/>
+        <a:ea typeface="+mn-ea"/>
+        <a:cs typeface="+mn-cs"/>
+      </a:defRPr>
+    </a:lvl2pPr>
+    <a:lvl3pPr marL="914400" algn="l" defTabSz="914400" rtl="0" eaLnBrk="1" latinLnBrk="0" hangingPunct="1">
+      <a:defRPr sz="1800" kern="1200">
+        <a:solidFill>
+          <a:schemeClr val="tx1"/>
+        </a:solidFill>
+        <a:latin typeface="+mn-lt"/>
+        <a:ea typeface="+mn-ea"/>
+        <a:cs typeface="+mn-cs"/>
+      </a:defRPr>
+    </a:lvl3pPr>
+    <a:lvl4pPr marL="1371600" algn="l" defTabSz="914400" rtl="0" eaLnBrk="1" latinLnBrk="0" hangingPunct="1">
+      <a:defRPr sz="1800" kern="1200">
+        <a:solidFill>
+          <a:schemeClr val="tx1"/>
+        </a:solidFill>
+        <a:latin typeface="+mn-lt"/>
+        <a:ea typeface="+mn-ea"/>
+        <a:cs typeface="+mn-cs"/>
+      </a:defRPr>
+    </a:lvl4pPr>
+    <a:lvl5pPr marL="1828800" algn="l" defTabSz="914400" rtl="0" eaLnBrk="1" latinLnBrk="0" hangingPunct="1">
+      <a:defRPr sz="1800" kern="1200">
+        <a:solidFill>
+          <a:schemeClr val="tx1"/>
+        </a:solidFill>
+        <a:latin typeface="+mn-lt"/>
+        <a:ea typeface="+mn-ea"/>
+        <a:cs typeface="+mn-cs"/>
+      </a:defRPr>
+    </a:lvl5pPr>
+    <a:lvl6pPr marL="2286000" algn="l" defTabSz="914400" rtl="0" eaLnBrk="1" latinLnBrk="0" hangingPunct="1">
+      <a:defRPr sz="1800" kern="1200">
+        <a:solidFill>
+          <a:schemeClr val="tx1"/>
+        </a:solidFill>
+        <a:latin typeface="+mn-lt"/>
+        <a:ea typeface="+mn-ea"/>
+        <a:cs typeface="+mn-cs"/>
+      </a:defRPr>
+    </a:lvl6pPr>
+    <a:lvl7pPr marL="2743200" algn="l" defTabSz="914400" rtl="0" eaLnBrk="1" latinLnBrk="0" hangingPunct="1">
+      <a:defRPr sz="1800" kern="1200">
+        <a:solidFill>
+          <a:schemeClr val="tx1"/>
+        </a:solidFill>
+        <a:latin typeface="+mn-lt"/>
+        <a:ea typeface="+mn-ea"/>
+        <a:cs typeface="+mn-cs"/>
+      </a:defRPr>
+    </a:lvl7pPr>
+    <a:lvl8pPr marL="3200400" algn="l" defTabSz="914400" rtl="0" eaLnBrk="1" latinLnBrk="0" hangingPunct="1">
+      <a:defRPr sz="1800" kern="1200">
+        <a:solidFill>
+          <a:schemeClr val="tx1"/>
+        </a:solidFill>
+        <a:latin typeface="+mn-lt"/>
+        <a:ea typeface="+mn-ea"/>
+        <a:cs typeface="+mn-cs"/>
+      </a:defRPr>
+    </a:lvl8pPr>
+    <a:lvl9pPr marL="3657600" algn="l" defTabSz="914400" rtl="0" eaLnBrk="1" latinLnBrk="0" hangingPunct="1">
+      <a:defRPr sz="1800" kern="1200">
+        <a:solidFill>
+          <a:schemeClr val="tx1"/>
+        </a:solidFill>
+        <a:latin typeface="+mn-lt"/>
+        <a:ea typeface="+mn-ea"/>
+        <a:cs typeface="+mn-cs"/>
+      </a:defRPr>
+    </a:lvl9pPr>
+  </p:defaultTextStyle>
+  <p:extLst>
+    <p:ext uri="{EFAFB233-063F-42B5-8137-9DF3F51BA10A}">
+      <p15:sldGuideLst xmlns:p15="http://schemas.microsoft.com/office/powerpoint/2012/main"/>
+    </p:ext>
+  </p:extLst>
 </p:presentation>
 </file>
 
 <file path=ppt/notesMasters/notesMaster1.xml><?xml version="1.0" encoding="utf-8"?>
-<p:notesMaster xmlns:a="http://schemas.openxmlformats.org/drawingml/2006/main" xmlns:p="http://schemas.openxmlformats.org/presentationml/2006/main" xmlns:r="http://schemas.openxmlformats.org/officeDocument/2006/relationships" xmlns:p14="http://schemas.microsoft.com/office/powerpoint/2010/main" xmlns:p15="http://schemas.microsoft.com/office/powerpoint/2012/main" xmlns:mc="http://schemas.openxmlformats.org/markup-compatibility/2006">
+<p:notesMaster xmlns:a="http://schemas.openxmlformats.org/drawingml/2006/main" xmlns:r="http://schemas.openxmlformats.org/officeDocument/2006/relationships" xmlns:p="http://schemas.openxmlformats.org/presentationml/2006/main">
+  <p:cSld>
+    <p:bg>
+      <p:bgRef idx="1001">
+        <a:schemeClr val="bg1"/>
+      </p:bgRef>
+    </p:bg>
+    <p:spTree>
+      <p:nvGrpSpPr>
+        <p:cNvPr id="1" name=""/>
+        <p:cNvGrpSpPr/>
+        <p:nvPr/>
+      </p:nvGrpSpPr>
+      <p:grpSpPr>
+        <a:xfrm>
+          <a:off x="0" y="0"/>
+          <a:ext cx="0" cy="0"/>
+          <a:chOff x="0" y="0"/>
+          <a:chExt cx="0" cy="0"/>
+        </a:xfrm>
+      </p:grpSpPr>
+      <p:sp>
+        <p:nvSpPr>
+          <p:cNvPr id="88" name="PlaceHolder 1"/>
+          <p:cNvSpPr>
+            <a:spLocks noGrp="1" noRot="1" noChangeAspect="1"/>
+          </p:cNvSpPr>
+          <p:nvPr>
+            <p:ph type="sldImg"/>
+          </p:nvPr>
+        </p:nvSpPr>
+        <p:spPr>
+          <a:xfrm>
+            <a:off x="533520" y="764280"/>
+            <a:ext cx="6704640" cy="3771360"/>
+          </a:xfrm>
+          <a:prstGeom prst="rect">
+            <a:avLst/>
+          </a:prstGeom>
+        </p:spPr>
+        <p:txBody>
+          <a:bodyPr lIns="0" tIns="0" rIns="0" bIns="0" anchor="ctr">
+            <a:noAutofit/>
+          </a:bodyPr>
+          <a:lstStyle/>
+          <a:p>
+            <a:pPr algn="ctr"/>
+            <a:r>
+              <a:rPr lang="en-US" sz="4400" b="0" strike="noStrike" spc="-1">
+                <a:latin typeface="Arial"/>
+              </a:rPr>
+              <a:t>Click to move the slide</a:t>
+            </a:r>
+          </a:p>
+        </p:txBody>
+      </p:sp>
+      <p:sp>
+        <p:nvSpPr>
+          <p:cNvPr id="89" name="PlaceHolder 2"/>
+          <p:cNvSpPr>
+            <a:spLocks noGrp="1"/>
+          </p:cNvSpPr>
+          <p:nvPr>
+            <p:ph type="body"/>
+          </p:nvPr>
+        </p:nvSpPr>
+        <p:spPr>
+          <a:xfrm>
+            <a:off x="777240" y="4777560"/>
+            <a:ext cx="6217560" cy="4525920"/>
+          </a:xfrm>
+          <a:prstGeom prst="rect">
+            <a:avLst/>
+          </a:prstGeom>
+        </p:spPr>
+        <p:txBody>
+          <a:bodyPr lIns="0" tIns="0" rIns="0" bIns="0">
+            <a:noAutofit/>
+          </a:bodyPr>
+          <a:lstStyle/>
+          <a:p>
+            <a:r>
+              <a:rPr lang="en-US" sz="2000" b="0" strike="noStrike" spc="-1">
+                <a:latin typeface="Arial"/>
+              </a:rPr>
+              <a:t>Click to edit the notes format</a:t>
+            </a:r>
+          </a:p>
+        </p:txBody>
+      </p:sp>
+      <p:sp>
+        <p:nvSpPr>
+          <p:cNvPr id="90" name="PlaceHolder 3"/>
+          <p:cNvSpPr>
+            <a:spLocks noGrp="1"/>
+          </p:cNvSpPr>
+          <p:nvPr>
+            <p:ph type="hdr"/>
+          </p:nvPr>
+        </p:nvSpPr>
+        <p:spPr>
+          <a:xfrm>
+            <a:off x="0" y="0"/>
+            <a:ext cx="3372840" cy="502560"/>
+          </a:xfrm>
+          <a:prstGeom prst="rect">
+            <a:avLst/>
+          </a:prstGeom>
+        </p:spPr>
+        <p:txBody>
+          <a:bodyPr lIns="0" tIns="0" rIns="0" bIns="0">
+            <a:noAutofit/>
+          </a:bodyPr>
+          <a:lstStyle/>
+          <a:p>
+            <a:r>
+              <a:rPr lang="en-US" sz="1400" b="0" strike="noStrike" spc="-1">
+                <a:latin typeface="Times New Roman"/>
+              </a:rPr>
+              <a:t>&lt;header&gt;</a:t>
+            </a:r>
+          </a:p>
+        </p:txBody>
+      </p:sp>
+      <p:sp>
+        <p:nvSpPr>
+          <p:cNvPr id="91" name="PlaceHolder 4"/>
+          <p:cNvSpPr>
+            <a:spLocks noGrp="1"/>
+          </p:cNvSpPr>
+          <p:nvPr>
+            <p:ph type="dt"/>
+          </p:nvPr>
+        </p:nvSpPr>
+        <p:spPr>
+          <a:xfrm>
+            <a:off x="4399200" y="0"/>
+            <a:ext cx="3372840" cy="502560"/>
+          </a:xfrm>
+          <a:prstGeom prst="rect">
+            <a:avLst/>
+          </a:prstGeom>
+        </p:spPr>
+        <p:txBody>
+          <a:bodyPr lIns="0" tIns="0" rIns="0" bIns="0">
+            <a:noAutofit/>
+          </a:bodyPr>
+          <a:lstStyle/>
+          <a:p>
+            <a:pPr algn="r"/>
+            <a:r>
+              <a:rPr lang="en-US" sz="1400" b="0" strike="noStrike" spc="-1">
+                <a:latin typeface="Times New Roman"/>
+              </a:rPr>
+              <a:t>&lt;date/time&gt;</a:t>
+            </a:r>
+          </a:p>
+        </p:txBody>
+      </p:sp>
+      <p:sp>
+        <p:nvSpPr>
+          <p:cNvPr id="92" name="PlaceHolder 5"/>
+          <p:cNvSpPr>
+            <a:spLocks noGrp="1"/>
+          </p:cNvSpPr>
+          <p:nvPr>
+            <p:ph type="ftr"/>
+          </p:nvPr>
+        </p:nvSpPr>
+        <p:spPr>
+          <a:xfrm>
+            <a:off x="0" y="9555480"/>
+            <a:ext cx="3372840" cy="502560"/>
+          </a:xfrm>
+          <a:prstGeom prst="rect">
+            <a:avLst/>
+          </a:prstGeom>
+        </p:spPr>
+        <p:txBody>
+          <a:bodyPr lIns="0" tIns="0" rIns="0" bIns="0" anchor="b">
+            <a:noAutofit/>
+          </a:bodyPr>
+          <a:lstStyle/>
+          <a:p>
+            <a:r>
+              <a:rPr lang="en-US" sz="1400" b="0" strike="noStrike" spc="-1">
+                <a:latin typeface="Times New Roman"/>
+              </a:rPr>
+              <a:t>&lt;footer&gt;</a:t>
+            </a:r>
+          </a:p>
+        </p:txBody>
+      </p:sp>
+      <p:sp>
+        <p:nvSpPr>
+          <p:cNvPr id="93" name="PlaceHolder 6"/>
+          <p:cNvSpPr>
+            <a:spLocks noGrp="1"/>
+          </p:cNvSpPr>
+          <p:nvPr>
+            <p:ph type="sldNum"/>
+          </p:nvPr>
+        </p:nvSpPr>
+        <p:spPr>
+          <a:xfrm>
+            <a:off x="4399200" y="9555480"/>
+            <a:ext cx="3372840" cy="502560"/>
+          </a:xfrm>
+          <a:prstGeom prst="rect">
+            <a:avLst/>
+          </a:prstGeom>
+        </p:spPr>
+        <p:txBody>
+          <a:bodyPr lIns="0" tIns="0" rIns="0" bIns="0" anchor="b">
+            <a:noAutofit/>
+          </a:bodyPr>
+          <a:lstStyle/>
+          <a:p>
+            <a:pPr algn="r"/>
+            <a:fld id="{75722BA3-20F0-4021-8A26-813318EB429E}" type="slidenum">
+              <a:rPr lang="en-US" sz="1400" b="0" strike="noStrike" spc="-1">
+                <a:latin typeface="Times New Roman"/>
+              </a:rPr>
+              <a:t>‹#›</a:t>
+            </a:fld>
+            <a:endParaRPr lang="en-US" sz="1400" b="0" strike="noStrike" spc="-1">
+              <a:latin typeface="Times New Roman"/>
+            </a:endParaRPr>
+          </a:p>
+        </p:txBody>
+      </p:sp>
+    </p:spTree>
+  </p:cSld>
+  <p:clrMap bg1="lt1" tx1="dk1" bg2="lt2" tx2="dk2" accent1="accent1" accent2="accent2" accent3="accent3" accent4="accent4" accent5="accent5" accent6="accent6" hlink="hlink" folHlink="folHlink"/>
+  <p:notesStyle>
+    <a:lvl1pPr marL="0" algn="l" defTabSz="914400" rtl="0" eaLnBrk="1" latinLnBrk="0" hangingPunct="1">
+      <a:defRPr sz="1200" kern="1200">
+        <a:solidFill>
+          <a:schemeClr val="tx1"/>
+        </a:solidFill>
+        <a:latin typeface="+mn-lt"/>
+        <a:ea typeface="+mn-ea"/>
+        <a:cs typeface="+mn-cs"/>
+      </a:defRPr>
+    </a:lvl1pPr>
+    <a:lvl2pPr marL="457200" algn="l" defTabSz="914400" rtl="0" eaLnBrk="1" latinLnBrk="0" hangingPunct="1">
+      <a:defRPr sz="1200" kern="1200">
+        <a:solidFill>
+          <a:schemeClr val="tx1"/>
+        </a:solidFill>
+        <a:latin typeface="+mn-lt"/>
+        <a:ea typeface="+mn-ea"/>
+        <a:cs typeface="+mn-cs"/>
+      </a:defRPr>
+    </a:lvl2pPr>
+    <a:lvl3pPr marL="914400" algn="l" defTabSz="914400" rtl="0" eaLnBrk="1" latinLnBrk="0" hangingPunct="1">
+      <a:defRPr sz="1200" kern="1200">
+        <a:solidFill>
+          <a:schemeClr val="tx1"/>
+        </a:solidFill>
+        <a:latin typeface="+mn-lt"/>
+        <a:ea typeface="+mn-ea"/>
+        <a:cs typeface="+mn-cs"/>
+      </a:defRPr>
+    </a:lvl3pPr>
+    <a:lvl4pPr marL="1371600" algn="l" defTabSz="914400" rtl="0" eaLnBrk="1" latinLnBrk="0" hangingPunct="1">
+      <a:defRPr sz="1200" kern="1200">
+        <a:solidFill>
+          <a:schemeClr val="tx1"/>
+        </a:solidFill>
+        <a:latin typeface="+mn-lt"/>
+        <a:ea typeface="+mn-ea"/>
+        <a:cs typeface="+mn-cs"/>
+      </a:defRPr>
+    </a:lvl4pPr>
+    <a:lvl5pPr marL="1828800" algn="l" defTabSz="914400" rtl="0" eaLnBrk="1" latinLnBrk="0" hangingPunct="1">
+      <a:defRPr sz="1200" kern="1200">
+        <a:solidFill>
+          <a:schemeClr val="tx1"/>
+        </a:solidFill>
+        <a:latin typeface="+mn-lt"/>
+        <a:ea typeface="+mn-ea"/>
+        <a:cs typeface="+mn-cs"/>
+      </a:defRPr>
+    </a:lvl5pPr>
+    <a:lvl6pPr marL="2286000" algn="l" defTabSz="914400" rtl="0" eaLnBrk="1" latinLnBrk="0" hangingPunct="1">
+      <a:defRPr sz="1200" kern="1200">
+        <a:solidFill>
+          <a:schemeClr val="tx1"/>
+        </a:solidFill>
+        <a:latin typeface="+mn-lt"/>
+        <a:ea typeface="+mn-ea"/>
+        <a:cs typeface="+mn-cs"/>
+      </a:defRPr>
+    </a:lvl6pPr>
+    <a:lvl7pPr marL="2743200" algn="l" defTabSz="914400" rtl="0" eaLnBrk="1" latinLnBrk="0" hangingPunct="1">
+      <a:defRPr sz="1200" kern="1200">
+        <a:solidFill>
+          <a:schemeClr val="tx1"/>
+        </a:solidFill>
+        <a:latin typeface="+mn-lt"/>
+        <a:ea typeface="+mn-ea"/>
+        <a:cs typeface="+mn-cs"/>
+      </a:defRPr>
+    </a:lvl7pPr>
+    <a:lvl8pPr marL="3200400" algn="l" defTabSz="914400" rtl="0" eaLnBrk="1" latinLnBrk="0" hangingPunct="1">
+      <a:defRPr sz="1200" kern="1200">
+        <a:solidFill>
+          <a:schemeClr val="tx1"/>
+        </a:solidFill>
+        <a:latin typeface="+mn-lt"/>
+        <a:ea typeface="+mn-ea"/>
+        <a:cs typeface="+mn-cs"/>
+      </a:defRPr>
+    </a:lvl8pPr>
+    <a:lvl9pPr marL="3657600" algn="l" defTabSz="914400" rtl="0" eaLnBrk="1" latinLnBrk="0" hangingPunct="1">
+      <a:defRPr sz="1200" kern="1200">
+        <a:solidFill>
+          <a:schemeClr val="tx1"/>
+        </a:solidFill>
+        <a:latin typeface="+mn-lt"/>
+        <a:ea typeface="+mn-ea"/>
+        <a:cs typeface="+mn-cs"/>
+      </a:defRPr>
+    </a:lvl9pPr>
+  </p:notesStyle>
+</p:notesMaster>
+</file>
+
+<file path=ppt/notesSlides/notesSlide1.xml><?xml version="1.0" encoding="utf-8"?>
+<p:notes xmlns:a="http://schemas.openxmlformats.org/drawingml/2006/main" xmlns:r="http://schemas.openxmlformats.org/officeDocument/2006/relationships" xmlns:p="http://schemas.openxmlformats.org/presentationml/2006/main">
   <p:cSld>
     <p:spTree>
       <p:nvGrpSpPr>
@@ -41,231 +471,78 @@
       </p:grpSpPr>
       <p:sp>
         <p:nvSpPr>
-          <p:cNvPr id="88" name="PlaceHolder 1"/>
+          <p:cNvPr id="2" name="Slide Image Placeholder 1"/>
+          <p:cNvSpPr>
+            <a:spLocks noGrp="1" noRot="1" noChangeAspect="1"/>
+          </p:cNvSpPr>
+          <p:nvPr>
+            <p:ph type="sldImg"/>
+          </p:nvPr>
+        </p:nvSpPr>
+        <p:spPr/>
+      </p:sp>
+      <p:sp>
+        <p:nvSpPr>
+          <p:cNvPr id="3" name="Notes Placeholder 2"/>
           <p:cNvSpPr>
             <a:spLocks noGrp="1"/>
           </p:cNvSpPr>
           <p:nvPr>
-            <p:ph type="sldImg"/>
-          </p:nvPr>
-        </p:nvSpPr>
-        <p:spPr>
-          <a:xfrm>
-            <a:off x="533520" y="764280"/>
-            <a:ext cx="6704640" cy="3771360"/>
-          </a:xfrm>
-          <a:prstGeom prst="rect">
-            <a:avLst/>
-          </a:prstGeom>
-        </p:spPr>
-        <p:txBody>
-          <a:bodyPr lIns="0" rIns="0" tIns="0" bIns="0" anchor="ctr">
-            <a:noAutofit/>
-          </a:bodyPr>
-          <a:p>
-            <a:pPr algn="ctr"/>
-            <a:r>
-              <a:rPr b="0" lang="en-US" sz="4400" spc="-1" strike="noStrike">
-                <a:latin typeface="Arial"/>
-              </a:rPr>
-              <a:t>Click to move the slide</a:t>
-            </a:r>
-            <a:endParaRPr b="0" lang="en-US" sz="4400" spc="-1" strike="noStrike">
-              <a:latin typeface="Arial"/>
-            </a:endParaRPr>
-          </a:p>
-        </p:txBody>
-      </p:sp>
-      <p:sp>
-        <p:nvSpPr>
-          <p:cNvPr id="89" name="PlaceHolder 2"/>
+            <p:ph type="body" idx="1"/>
+          </p:nvPr>
+        </p:nvSpPr>
+        <p:spPr/>
+        <p:txBody>
+          <a:bodyPr/>
+          <a:lstStyle/>
+          <a:p>
+            <a:endParaRPr lang="en-US"/>
+          </a:p>
+        </p:txBody>
+      </p:sp>
+      <p:sp>
+        <p:nvSpPr>
+          <p:cNvPr id="4" name="Slide Number Placeholder 3"/>
           <p:cNvSpPr>
             <a:spLocks noGrp="1"/>
           </p:cNvSpPr>
           <p:nvPr>
-            <p:ph type="body"/>
-          </p:nvPr>
-        </p:nvSpPr>
-        <p:spPr>
-          <a:xfrm>
-            <a:off x="777240" y="4777560"/>
-            <a:ext cx="6217560" cy="4525920"/>
-          </a:xfrm>
-          <a:prstGeom prst="rect">
-            <a:avLst/>
-          </a:prstGeom>
-        </p:spPr>
-        <p:txBody>
-          <a:bodyPr lIns="0" rIns="0" tIns="0" bIns="0">
-            <a:noAutofit/>
-          </a:bodyPr>
-          <a:p>
-            <a:r>
-              <a:rPr b="0" lang="en-US" sz="2000" spc="-1" strike="noStrike">
-                <a:latin typeface="Arial"/>
-              </a:rPr>
-              <a:t>Click to edit the notes format</a:t>
-            </a:r>
-            <a:endParaRPr b="0" lang="en-US" sz="2000" spc="-1" strike="noStrike">
-              <a:latin typeface="Arial"/>
-            </a:endParaRPr>
-          </a:p>
-        </p:txBody>
-      </p:sp>
-      <p:sp>
-        <p:nvSpPr>
-          <p:cNvPr id="90" name="PlaceHolder 3"/>
-          <p:cNvSpPr>
-            <a:spLocks noGrp="1"/>
-          </p:cNvSpPr>
-          <p:nvPr>
-            <p:ph type="hdr"/>
-          </p:nvPr>
-        </p:nvSpPr>
-        <p:spPr>
-          <a:xfrm>
-            <a:off x="0" y="0"/>
-            <a:ext cx="3372840" cy="502560"/>
-          </a:xfrm>
-          <a:prstGeom prst="rect">
-            <a:avLst/>
-          </a:prstGeom>
-        </p:spPr>
-        <p:txBody>
-          <a:bodyPr lIns="0" rIns="0" tIns="0" bIns="0">
-            <a:noAutofit/>
-          </a:bodyPr>
-          <a:p>
-            <a:r>
-              <a:rPr b="0" lang="en-US" sz="1400" spc="-1" strike="noStrike">
-                <a:latin typeface="Times New Roman"/>
-              </a:rPr>
-              <a:t>&lt;header&gt;</a:t>
-            </a:r>
-            <a:endParaRPr b="0" lang="en-US" sz="1400" spc="-1" strike="noStrike">
-              <a:latin typeface="Times New Roman"/>
-            </a:endParaRPr>
-          </a:p>
-        </p:txBody>
-      </p:sp>
-      <p:sp>
-        <p:nvSpPr>
-          <p:cNvPr id="91" name="PlaceHolder 4"/>
-          <p:cNvSpPr>
-            <a:spLocks noGrp="1"/>
-          </p:cNvSpPr>
-          <p:nvPr>
-            <p:ph type="dt"/>
-          </p:nvPr>
-        </p:nvSpPr>
-        <p:spPr>
-          <a:xfrm>
-            <a:off x="4399200" y="0"/>
-            <a:ext cx="3372840" cy="502560"/>
-          </a:xfrm>
-          <a:prstGeom prst="rect">
-            <a:avLst/>
-          </a:prstGeom>
-        </p:spPr>
-        <p:txBody>
-          <a:bodyPr lIns="0" rIns="0" tIns="0" bIns="0">
-            <a:noAutofit/>
-          </a:bodyPr>
-          <a:p>
-            <a:pPr algn="r"/>
-            <a:r>
-              <a:rPr b="0" lang="en-US" sz="1400" spc="-1" strike="noStrike">
-                <a:latin typeface="Times New Roman"/>
-              </a:rPr>
-              <a:t>&lt;date/time&gt;</a:t>
-            </a:r>
-            <a:endParaRPr b="0" lang="en-US" sz="1400" spc="-1" strike="noStrike">
-              <a:latin typeface="Times New Roman"/>
-            </a:endParaRPr>
-          </a:p>
-        </p:txBody>
-      </p:sp>
-      <p:sp>
-        <p:nvSpPr>
-          <p:cNvPr id="92" name="PlaceHolder 5"/>
-          <p:cNvSpPr>
-            <a:spLocks noGrp="1"/>
-          </p:cNvSpPr>
-          <p:nvPr>
-            <p:ph type="ftr"/>
-          </p:nvPr>
-        </p:nvSpPr>
-        <p:spPr>
-          <a:xfrm>
-            <a:off x="0" y="9555480"/>
-            <a:ext cx="3372840" cy="502560"/>
-          </a:xfrm>
-          <a:prstGeom prst="rect">
-            <a:avLst/>
-          </a:prstGeom>
-        </p:spPr>
-        <p:txBody>
-          <a:bodyPr lIns="0" rIns="0" tIns="0" bIns="0" anchor="b">
-            <a:noAutofit/>
-          </a:bodyPr>
-          <a:p>
-            <a:r>
-              <a:rPr b="0" lang="en-US" sz="1400" spc="-1" strike="noStrike">
-                <a:latin typeface="Times New Roman"/>
-              </a:rPr>
-              <a:t>&lt;footer&gt;</a:t>
-            </a:r>
-            <a:endParaRPr b="0" lang="en-US" sz="1400" spc="-1" strike="noStrike">
-              <a:latin typeface="Times New Roman"/>
-            </a:endParaRPr>
-          </a:p>
-        </p:txBody>
-      </p:sp>
-      <p:sp>
-        <p:nvSpPr>
-          <p:cNvPr id="93" name="PlaceHolder 6"/>
-          <p:cNvSpPr>
-            <a:spLocks noGrp="1"/>
-          </p:cNvSpPr>
-          <p:nvPr>
             <p:ph type="sldNum"/>
           </p:nvPr>
         </p:nvSpPr>
-        <p:spPr>
-          <a:xfrm>
-            <a:off x="4399200" y="9555480"/>
-            <a:ext cx="3372840" cy="502560"/>
-          </a:xfrm>
-          <a:prstGeom prst="rect">
-            <a:avLst/>
-          </a:prstGeom>
-        </p:spPr>
-        <p:txBody>
-          <a:bodyPr lIns="0" rIns="0" tIns="0" bIns="0" anchor="b">
-            <a:noAutofit/>
-          </a:bodyPr>
+        <p:spPr/>
+        <p:txBody>
+          <a:bodyPr/>
+          <a:lstStyle/>
           <a:p>
             <a:pPr algn="r"/>
             <a:fld id="{75722BA3-20F0-4021-8A26-813318EB429E}" type="slidenum">
-              <a:rPr b="0" lang="en-US" sz="1400" spc="-1" strike="noStrike">
+              <a:rPr lang="en-US" sz="1400" b="0" strike="noStrike" spc="-1" smtClean="0">
                 <a:latin typeface="Times New Roman"/>
               </a:rPr>
-              <a:t>&lt;number&gt;</a:t>
+              <a:t>1</a:t>
             </a:fld>
-            <a:endParaRPr b="0" lang="en-US" sz="1400" spc="-1" strike="noStrike">
+            <a:endParaRPr lang="en-US" sz="1400" b="0" strike="noStrike" spc="-1">
               <a:latin typeface="Times New Roman"/>
             </a:endParaRPr>
           </a:p>
         </p:txBody>
       </p:sp>
     </p:spTree>
+    <p:extLst>
+      <p:ext uri="{BB962C8B-B14F-4D97-AF65-F5344CB8AC3E}">
+        <p14:creationId xmlns:p14="http://schemas.microsoft.com/office/powerpoint/2010/main" val="3769452832"/>
+      </p:ext>
+    </p:extLst>
   </p:cSld>
-  <p:clrMap bg1="lt1" bg2="lt2" tx1="dk1" tx2="dk2" accent1="accent1" accent2="accent2" accent3="accent3" accent4="accent4" accent5="accent5" accent6="accent6" hlink="hlink" folHlink="folHlink"/>
-</p:notesMaster>
+  <p:clrMapOvr>
+    <a:masterClrMapping/>
+  </p:clrMapOvr>
+</p:notes>
 </file>
 
 <file path=ppt/notesSlides/notesSlide2.xml><?xml version="1.0" encoding="utf-8"?>
-<p:notes xmlns:a="http://schemas.openxmlformats.org/drawingml/2006/main" xmlns:p="http://schemas.openxmlformats.org/presentationml/2006/main" xmlns:r="http://schemas.openxmlformats.org/officeDocument/2006/relationships" xmlns:p14="http://schemas.microsoft.com/office/powerpoint/2010/main" xmlns:p15="http://schemas.microsoft.com/office/powerpoint/2012/main" xmlns:mc="http://schemas.openxmlformats.org/markup-compatibility/2006">
+<p:notes xmlns:a="http://schemas.openxmlformats.org/drawingml/2006/main" xmlns:r="http://schemas.openxmlformats.org/officeDocument/2006/relationships" xmlns:p="http://schemas.openxmlformats.org/presentationml/2006/main">
   <p:cSld>
     <p:spTree>
       <p:nvGrpSpPr>
@@ -285,7 +562,7 @@
         <p:nvSpPr>
           <p:cNvPr id="122" name="PlaceHolder 1"/>
           <p:cNvSpPr>
-            <a:spLocks noGrp="1"/>
+            <a:spLocks noGrp="1" noRot="1" noChangeAspect="1"/>
           </p:cNvSpPr>
           <p:nvPr>
             <p:ph type="sldImg"/>
@@ -293,8 +570,8 @@
         </p:nvSpPr>
         <p:spPr>
           <a:xfrm>
-            <a:off x="381240" y="685800"/>
-            <a:ext cx="6095160" cy="3428280"/>
+            <a:off x="381000" y="685800"/>
+            <a:ext cx="6096000" cy="3429000"/>
           </a:xfrm>
           <a:prstGeom prst="rect">
             <a:avLst/>
@@ -321,25 +598,199 @@
           </a:prstGeom>
         </p:spPr>
         <p:txBody>
-          <a:bodyPr lIns="0" rIns="0" tIns="91440" bIns="91440">
+          <a:bodyPr lIns="0" tIns="91440" rIns="0" bIns="91440">
             <a:noAutofit/>
           </a:bodyPr>
+          <a:lstStyle/>
           <a:p>
             <a:pPr marL="216000" indent="-216000">
               <a:lnSpc>
                 <a:spcPct val="100000"/>
               </a:lnSpc>
               <a:tabLst>
-                <a:tab algn="l" pos="0"/>
+                <a:tab pos="0" algn="l"/>
               </a:tabLst>
             </a:pPr>
             <a:r>
-              <a:rPr b="0" lang="en" sz="1100" spc="-1" strike="noStrike">
+              <a:rPr lang="en-US" sz="1100" b="0" u="sng" strike="noStrike" spc="-1" dirty="0">
                 <a:latin typeface="Arial"/>
               </a:rPr>
-              <a:t>Fill in appropriate data set descriptions.</a:t>
-            </a:r>
-            <a:endParaRPr b="0" lang="en-US" sz="1100" spc="-1" strike="noStrike">
+              <a:t>D</a:t>
+            </a:r>
+            <a:r>
+              <a:rPr lang="en" sz="1100" b="0" u="sng" strike="noStrike" spc="-1" dirty="0">
+                <a:latin typeface="Arial"/>
+              </a:rPr>
+              <a:t>ata set descriptions</a:t>
+            </a:r>
+            <a:r>
+              <a:rPr lang="en" sz="1100" b="0" strike="noStrike" spc="-1" dirty="0">
+                <a:latin typeface="Arial"/>
+              </a:rPr>
+              <a:t>:</a:t>
+            </a:r>
+          </a:p>
+          <a:p>
+            <a:pPr marL="673200" lvl="1" indent="-216000">
+              <a:lnSpc>
+                <a:spcPct val="100000"/>
+              </a:lnSpc>
+              <a:tabLst>
+                <a:tab pos="0" algn="l"/>
+              </a:tabLst>
+            </a:pPr>
+            <a:r>
+              <a:rPr lang="en-US" sz="1100" b="0" strike="noStrike" spc="-1" dirty="0">
+                <a:latin typeface="Arial"/>
+              </a:rPr>
+              <a:t>Two types of datasets are available to solve our problems</a:t>
+            </a:r>
+          </a:p>
+          <a:p>
+            <a:pPr marL="673200" lvl="1" indent="-216000">
+              <a:lnSpc>
+                <a:spcPct val="100000"/>
+              </a:lnSpc>
+              <a:tabLst>
+                <a:tab pos="0" algn="l"/>
+              </a:tabLst>
+            </a:pPr>
+            <a:r>
+              <a:rPr lang="en-US" sz="1100" b="0" strike="noStrike" spc="-1" dirty="0">
+                <a:latin typeface="Arial"/>
+              </a:rPr>
+              <a:t>1. </a:t>
+            </a:r>
+            <a:r>
+              <a:rPr lang="en-US" sz="1100" b="0" u="sng" strike="noStrike" spc="-1" dirty="0">
+                <a:latin typeface="Arial"/>
+              </a:rPr>
+              <a:t>Flamingo-data</a:t>
+            </a:r>
+          </a:p>
+          <a:p>
+            <a:pPr marL="673200" lvl="1" indent="-216000">
+              <a:lnSpc>
+                <a:spcPct val="100000"/>
+              </a:lnSpc>
+              <a:buFontTx/>
+              <a:buChar char="-"/>
+              <a:tabLst>
+                <a:tab pos="0" algn="l"/>
+              </a:tabLst>
+            </a:pPr>
+            <a:r>
+              <a:rPr lang="en-US" sz="1100" b="0" strike="noStrike" spc="-1" dirty="0">
+                <a:latin typeface="Arial"/>
+              </a:rPr>
+              <a:t>Users, teams and team levels in csv files</a:t>
+            </a:r>
+          </a:p>
+          <a:p>
+            <a:pPr marL="673200" lvl="1" indent="-216000">
+              <a:lnSpc>
+                <a:spcPct val="100000"/>
+              </a:lnSpc>
+              <a:buFontTx/>
+              <a:buChar char="-"/>
+              <a:tabLst>
+                <a:tab pos="0" algn="l"/>
+              </a:tabLst>
+            </a:pPr>
+            <a:r>
+              <a:rPr lang="en-US" sz="1100" b="0" strike="noStrike" spc="-1" dirty="0">
+                <a:latin typeface="Arial"/>
+              </a:rPr>
+              <a:t>Game, Ad and Buy clicks in game dumped into csv files </a:t>
+            </a:r>
+          </a:p>
+          <a:p>
+            <a:pPr marL="457200" lvl="1" indent="0">
+              <a:lnSpc>
+                <a:spcPct val="100000"/>
+              </a:lnSpc>
+              <a:buFontTx/>
+              <a:buNone/>
+              <a:tabLst>
+                <a:tab pos="0" algn="l"/>
+              </a:tabLst>
+            </a:pPr>
+            <a:r>
+              <a:rPr lang="en" sz="1100" b="0" strike="noStrike" spc="-1" dirty="0">
+                <a:latin typeface="Arial"/>
+              </a:rPr>
+              <a:t>2. </a:t>
+            </a:r>
+            <a:r>
+              <a:rPr lang="en-US" sz="1100" b="0" u="sng" strike="noStrike" spc="-1" dirty="0">
+                <a:latin typeface="Arial"/>
+              </a:rPr>
+              <a:t>Chat-data</a:t>
+            </a:r>
+          </a:p>
+          <a:p>
+            <a:pPr marL="628650" lvl="1" indent="-171450">
+              <a:lnSpc>
+                <a:spcPct val="100000"/>
+              </a:lnSpc>
+              <a:buFontTx/>
+              <a:buChar char="-"/>
+              <a:tabLst>
+                <a:tab pos="0" algn="l"/>
+              </a:tabLst>
+            </a:pPr>
+            <a:r>
+              <a:rPr lang="en-US" sz="1100" b="0" strike="noStrike" spc="-1" dirty="0">
+                <a:latin typeface="Arial"/>
+              </a:rPr>
+              <a:t>User, team and chat sessions with relations like Join, Leaves, </a:t>
+            </a:r>
+            <a:r>
+              <a:rPr lang="en-US" sz="1100" b="0" strike="noStrike" spc="-1" dirty="0" err="1">
+                <a:latin typeface="Arial"/>
+              </a:rPr>
+              <a:t>CreateSession</a:t>
+            </a:r>
+            <a:endParaRPr lang="en-US" sz="1100" b="0" strike="noStrike" spc="-1" dirty="0">
+              <a:latin typeface="Arial"/>
+            </a:endParaRPr>
+          </a:p>
+          <a:p>
+            <a:pPr marL="628650" lvl="1" indent="-171450">
+              <a:lnSpc>
+                <a:spcPct val="100000"/>
+              </a:lnSpc>
+              <a:buFontTx/>
+              <a:buChar char="-"/>
+              <a:tabLst>
+                <a:tab pos="0" algn="l"/>
+              </a:tabLst>
+            </a:pPr>
+            <a:r>
+              <a:rPr lang="en-US" sz="1100" b="0" strike="noStrike" spc="-1" dirty="0">
+                <a:latin typeface="Arial"/>
+              </a:rPr>
+              <a:t>Chat message item with user relations like Mentioned, </a:t>
+            </a:r>
+            <a:r>
+              <a:rPr lang="en-US" sz="1100" b="0" strike="noStrike" spc="-1" dirty="0" err="1">
+                <a:latin typeface="Arial"/>
+              </a:rPr>
+              <a:t>PartOf</a:t>
+            </a:r>
+            <a:r>
+              <a:rPr lang="en-US" sz="1100" b="0" strike="noStrike" spc="-1" dirty="0">
+                <a:latin typeface="Arial"/>
+              </a:rPr>
+              <a:t> and </a:t>
+            </a:r>
+            <a:r>
+              <a:rPr lang="en-US" sz="1100" b="0" strike="noStrike" spc="-1" dirty="0" err="1">
+                <a:latin typeface="Arial"/>
+              </a:rPr>
+              <a:t>ResponseTo</a:t>
+            </a:r>
+            <a:endParaRPr lang="en" sz="1100" b="0" strike="noStrike" spc="-1" dirty="0">
               <a:latin typeface="Arial"/>
             </a:endParaRPr>
           </a:p>
@@ -349,16 +800,243 @@
                 <a:spcPct val="100000"/>
               </a:lnSpc>
               <a:tabLst>
-                <a:tab algn="l" pos="0"/>
+                <a:tab pos="0" algn="l"/>
               </a:tabLst>
             </a:pPr>
-            <a:r>
-              <a:rPr b="0" lang="en" sz="1100" spc="-1" strike="noStrike">
+            <a:endParaRPr lang="en-US" sz="1100" b="0" strike="noStrike" spc="-1" dirty="0">
+              <a:latin typeface="Arial"/>
+            </a:endParaRPr>
+          </a:p>
+          <a:p>
+            <a:pPr marL="216000" indent="-216000">
+              <a:lnSpc>
+                <a:spcPct val="100000"/>
+              </a:lnSpc>
+              <a:tabLst>
+                <a:tab pos="0" algn="l"/>
+              </a:tabLst>
+            </a:pPr>
+            <a:r>
+              <a:rPr lang="en-US" sz="1100" b="0" u="sng" strike="noStrike" spc="-1" dirty="0">
                 <a:latin typeface="Arial"/>
               </a:rPr>
-              <a:t>In your script, be sure to make clear how this is a data science story.  State in your own words YOUR opinion of why the different kinds and sources of data are so important for Eglence to be able to identify new revenue opportunities.</a:t>
-            </a:r>
-            <a:endParaRPr b="0" lang="en-US" sz="1100" spc="-1" strike="noStrike">
+              <a:t>D</a:t>
+            </a:r>
+            <a:r>
+              <a:rPr lang="en" sz="1100" b="0" u="sng" strike="noStrike" spc="-1" dirty="0">
+                <a:latin typeface="Arial"/>
+              </a:rPr>
+              <a:t>ata </a:t>
+            </a:r>
+            <a:r>
+              <a:rPr lang="en-US" sz="1100" b="0" u="sng" strike="noStrike" spc="-1" dirty="0">
+                <a:latin typeface="Arial"/>
+              </a:rPr>
+              <a:t>S</a:t>
+            </a:r>
+            <a:r>
+              <a:rPr lang="en" sz="1100" b="0" u="sng" strike="noStrike" spc="-1" dirty="0">
+                <a:latin typeface="Arial"/>
+              </a:rPr>
+              <a:t>cience Story</a:t>
+            </a:r>
+            <a:r>
+              <a:rPr lang="en" sz="1100" b="0" strike="noStrike" spc="-1" dirty="0">
+                <a:latin typeface="Arial"/>
+              </a:rPr>
+              <a:t>:</a:t>
+            </a:r>
+          </a:p>
+          <a:p>
+            <a:pPr marL="216000" indent="-216000">
+              <a:lnSpc>
+                <a:spcPct val="100000"/>
+              </a:lnSpc>
+              <a:buFontTx/>
+              <a:buChar char="-"/>
+              <a:tabLst>
+                <a:tab pos="0" algn="l"/>
+              </a:tabLst>
+            </a:pPr>
+            <a:r>
+              <a:rPr lang="en" sz="1100" b="0" strike="noStrike" spc="-1" dirty="0">
+                <a:latin typeface="Arial"/>
+              </a:rPr>
+              <a:t>Eglence needs a </a:t>
+            </a:r>
+            <a:r>
+              <a:rPr lang="en-US" sz="1100" b="0" strike="noStrike" spc="-1" dirty="0">
+                <a:latin typeface="Arial"/>
+              </a:rPr>
+              <a:t>f</a:t>
+            </a:r>
+            <a:r>
+              <a:rPr lang="en" sz="1100" b="0" strike="noStrike" spc="-1" dirty="0">
+                <a:latin typeface="Arial"/>
+              </a:rPr>
+              <a:t>ocused </a:t>
+            </a:r>
+            <a:r>
+              <a:rPr lang="en-US" sz="1100" b="0" strike="noStrike" spc="-1" dirty="0">
+                <a:latin typeface="Arial"/>
+              </a:rPr>
+              <a:t>analytics driven </a:t>
+            </a:r>
+            <a:r>
+              <a:rPr lang="en" sz="1100" b="0" strike="noStrike" spc="-1" dirty="0">
+                <a:latin typeface="Arial"/>
+              </a:rPr>
+              <a:t>campaign to generate revenue from game players</a:t>
+            </a:r>
+          </a:p>
+          <a:p>
+            <a:pPr marL="216000" indent="-216000">
+              <a:lnSpc>
+                <a:spcPct val="100000"/>
+              </a:lnSpc>
+              <a:buFontTx/>
+              <a:buChar char="-"/>
+              <a:tabLst>
+                <a:tab pos="0" algn="l"/>
+              </a:tabLst>
+            </a:pPr>
+            <a:r>
+              <a:rPr lang="en" sz="1100" b="0" strike="noStrike" spc="-1" dirty="0">
+                <a:latin typeface="Arial"/>
+              </a:rPr>
+              <a:t>Analytics will focus on the </a:t>
+            </a:r>
+            <a:r>
+              <a:rPr lang="en-US" sz="1100" b="0" strike="noStrike" spc="-1" dirty="0">
+                <a:latin typeface="Arial"/>
+              </a:rPr>
+              <a:t>two types of game related data for patterns and translate them to actionable strategies</a:t>
+            </a:r>
+          </a:p>
+          <a:p>
+            <a:pPr marL="216000" indent="-216000">
+              <a:lnSpc>
+                <a:spcPct val="100000"/>
+              </a:lnSpc>
+              <a:buFontTx/>
+              <a:buChar char="-"/>
+              <a:tabLst>
+                <a:tab pos="0" algn="l"/>
+              </a:tabLst>
+            </a:pPr>
+            <a:r>
+              <a:rPr lang="en-US" sz="1100" b="0" strike="noStrike" spc="-1" dirty="0">
+                <a:latin typeface="Arial"/>
+              </a:rPr>
+              <a:t>Flamingo data and chat data are the two data sources available to drive our analysis</a:t>
+            </a:r>
+          </a:p>
+          <a:p>
+            <a:pPr marL="673200" lvl="1" indent="-216000">
+              <a:lnSpc>
+                <a:spcPct val="100000"/>
+              </a:lnSpc>
+              <a:buFontTx/>
+              <a:buChar char="-"/>
+              <a:tabLst>
+                <a:tab pos="0" algn="l"/>
+              </a:tabLst>
+            </a:pPr>
+            <a:r>
+              <a:rPr lang="en-US" sz="1100" b="0" strike="noStrike" spc="-1" dirty="0">
+                <a:latin typeface="Arial"/>
+              </a:rPr>
+              <a:t>Data about platform, users and revenue will help us understand the demography and high-stake individuals </a:t>
+            </a:r>
+          </a:p>
+          <a:p>
+            <a:pPr marL="673200" lvl="1" indent="-216000">
+              <a:lnSpc>
+                <a:spcPct val="100000"/>
+              </a:lnSpc>
+              <a:buFontTx/>
+              <a:buChar char="-"/>
+              <a:tabLst>
+                <a:tab pos="0" algn="l"/>
+              </a:tabLst>
+            </a:pPr>
+            <a:r>
+              <a:rPr lang="en-US" sz="1100" b="0" strike="noStrike" spc="-1" dirty="0">
+                <a:latin typeface="Arial"/>
+              </a:rPr>
+              <a:t>Data about chat and message patters will provide information about active communities and teams</a:t>
+            </a:r>
+          </a:p>
+          <a:p>
+            <a:pPr marL="0" lvl="0" indent="0">
+              <a:lnSpc>
+                <a:spcPct val="100000"/>
+              </a:lnSpc>
+              <a:buFontTx/>
+              <a:buNone/>
+              <a:tabLst>
+                <a:tab pos="0" algn="l"/>
+              </a:tabLst>
+            </a:pPr>
+            <a:endParaRPr lang="en-US" sz="1100" b="0" strike="noStrike" spc="-1" dirty="0">
+              <a:latin typeface="Arial"/>
+            </a:endParaRPr>
+          </a:p>
+          <a:p>
+            <a:pPr marL="0" lvl="0" indent="0">
+              <a:lnSpc>
+                <a:spcPct val="100000"/>
+              </a:lnSpc>
+              <a:buFontTx/>
+              <a:buNone/>
+              <a:tabLst>
+                <a:tab pos="0" algn="l"/>
+              </a:tabLst>
+            </a:pPr>
+            <a:endParaRPr lang="en-US" sz="1100" b="0" strike="noStrike" spc="-1" dirty="0">
+              <a:latin typeface="Arial"/>
+            </a:endParaRPr>
+          </a:p>
+          <a:p>
+            <a:pPr marL="0" lvl="0" indent="0">
+              <a:lnSpc>
+                <a:spcPct val="100000"/>
+              </a:lnSpc>
+              <a:buFontTx/>
+              <a:buNone/>
+              <a:tabLst>
+                <a:tab pos="0" algn="l"/>
+              </a:tabLst>
+            </a:pPr>
+            <a:endParaRPr lang="en" sz="1100" b="0" strike="noStrike" spc="-1" dirty="0">
+              <a:latin typeface="Arial"/>
+            </a:endParaRPr>
+          </a:p>
+          <a:p>
+            <a:pPr marL="216000" indent="-216000">
+              <a:lnSpc>
+                <a:spcPct val="100000"/>
+              </a:lnSpc>
+              <a:buFontTx/>
+              <a:buChar char="-"/>
+              <a:tabLst>
+                <a:tab pos="0" algn="l"/>
+              </a:tabLst>
+            </a:pPr>
+            <a:endParaRPr lang="en" sz="1100" b="0" strike="noStrike" spc="-1" dirty="0">
+              <a:latin typeface="Arial"/>
+            </a:endParaRPr>
+          </a:p>
+          <a:p>
+            <a:pPr marL="216000" indent="-216000">
+              <a:lnSpc>
+                <a:spcPct val="100000"/>
+              </a:lnSpc>
+              <a:tabLst>
+                <a:tab pos="0" algn="l"/>
+              </a:tabLst>
+            </a:pPr>
+            <a:endParaRPr lang="en-US" sz="1100" b="0" strike="noStrike" spc="-1" dirty="0">
               <a:latin typeface="Arial"/>
             </a:endParaRPr>
           </a:p>
@@ -366,11 +1044,14 @@
       </p:sp>
     </p:spTree>
   </p:cSld>
+  <p:clrMapOvr>
+    <a:masterClrMapping/>
+  </p:clrMapOvr>
 </p:notes>
 </file>
 
 <file path=ppt/notesSlides/notesSlide3.xml><?xml version="1.0" encoding="utf-8"?>
-<p:notes xmlns:a="http://schemas.openxmlformats.org/drawingml/2006/main" xmlns:p="http://schemas.openxmlformats.org/presentationml/2006/main" xmlns:r="http://schemas.openxmlformats.org/officeDocument/2006/relationships" xmlns:p14="http://schemas.microsoft.com/office/powerpoint/2010/main" xmlns:p15="http://schemas.microsoft.com/office/powerpoint/2012/main" xmlns:mc="http://schemas.openxmlformats.org/markup-compatibility/2006">
+<p:notes xmlns:a="http://schemas.openxmlformats.org/drawingml/2006/main" xmlns:r="http://schemas.openxmlformats.org/officeDocument/2006/relationships" xmlns:p="http://schemas.openxmlformats.org/presentationml/2006/main">
   <p:cSld>
     <p:spTree>
       <p:nvGrpSpPr>
@@ -390,7 +1071,7 @@
         <p:nvSpPr>
           <p:cNvPr id="124" name="PlaceHolder 1"/>
           <p:cNvSpPr>
-            <a:spLocks noGrp="1"/>
+            <a:spLocks noGrp="1" noRot="1" noChangeAspect="1"/>
           </p:cNvSpPr>
           <p:nvPr>
             <p:ph type="sldImg"/>
@@ -398,8 +1079,8 @@
         </p:nvSpPr>
         <p:spPr>
           <a:xfrm>
-            <a:off x="381240" y="685800"/>
-            <a:ext cx="6095160" cy="3428280"/>
+            <a:off x="381000" y="685800"/>
+            <a:ext cx="6096000" cy="3429000"/>
           </a:xfrm>
           <a:prstGeom prst="rect">
             <a:avLst/>
@@ -426,37 +1107,76 @@
           </a:prstGeom>
         </p:spPr>
         <p:txBody>
-          <a:bodyPr lIns="0" rIns="0" tIns="91440" bIns="91440">
+          <a:bodyPr lIns="0" tIns="91440" rIns="0" bIns="91440">
             <a:noAutofit/>
           </a:bodyPr>
+          <a:lstStyle/>
           <a:p>
             <a:pPr marL="216000" indent="-216000">
               <a:lnSpc>
                 <a:spcPct val="100000"/>
               </a:lnSpc>
+              <a:buFontTx/>
+              <a:buChar char="-"/>
               <a:tabLst>
-                <a:tab algn="l" pos="0"/>
+                <a:tab pos="0" algn="l"/>
               </a:tabLst>
             </a:pPr>
             <a:r>
-              <a:rPr b="0" lang="en" sz="1100" spc="-1" strike="noStrike">
+              <a:rPr lang="en-US" sz="1100" b="0" strike="noStrike" spc="-1" dirty="0">
                 <a:latin typeface="Arial"/>
               </a:rPr>
-              <a:t>Assuming you have &lt;2 minutes for this slide, what is the most important thing(s) to convey from your experience with exploring the data?</a:t>
-            </a:r>
-            <a:endParaRPr b="0" lang="en-US" sz="1100" spc="-1" strike="noStrike">
-              <a:latin typeface="Arial"/>
-            </a:endParaRPr>
+              <a:t>We look at the Flamingo-data using Splunk data exploration platform</a:t>
+            </a:r>
+          </a:p>
+          <a:p>
+            <a:pPr marL="216000" indent="-216000">
+              <a:lnSpc>
+                <a:spcPct val="100000"/>
+              </a:lnSpc>
+              <a:buFontTx/>
+              <a:buChar char="-"/>
+              <a:tabLst>
+                <a:tab pos="0" algn="l"/>
+              </a:tabLst>
+            </a:pPr>
+            <a:r>
+              <a:rPr lang="en-US" sz="1100" b="0" strike="noStrike" spc="-1" dirty="0">
+                <a:latin typeface="Arial"/>
+              </a:rPr>
+              <a:t>iPhone is identified as the platform used by top ranking revenue generators</a:t>
+            </a:r>
+          </a:p>
+          <a:p>
+            <a:pPr marL="216000" indent="-216000">
+              <a:lnSpc>
+                <a:spcPct val="100000"/>
+              </a:lnSpc>
+              <a:buFontTx/>
+              <a:buChar char="-"/>
+              <a:tabLst>
+                <a:tab pos="0" algn="l"/>
+              </a:tabLst>
+            </a:pPr>
+            <a:r>
+              <a:rPr lang="en-US" sz="1100" b="0" strike="noStrike" spc="-1" dirty="0">
+                <a:latin typeface="Arial"/>
+              </a:rPr>
+              <a:t>We also separate out the products most sought after and identify the products low in demand</a:t>
+            </a:r>
           </a:p>
         </p:txBody>
       </p:sp>
     </p:spTree>
   </p:cSld>
+  <p:clrMapOvr>
+    <a:masterClrMapping/>
+  </p:clrMapOvr>
 </p:notes>
 </file>
 
 <file path=ppt/notesSlides/notesSlide4.xml><?xml version="1.0" encoding="utf-8"?>
-<p:notes xmlns:a="http://schemas.openxmlformats.org/drawingml/2006/main" xmlns:p="http://schemas.openxmlformats.org/presentationml/2006/main" xmlns:r="http://schemas.openxmlformats.org/officeDocument/2006/relationships" xmlns:p14="http://schemas.microsoft.com/office/powerpoint/2010/main" xmlns:p15="http://schemas.microsoft.com/office/powerpoint/2012/main" xmlns:mc="http://schemas.openxmlformats.org/markup-compatibility/2006">
+<p:notes xmlns:a="http://schemas.openxmlformats.org/drawingml/2006/main" xmlns:r="http://schemas.openxmlformats.org/officeDocument/2006/relationships" xmlns:p="http://schemas.openxmlformats.org/presentationml/2006/main">
   <p:cSld>
     <p:spTree>
       <p:nvGrpSpPr>
@@ -476,7 +1196,7 @@
         <p:nvSpPr>
           <p:cNvPr id="126" name="PlaceHolder 1"/>
           <p:cNvSpPr>
-            <a:spLocks noGrp="1"/>
+            <a:spLocks noGrp="1" noRot="1" noChangeAspect="1"/>
           </p:cNvSpPr>
           <p:nvPr>
             <p:ph type="sldImg"/>
@@ -484,8 +1204,8 @@
         </p:nvSpPr>
         <p:spPr>
           <a:xfrm>
-            <a:off x="381240" y="685800"/>
-            <a:ext cx="6095160" cy="3428280"/>
+            <a:off x="381000" y="685800"/>
+            <a:ext cx="6096000" cy="3429000"/>
           </a:xfrm>
           <a:prstGeom prst="rect">
             <a:avLst/>
@@ -512,25 +1232,197 @@
           </a:prstGeom>
         </p:spPr>
         <p:txBody>
-          <a:bodyPr lIns="0" rIns="0" tIns="91440" bIns="91440">
+          <a:bodyPr lIns="0" tIns="91440" rIns="0" bIns="91440">
             <a:noAutofit/>
           </a:bodyPr>
+          <a:lstStyle/>
           <a:p>
             <a:pPr marL="216000" indent="-216000">
               <a:lnSpc>
                 <a:spcPct val="100000"/>
               </a:lnSpc>
               <a:tabLst>
-                <a:tab algn="l" pos="0"/>
+                <a:tab pos="0" algn="l"/>
               </a:tabLst>
             </a:pPr>
-            <a:r>
-              <a:rPr b="0" lang="en" sz="1100" spc="-1" strike="noStrike">
+            <a:endParaRPr lang="en" sz="1100" b="0" strike="noStrike" spc="-1" dirty="0">
+              <a:latin typeface="Arial"/>
+            </a:endParaRPr>
+          </a:p>
+          <a:p>
+            <a:pPr marL="216000" indent="-216000">
+              <a:lnSpc>
+                <a:spcPct val="100000"/>
+              </a:lnSpc>
+              <a:buFontTx/>
+              <a:buChar char="-"/>
+              <a:tabLst>
+                <a:tab pos="0" algn="l"/>
+              </a:tabLst>
+            </a:pPr>
+            <a:r>
+              <a:rPr lang="en-US" sz="1100" b="0" strike="noStrike" spc="-1" dirty="0">
                 <a:latin typeface="Arial"/>
               </a:rPr>
-              <a:t>Assume you have 2 minutes to present what you perceive to be the most important or remarkable points from your classification analysis.</a:t>
-            </a:r>
-            <a:endParaRPr b="0" lang="en-US" sz="1100" spc="-1" strike="noStrike">
+              <a:t>KNIME is used to classify the revenue based on </a:t>
+            </a:r>
+            <a:r>
+              <a:rPr lang="en-US" sz="1100" b="0" strike="noStrike" spc="-1" dirty="0" err="1">
+                <a:latin typeface="Arial"/>
+              </a:rPr>
+              <a:t>thresholded</a:t>
+            </a:r>
+            <a:r>
+              <a:rPr lang="en-US" sz="1100" b="0" strike="noStrike" spc="-1" dirty="0">
+                <a:latin typeface="Arial"/>
+              </a:rPr>
+              <a:t> revenue categories </a:t>
+            </a:r>
+          </a:p>
+          <a:p>
+            <a:pPr marL="216000" marR="0" lvl="0" indent="-216000" algn="l" defTabSz="914400" rtl="0" eaLnBrk="1" fontAlgn="auto" latinLnBrk="0" hangingPunct="1">
+              <a:lnSpc>
+                <a:spcPct val="100000"/>
+              </a:lnSpc>
+              <a:spcBef>
+                <a:spcPts val="0"/>
+              </a:spcBef>
+              <a:spcAft>
+                <a:spcPts val="0"/>
+              </a:spcAft>
+              <a:buClrTx/>
+              <a:buSzTx/>
+              <a:buFontTx/>
+              <a:buChar char="-"/>
+              <a:tabLst>
+                <a:tab pos="0" algn="l"/>
+              </a:tabLst>
+              <a:defRPr/>
+            </a:pPr>
+            <a:r>
+              <a:rPr lang="en-US" sz="1100" b="0" strike="noStrike" spc="-1" dirty="0">
+                <a:latin typeface="+mn-lt"/>
+              </a:rPr>
+              <a:t>We use the Flamingo-data with revenue as our nominal feature in a </a:t>
+            </a:r>
+            <a:r>
+              <a:rPr lang="en-US" sz="1100" b="0" strike="noStrike" spc="-1" dirty="0" err="1">
+                <a:latin typeface="+mn-lt"/>
+              </a:rPr>
+              <a:t>DecisionTree</a:t>
+            </a:r>
+            <a:r>
+              <a:rPr lang="en-US" sz="1100" b="0" strike="noStrike" spc="-1" dirty="0">
+                <a:latin typeface="+mn-lt"/>
+              </a:rPr>
+              <a:t> workflow</a:t>
+            </a:r>
+            <a:endParaRPr lang="en-US" sz="1100" b="0" strike="noStrike" spc="-1" dirty="0">
+              <a:latin typeface="Arial"/>
+            </a:endParaRPr>
+          </a:p>
+          <a:p>
+            <a:pPr marL="216000" indent="-216000">
+              <a:lnSpc>
+                <a:spcPct val="100000"/>
+              </a:lnSpc>
+              <a:buFontTx/>
+              <a:buChar char="-"/>
+              <a:tabLst>
+                <a:tab pos="0" algn="l"/>
+              </a:tabLst>
+            </a:pPr>
+            <a:r>
+              <a:rPr lang="en-US" sz="1100" b="0" strike="noStrike" spc="-1" dirty="0">
+                <a:latin typeface="Arial"/>
+              </a:rPr>
+              <a:t>Classification result Scatter charts have </a:t>
+            </a:r>
+            <a:r>
+              <a:rPr lang="en-US" sz="1100" b="0" strike="noStrike" spc="-1" dirty="0" err="1">
+                <a:latin typeface="Arial"/>
+              </a:rPr>
+              <a:t>HighRoller</a:t>
+            </a:r>
+            <a:r>
+              <a:rPr lang="en-US" sz="1100" b="0" strike="noStrike" spc="-1" dirty="0">
+                <a:latin typeface="Arial"/>
+              </a:rPr>
+              <a:t> in red &amp; </a:t>
+            </a:r>
+            <a:r>
+              <a:rPr lang="en-US" sz="1100" b="0" strike="noStrike" spc="-1" dirty="0" err="1">
+                <a:latin typeface="Arial"/>
+              </a:rPr>
+              <a:t>PennyPinchers</a:t>
+            </a:r>
+            <a:r>
+              <a:rPr lang="en-US" sz="1100" b="0" strike="noStrike" spc="-1" dirty="0">
+                <a:latin typeface="Arial"/>
+              </a:rPr>
+              <a:t> in blue color</a:t>
+            </a:r>
+          </a:p>
+          <a:p>
+            <a:pPr marL="216000" indent="-216000">
+              <a:lnSpc>
+                <a:spcPct val="100000"/>
+              </a:lnSpc>
+              <a:buFontTx/>
+              <a:buChar char="-"/>
+              <a:tabLst>
+                <a:tab pos="0" algn="l"/>
+              </a:tabLst>
+            </a:pPr>
+            <a:r>
+              <a:rPr lang="en-US" sz="1100" b="0" strike="noStrike" spc="-1" dirty="0">
+                <a:latin typeface="Arial"/>
+              </a:rPr>
+              <a:t>We will need to promote product id 5 since that is the money making item including the iOS </a:t>
+            </a:r>
+            <a:r>
+              <a:rPr lang="en-US" sz="1100" b="0" strike="noStrike" spc="-1" dirty="0" err="1">
+                <a:latin typeface="Arial"/>
+              </a:rPr>
+              <a:t>iphone</a:t>
+            </a:r>
+            <a:r>
+              <a:rPr lang="en-US" sz="1100" b="0" strike="noStrike" spc="-1" dirty="0">
+                <a:latin typeface="Arial"/>
+              </a:rPr>
+              <a:t> platform</a:t>
+            </a:r>
+          </a:p>
+          <a:p>
+            <a:pPr marL="216000" indent="-216000">
+              <a:lnSpc>
+                <a:spcPct val="100000"/>
+              </a:lnSpc>
+              <a:buFontTx/>
+              <a:buChar char="-"/>
+              <a:tabLst>
+                <a:tab pos="0" algn="l"/>
+              </a:tabLst>
+            </a:pPr>
+            <a:r>
+              <a:rPr lang="en-US" sz="1100" b="0" strike="noStrike" spc="-1" dirty="0">
+                <a:latin typeface="Arial"/>
+              </a:rPr>
+              <a:t>The accuracy of this result is around 88% and should be considered in all claims</a:t>
+            </a:r>
+          </a:p>
+          <a:p>
+            <a:pPr marL="216000" indent="-216000">
+              <a:lnSpc>
+                <a:spcPct val="100000"/>
+              </a:lnSpc>
+              <a:buFontTx/>
+              <a:buChar char="-"/>
+              <a:tabLst>
+                <a:tab pos="0" algn="l"/>
+              </a:tabLst>
+            </a:pPr>
+            <a:endParaRPr lang="en-US" sz="1100" b="0" strike="noStrike" spc="-1" dirty="0">
               <a:latin typeface="Arial"/>
             </a:endParaRPr>
           </a:p>
@@ -538,11 +1430,14 @@
       </p:sp>
     </p:spTree>
   </p:cSld>
+  <p:clrMapOvr>
+    <a:masterClrMapping/>
+  </p:clrMapOvr>
 </p:notes>
 </file>
 
 <file path=ppt/notesSlides/notesSlide5.xml><?xml version="1.0" encoding="utf-8"?>
-<p:notes xmlns:a="http://schemas.openxmlformats.org/drawingml/2006/main" xmlns:p="http://schemas.openxmlformats.org/presentationml/2006/main" xmlns:r="http://schemas.openxmlformats.org/officeDocument/2006/relationships" xmlns:p14="http://schemas.microsoft.com/office/powerpoint/2010/main" xmlns:p15="http://schemas.microsoft.com/office/powerpoint/2012/main" xmlns:mc="http://schemas.openxmlformats.org/markup-compatibility/2006">
+<p:notes xmlns:a="http://schemas.openxmlformats.org/drawingml/2006/main" xmlns:r="http://schemas.openxmlformats.org/officeDocument/2006/relationships" xmlns:p="http://schemas.openxmlformats.org/presentationml/2006/main">
   <p:cSld>
     <p:spTree>
       <p:nvGrpSpPr>
@@ -562,7 +1457,7 @@
         <p:nvSpPr>
           <p:cNvPr id="128" name="PlaceHolder 1"/>
           <p:cNvSpPr>
-            <a:spLocks noGrp="1"/>
+            <a:spLocks noGrp="1" noRot="1" noChangeAspect="1"/>
           </p:cNvSpPr>
           <p:nvPr>
             <p:ph type="sldImg"/>
@@ -570,8 +1465,8 @@
         </p:nvSpPr>
         <p:spPr>
           <a:xfrm>
-            <a:off x="381240" y="685800"/>
-            <a:ext cx="6095160" cy="3428280"/>
+            <a:off x="381000" y="685800"/>
+            <a:ext cx="6096000" cy="3429000"/>
           </a:xfrm>
           <a:prstGeom prst="rect">
             <a:avLst/>
@@ -598,37 +1493,113 @@
           </a:prstGeom>
         </p:spPr>
         <p:txBody>
-          <a:bodyPr lIns="0" rIns="0" tIns="91440" bIns="91440">
+          <a:bodyPr lIns="0" tIns="91440" rIns="0" bIns="91440">
             <a:noAutofit/>
           </a:bodyPr>
+          <a:lstStyle/>
           <a:p>
             <a:pPr marL="216000" indent="-216000">
               <a:lnSpc>
                 <a:spcPct val="100000"/>
               </a:lnSpc>
               <a:tabLst>
-                <a:tab algn="l" pos="0"/>
+                <a:tab pos="0" algn="l"/>
               </a:tabLst>
             </a:pPr>
             <a:r>
-              <a:rPr b="0" lang="en" sz="1100" spc="-1" strike="noStrike">
+              <a:rPr lang="en-US" sz="1100" b="0" strike="noStrike" spc="-1" dirty="0">
                 <a:latin typeface="Arial"/>
               </a:rPr>
-              <a:t>Assume you have 2 minutes to present what you perceive to be the most important or remarkable points from your classification analysis.</a:t>
-            </a:r>
-            <a:endParaRPr b="0" lang="en-US" sz="1100" spc="-1" strike="noStrike">
-              <a:latin typeface="Arial"/>
-            </a:endParaRPr>
+              <a:t>We use </a:t>
+            </a:r>
+            <a:r>
+              <a:rPr lang="en-US" sz="1100" b="0" strike="noStrike" spc="-1" dirty="0" err="1">
+                <a:latin typeface="Arial"/>
+              </a:rPr>
+              <a:t>PySpark</a:t>
+            </a:r>
+            <a:r>
+              <a:rPr lang="en-US" sz="1100" b="0" strike="noStrike" spc="-1" dirty="0">
+                <a:latin typeface="Arial"/>
+              </a:rPr>
+              <a:t> and built in packages for clustering </a:t>
+            </a:r>
+          </a:p>
+          <a:p>
+            <a:pPr marL="216000" indent="-216000">
+              <a:lnSpc>
+                <a:spcPct val="100000"/>
+              </a:lnSpc>
+              <a:buFontTx/>
+              <a:buChar char="-"/>
+              <a:tabLst>
+                <a:tab pos="0" algn="l"/>
+              </a:tabLst>
+            </a:pPr>
+            <a:r>
+              <a:rPr lang="en-US" sz="1100" b="0" strike="noStrike" spc="-1" dirty="0">
+                <a:latin typeface="Arial"/>
+              </a:rPr>
+              <a:t>Features used is timestamp broken into hour of the day, price, hit, and </a:t>
+            </a:r>
+            <a:r>
+              <a:rPr lang="en-US" sz="1100" b="0" strike="noStrike" spc="-1" dirty="0" err="1">
+                <a:latin typeface="Arial"/>
+              </a:rPr>
+              <a:t>ad_count</a:t>
+            </a:r>
+            <a:endParaRPr lang="en-US" sz="1100" b="0" strike="noStrike" spc="-1" dirty="0">
+              <a:latin typeface="Arial"/>
+            </a:endParaRPr>
+          </a:p>
+          <a:p>
+            <a:pPr marL="216000" indent="-216000">
+              <a:lnSpc>
+                <a:spcPct val="100000"/>
+              </a:lnSpc>
+              <a:buFontTx/>
+              <a:buChar char="-"/>
+              <a:tabLst>
+                <a:tab pos="0" algn="l"/>
+              </a:tabLst>
+            </a:pPr>
+            <a:r>
+              <a:rPr lang="en-US" sz="1100" b="0" strike="noStrike" spc="-1" dirty="0">
+                <a:latin typeface="Arial"/>
+              </a:rPr>
+              <a:t>K-means cluster analysis with k=3 is done with 6 feature dimensions and 543 data rows</a:t>
+            </a:r>
+          </a:p>
+          <a:p>
+            <a:pPr marL="216000" indent="-216000">
+              <a:lnSpc>
+                <a:spcPct val="100000"/>
+              </a:lnSpc>
+              <a:buFontTx/>
+              <a:buChar char="-"/>
+              <a:tabLst>
+                <a:tab pos="0" algn="l"/>
+              </a:tabLst>
+            </a:pPr>
+            <a:r>
+              <a:rPr lang="en-US" sz="1100" b="0" strike="noStrike" spc="-1" dirty="0">
+                <a:latin typeface="Arial"/>
+              </a:rPr>
+              <a:t>Actions are recommended in slide</a:t>
+            </a:r>
           </a:p>
         </p:txBody>
       </p:sp>
     </p:spTree>
   </p:cSld>
+  <p:clrMapOvr>
+    <a:masterClrMapping/>
+  </p:clrMapOvr>
 </p:notes>
 </file>
 
 <file path=ppt/notesSlides/notesSlide6.xml><?xml version="1.0" encoding="utf-8"?>
-<p:notes xmlns:a="http://schemas.openxmlformats.org/drawingml/2006/main" xmlns:p="http://schemas.openxmlformats.org/presentationml/2006/main" xmlns:r="http://schemas.openxmlformats.org/officeDocument/2006/relationships" xmlns:p14="http://schemas.microsoft.com/office/powerpoint/2010/main" xmlns:p15="http://schemas.microsoft.com/office/powerpoint/2012/main" xmlns:mc="http://schemas.openxmlformats.org/markup-compatibility/2006">
+<p:notes xmlns:a="http://schemas.openxmlformats.org/drawingml/2006/main" xmlns:r="http://schemas.openxmlformats.org/officeDocument/2006/relationships" xmlns:p="http://schemas.openxmlformats.org/presentationml/2006/main">
   <p:cSld>
     <p:spTree>
       <p:nvGrpSpPr>
@@ -648,7 +1619,7 @@
         <p:nvSpPr>
           <p:cNvPr id="130" name="PlaceHolder 1"/>
           <p:cNvSpPr>
-            <a:spLocks noGrp="1"/>
+            <a:spLocks noGrp="1" noRot="1" noChangeAspect="1"/>
           </p:cNvSpPr>
           <p:nvPr>
             <p:ph type="sldImg"/>
@@ -656,8 +1627,8 @@
         </p:nvSpPr>
         <p:spPr>
           <a:xfrm>
-            <a:off x="381240" y="685800"/>
-            <a:ext cx="6095160" cy="3428280"/>
+            <a:off x="381000" y="685800"/>
+            <a:ext cx="6096000" cy="3429000"/>
           </a:xfrm>
           <a:prstGeom prst="rect">
             <a:avLst/>
@@ -684,37 +1655,92 @@
           </a:prstGeom>
         </p:spPr>
         <p:txBody>
-          <a:bodyPr lIns="0" rIns="0" tIns="91440" bIns="91440">
+          <a:bodyPr lIns="0" tIns="91440" rIns="0" bIns="91440">
             <a:noAutofit/>
           </a:bodyPr>
+          <a:lstStyle/>
           <a:p>
             <a:pPr marL="216000" indent="-216000">
               <a:lnSpc>
                 <a:spcPct val="100000"/>
               </a:lnSpc>
               <a:tabLst>
-                <a:tab algn="l" pos="0"/>
+                <a:tab pos="0" algn="l"/>
               </a:tabLst>
             </a:pPr>
             <a:r>
-              <a:rPr b="0" lang="en" sz="1100" spc="-1" strike="noStrike">
+              <a:rPr lang="en-US" sz="1100" b="0" strike="noStrike" spc="-1" dirty="0">
                 <a:latin typeface="Arial"/>
               </a:rPr>
-              <a:t>Assume you have 2 minutes to present what you perceive to be the most important or remarkable points from your graph analysis</a:t>
-            </a:r>
-            <a:endParaRPr b="0" lang="en-US" sz="1100" spc="-1" strike="noStrike">
-              <a:latin typeface="Arial"/>
-            </a:endParaRPr>
+              <a:t>We load the Chat-data for analysis in Neo4j graph database</a:t>
+            </a:r>
+          </a:p>
+          <a:p>
+            <a:pPr marL="216000" indent="-216000">
+              <a:lnSpc>
+                <a:spcPct val="100000"/>
+              </a:lnSpc>
+              <a:buFontTx/>
+              <a:buChar char="-"/>
+              <a:tabLst>
+                <a:tab pos="0" algn="l"/>
+              </a:tabLst>
+            </a:pPr>
+            <a:r>
+              <a:rPr lang="en-US" sz="1100" b="0" strike="noStrike" spc="-1" dirty="0">
+                <a:latin typeface="Arial"/>
+              </a:rPr>
+              <a:t>Chatty users may not be associated with chatty teams</a:t>
+            </a:r>
+          </a:p>
+          <a:p>
+            <a:pPr marL="216000" indent="-216000">
+              <a:lnSpc>
+                <a:spcPct val="100000"/>
+              </a:lnSpc>
+              <a:buFontTx/>
+              <a:buChar char="-"/>
+              <a:tabLst>
+                <a:tab pos="0" algn="l"/>
+              </a:tabLst>
+            </a:pPr>
+            <a:r>
+              <a:rPr lang="en-US" sz="1100" b="0" strike="noStrike" spc="-1" dirty="0">
+                <a:latin typeface="Arial"/>
+              </a:rPr>
+              <a:t>Clustering coefficient is a measure of closeness amongst node’s neighbors and can be used to identify strong cliques</a:t>
+            </a:r>
+          </a:p>
+          <a:p>
+            <a:pPr marL="216000" indent="-216000">
+              <a:lnSpc>
+                <a:spcPct val="100000"/>
+              </a:lnSpc>
+              <a:buFontTx/>
+              <a:buChar char="-"/>
+              <a:tabLst>
+                <a:tab pos="0" algn="l"/>
+              </a:tabLst>
+            </a:pPr>
+            <a:r>
+              <a:rPr lang="en-US" sz="1100" b="0" strike="noStrike" spc="-1" dirty="0">
+                <a:latin typeface="Arial"/>
+              </a:rPr>
+              <a:t>Rely on social proximity to target advertisements for better reach </a:t>
+            </a:r>
           </a:p>
         </p:txBody>
       </p:sp>
     </p:spTree>
   </p:cSld>
+  <p:clrMapOvr>
+    <a:masterClrMapping/>
+  </p:clrMapOvr>
 </p:notes>
 </file>
 
 <file path=ppt/notesSlides/notesSlide7.xml><?xml version="1.0" encoding="utf-8"?>
-<p:notes xmlns:a="http://schemas.openxmlformats.org/drawingml/2006/main" xmlns:p="http://schemas.openxmlformats.org/presentationml/2006/main" xmlns:r="http://schemas.openxmlformats.org/officeDocument/2006/relationships" xmlns:p14="http://schemas.microsoft.com/office/powerpoint/2010/main" xmlns:p15="http://schemas.microsoft.com/office/powerpoint/2012/main" xmlns:mc="http://schemas.openxmlformats.org/markup-compatibility/2006">
+<p:notes xmlns:a="http://schemas.openxmlformats.org/drawingml/2006/main" xmlns:r="http://schemas.openxmlformats.org/officeDocument/2006/relationships" xmlns:p="http://schemas.openxmlformats.org/presentationml/2006/main">
   <p:cSld>
     <p:spTree>
       <p:nvGrpSpPr>
@@ -734,7 +1760,7 @@
         <p:nvSpPr>
           <p:cNvPr id="132" name="PlaceHolder 1"/>
           <p:cNvSpPr>
-            <a:spLocks noGrp="1"/>
+            <a:spLocks noGrp="1" noRot="1" noChangeAspect="1"/>
           </p:cNvSpPr>
           <p:nvPr>
             <p:ph type="sldImg"/>
@@ -742,8 +1768,8 @@
         </p:nvSpPr>
         <p:spPr>
           <a:xfrm>
-            <a:off x="381240" y="685800"/>
-            <a:ext cx="6095160" cy="3428280"/>
+            <a:off x="381000" y="685800"/>
+            <a:ext cx="6096000" cy="3429000"/>
           </a:xfrm>
           <a:prstGeom prst="rect">
             <a:avLst/>
@@ -770,37 +1796,153 @@
           </a:prstGeom>
         </p:spPr>
         <p:txBody>
-          <a:bodyPr lIns="0" rIns="0" tIns="91440" bIns="91440">
+          <a:bodyPr lIns="0" tIns="91440" rIns="0" bIns="91440">
             <a:noAutofit/>
           </a:bodyPr>
+          <a:lstStyle/>
           <a:p>
             <a:pPr marL="216000" indent="-216000">
               <a:lnSpc>
                 <a:spcPct val="100000"/>
               </a:lnSpc>
               <a:tabLst>
-                <a:tab algn="l" pos="0"/>
+                <a:tab pos="0" algn="l"/>
               </a:tabLst>
             </a:pPr>
             <a:r>
-              <a:rPr b="0" lang="en" sz="1100" spc="-1" strike="noStrike">
+              <a:rPr lang="en-US" sz="1100" b="0" strike="noStrike" spc="-1" dirty="0">
                 <a:latin typeface="Arial"/>
               </a:rPr>
-              <a:t>From your own viewpoint, make one recommendation/action the Eglence should follow to improve their business.  Be sure to explain your rationale.</a:t>
-            </a:r>
-            <a:endParaRPr b="0" lang="en-US" sz="1100" spc="-1" strike="noStrike">
-              <a:latin typeface="Arial"/>
-            </a:endParaRPr>
+              <a:t>Rationale/Explanation</a:t>
+            </a:r>
+          </a:p>
+          <a:p>
+            <a:pPr marL="216000" indent="-216000">
+              <a:lnSpc>
+                <a:spcPct val="100000"/>
+              </a:lnSpc>
+              <a:tabLst>
+                <a:tab pos="0" algn="l"/>
+              </a:tabLst>
+            </a:pPr>
+            <a:endParaRPr lang="en-US" sz="1100" b="0" strike="noStrike" spc="-1" dirty="0">
+              <a:latin typeface="Arial"/>
+            </a:endParaRPr>
+          </a:p>
+          <a:p>
+            <a:pPr marL="216000" indent="-216000">
+              <a:lnSpc>
+                <a:spcPct val="100000"/>
+              </a:lnSpc>
+              <a:buFontTx/>
+              <a:buChar char="-"/>
+              <a:tabLst>
+                <a:tab pos="0" algn="l"/>
+              </a:tabLst>
+            </a:pPr>
+            <a:r>
+              <a:rPr lang="en-US" sz="1100" b="0" strike="noStrike" spc="-1" dirty="0">
+                <a:latin typeface="Arial"/>
+              </a:rPr>
+              <a:t>Shift marketing efforts to iOS/iPhone platforms </a:t>
+            </a:r>
+          </a:p>
+          <a:p>
+            <a:pPr marL="216000" indent="-216000">
+              <a:lnSpc>
+                <a:spcPct val="100000"/>
+              </a:lnSpc>
+              <a:buFontTx/>
+              <a:buChar char="-"/>
+              <a:tabLst>
+                <a:tab pos="0" algn="l"/>
+              </a:tabLst>
+            </a:pPr>
+            <a:r>
+              <a:rPr lang="en-US" sz="1100" b="0" strike="noStrike" spc="-1" dirty="0">
+                <a:latin typeface="Arial"/>
+              </a:rPr>
+              <a:t>Incentives to players for review on platforms of promotion (iOS &gt; Android Play store)</a:t>
+            </a:r>
+          </a:p>
+          <a:p>
+            <a:pPr marL="216000" indent="-216000">
+              <a:lnSpc>
+                <a:spcPct val="100000"/>
+              </a:lnSpc>
+              <a:buFontTx/>
+              <a:buChar char="-"/>
+              <a:tabLst>
+                <a:tab pos="0" algn="l"/>
+              </a:tabLst>
+            </a:pPr>
+            <a:r>
+              <a:rPr lang="en-US" sz="1100" b="0" strike="noStrike" spc="-1" dirty="0">
+                <a:latin typeface="Arial"/>
+              </a:rPr>
+              <a:t>Promote items that are low revenue generating like product id 4,3,1</a:t>
+            </a:r>
+          </a:p>
+          <a:p>
+            <a:pPr marL="216000" indent="-216000">
+              <a:lnSpc>
+                <a:spcPct val="100000"/>
+              </a:lnSpc>
+              <a:buFontTx/>
+              <a:buChar char="-"/>
+              <a:tabLst>
+                <a:tab pos="0" algn="l"/>
+              </a:tabLst>
+            </a:pPr>
+            <a:r>
+              <a:rPr lang="en-US" sz="1100" b="0" strike="noStrike" spc="-1" dirty="0">
+                <a:latin typeface="Arial"/>
+              </a:rPr>
+              <a:t>Understand player behavior and show ads right after a winning streak</a:t>
+            </a:r>
+          </a:p>
+          <a:p>
+            <a:pPr marL="216000" indent="-216000">
+              <a:lnSpc>
+                <a:spcPct val="100000"/>
+              </a:lnSpc>
+              <a:buFontTx/>
+              <a:buChar char="-"/>
+              <a:tabLst>
+                <a:tab pos="0" algn="l"/>
+              </a:tabLst>
+            </a:pPr>
+            <a:r>
+              <a:rPr lang="en-US" sz="1100" b="0" strike="noStrike" spc="-1" dirty="0">
+                <a:latin typeface="Arial"/>
+              </a:rPr>
+              <a:t>Gain a deeper understanding and develop </a:t>
+            </a:r>
+            <a:r>
+              <a:rPr lang="en-US" sz="1100" b="0" strike="noStrike" spc="-1">
+                <a:latin typeface="Arial"/>
+              </a:rPr>
+              <a:t>contingency for error </a:t>
+            </a:r>
+            <a:r>
+              <a:rPr lang="en-US" sz="1100" b="0" strike="noStrike" spc="-1" dirty="0">
+                <a:latin typeface="Arial"/>
+              </a:rPr>
+              <a:t>in the system (considering accuracy is 88% we are likely to see 12% error rate)</a:t>
+            </a:r>
           </a:p>
         </p:txBody>
       </p:sp>
     </p:spTree>
   </p:cSld>
+  <p:clrMapOvr>
+    <a:masterClrMapping/>
+  </p:clrMapOvr>
 </p:notes>
 </file>
 
 <file path=ppt/slideLayouts/slideLayout1.xml><?xml version="1.0" encoding="utf-8"?>
-<p:sldLayout xmlns:a="http://schemas.openxmlformats.org/drawingml/2006/main" xmlns:p="http://schemas.openxmlformats.org/presentationml/2006/main" xmlns:r="http://schemas.openxmlformats.org/officeDocument/2006/relationships" xmlns:p14="http://schemas.microsoft.com/office/powerpoint/2010/main" xmlns:p15="http://schemas.microsoft.com/office/powerpoint/2012/main" xmlns:mc="http://schemas.openxmlformats.org/markup-compatibility/2006" type="blank" preserve="1">
+<p:sldLayout xmlns:a="http://schemas.openxmlformats.org/drawingml/2006/main" xmlns:r="http://schemas.openxmlformats.org/officeDocument/2006/relationships" xmlns:p="http://schemas.openxmlformats.org/presentationml/2006/main" type="blank" preserve="1">
   <p:cSld name="Blank Slide">
     <p:spTree>
       <p:nvGrpSpPr>
@@ -818,11 +1960,14 @@
       </p:grpSpPr>
     </p:spTree>
   </p:cSld>
+  <p:clrMapOvr>
+    <a:masterClrMapping/>
+  </p:clrMapOvr>
 </p:sldLayout>
 </file>
 
 <file path=ppt/slideLayouts/slideLayout10.xml><?xml version="1.0" encoding="utf-8"?>
-<p:sldLayout xmlns:a="http://schemas.openxmlformats.org/drawingml/2006/main" xmlns:p="http://schemas.openxmlformats.org/presentationml/2006/main" xmlns:r="http://schemas.openxmlformats.org/officeDocument/2006/relationships" xmlns:p14="http://schemas.microsoft.com/office/powerpoint/2010/main" xmlns:p15="http://schemas.microsoft.com/office/powerpoint/2012/main" xmlns:mc="http://schemas.openxmlformats.org/markup-compatibility/2006" type="objOverTx" preserve="1">
+<p:sldLayout xmlns:a="http://schemas.openxmlformats.org/drawingml/2006/main" xmlns:r="http://schemas.openxmlformats.org/officeDocument/2006/relationships" xmlns:p="http://schemas.openxmlformats.org/presentationml/2006/main" type="objOverTx" preserve="1">
   <p:cSld name="Title, Content over Content">
     <p:spTree>
       <p:nvGrpSpPr>
@@ -858,12 +2003,13 @@
           </a:prstGeom>
         </p:spPr>
         <p:txBody>
-          <a:bodyPr lIns="0" rIns="0" tIns="0" bIns="0" anchor="ctr">
+          <a:bodyPr lIns="0" tIns="0" rIns="0" bIns="0" anchor="ctr">
             <a:noAutofit/>
           </a:bodyPr>
+          <a:lstStyle/>
           <a:p>
             <a:pPr algn="ctr"/>
-            <a:endParaRPr b="0" lang="en-US" sz="4400" spc="-1" strike="noStrike">
+            <a:endParaRPr lang="en-US" sz="4400" b="0" strike="noStrike" spc="-1">
               <a:latin typeface="Arial"/>
             </a:endParaRPr>
           </a:p>
@@ -889,11 +2035,12 @@
           </a:prstGeom>
         </p:spPr>
         <p:txBody>
-          <a:bodyPr lIns="0" rIns="0" tIns="0" bIns="0">
+          <a:bodyPr lIns="0" tIns="0" rIns="0" bIns="0">
             <a:normAutofit/>
           </a:bodyPr>
-          <a:p>
-            <a:endParaRPr b="0" lang="en-US" sz="3200" spc="-1" strike="noStrike">
+          <a:lstStyle/>
+          <a:p>
+            <a:endParaRPr lang="en-US" sz="3200" b="0" strike="noStrike" spc="-1">
               <a:latin typeface="Arial"/>
             </a:endParaRPr>
           </a:p>
@@ -919,11 +2066,12 @@
           </a:prstGeom>
         </p:spPr>
         <p:txBody>
-          <a:bodyPr lIns="0" rIns="0" tIns="0" bIns="0">
+          <a:bodyPr lIns="0" tIns="0" rIns="0" bIns="0">
             <a:normAutofit/>
           </a:bodyPr>
-          <a:p>
-            <a:endParaRPr b="0" lang="en-US" sz="3200" spc="-1" strike="noStrike">
+          <a:lstStyle/>
+          <a:p>
+            <a:endParaRPr lang="en-US" sz="3200" b="0" strike="noStrike" spc="-1">
               <a:latin typeface="Arial"/>
             </a:endParaRPr>
           </a:p>
@@ -931,11 +2079,14 @@
       </p:sp>
     </p:spTree>
   </p:cSld>
+  <p:clrMapOvr>
+    <a:masterClrMapping/>
+  </p:clrMapOvr>
 </p:sldLayout>
 </file>
 
 <file path=ppt/slideLayouts/slideLayout11.xml><?xml version="1.0" encoding="utf-8"?>
-<p:sldLayout xmlns:a="http://schemas.openxmlformats.org/drawingml/2006/main" xmlns:p="http://schemas.openxmlformats.org/presentationml/2006/main" xmlns:r="http://schemas.openxmlformats.org/officeDocument/2006/relationships" xmlns:p14="http://schemas.microsoft.com/office/powerpoint/2010/main" xmlns:p15="http://schemas.microsoft.com/office/powerpoint/2012/main" xmlns:mc="http://schemas.openxmlformats.org/markup-compatibility/2006" type="fourObj" preserve="1">
+<p:sldLayout xmlns:a="http://schemas.openxmlformats.org/drawingml/2006/main" xmlns:r="http://schemas.openxmlformats.org/officeDocument/2006/relationships" xmlns:p="http://schemas.openxmlformats.org/presentationml/2006/main" type="fourObj" preserve="1">
   <p:cSld name="Title, 4 Content">
     <p:spTree>
       <p:nvGrpSpPr>
@@ -971,12 +2122,13 @@
           </a:prstGeom>
         </p:spPr>
         <p:txBody>
-          <a:bodyPr lIns="0" rIns="0" tIns="0" bIns="0" anchor="ctr">
+          <a:bodyPr lIns="0" tIns="0" rIns="0" bIns="0" anchor="ctr">
             <a:noAutofit/>
           </a:bodyPr>
+          <a:lstStyle/>
           <a:p>
             <a:pPr algn="ctr"/>
-            <a:endParaRPr b="0" lang="en-US" sz="4400" spc="-1" strike="noStrike">
+            <a:endParaRPr lang="en-US" sz="4400" b="0" strike="noStrike" spc="-1">
               <a:latin typeface="Arial"/>
             </a:endParaRPr>
           </a:p>
@@ -1002,11 +2154,12 @@
           </a:prstGeom>
         </p:spPr>
         <p:txBody>
-          <a:bodyPr lIns="0" rIns="0" tIns="0" bIns="0">
+          <a:bodyPr lIns="0" tIns="0" rIns="0" bIns="0">
             <a:normAutofit/>
           </a:bodyPr>
-          <a:p>
-            <a:endParaRPr b="0" lang="en-US" sz="3200" spc="-1" strike="noStrike">
+          <a:lstStyle/>
+          <a:p>
+            <a:endParaRPr lang="en-US" sz="3200" b="0" strike="noStrike" spc="-1">
               <a:latin typeface="Arial"/>
             </a:endParaRPr>
           </a:p>
@@ -1032,11 +2185,12 @@
           </a:prstGeom>
         </p:spPr>
         <p:txBody>
-          <a:bodyPr lIns="0" rIns="0" tIns="0" bIns="0">
+          <a:bodyPr lIns="0" tIns="0" rIns="0" bIns="0">
             <a:normAutofit/>
           </a:bodyPr>
-          <a:p>
-            <a:endParaRPr b="0" lang="en-US" sz="3200" spc="-1" strike="noStrike">
+          <a:lstStyle/>
+          <a:p>
+            <a:endParaRPr lang="en-US" sz="3200" b="0" strike="noStrike" spc="-1">
               <a:latin typeface="Arial"/>
             </a:endParaRPr>
           </a:p>
@@ -1062,11 +2216,12 @@
           </a:prstGeom>
         </p:spPr>
         <p:txBody>
-          <a:bodyPr lIns="0" rIns="0" tIns="0" bIns="0">
+          <a:bodyPr lIns="0" tIns="0" rIns="0" bIns="0">
             <a:normAutofit/>
           </a:bodyPr>
-          <a:p>
-            <a:endParaRPr b="0" lang="en-US" sz="3200" spc="-1" strike="noStrike">
+          <a:lstStyle/>
+          <a:p>
+            <a:endParaRPr lang="en-US" sz="3200" b="0" strike="noStrike" spc="-1">
               <a:latin typeface="Arial"/>
             </a:endParaRPr>
           </a:p>
@@ -1092,11 +2247,12 @@
           </a:prstGeom>
         </p:spPr>
         <p:txBody>
-          <a:bodyPr lIns="0" rIns="0" tIns="0" bIns="0">
+          <a:bodyPr lIns="0" tIns="0" rIns="0" bIns="0">
             <a:normAutofit/>
           </a:bodyPr>
-          <a:p>
-            <a:endParaRPr b="0" lang="en-US" sz="3200" spc="-1" strike="noStrike">
+          <a:lstStyle/>
+          <a:p>
+            <a:endParaRPr lang="en-US" sz="3200" b="0" strike="noStrike" spc="-1">
               <a:latin typeface="Arial"/>
             </a:endParaRPr>
           </a:p>
@@ -1104,11 +2260,14 @@
       </p:sp>
     </p:spTree>
   </p:cSld>
+  <p:clrMapOvr>
+    <a:masterClrMapping/>
+  </p:clrMapOvr>
 </p:sldLayout>
 </file>
 
 <file path=ppt/slideLayouts/slideLayout12.xml><?xml version="1.0" encoding="utf-8"?>
-<p:sldLayout xmlns:a="http://schemas.openxmlformats.org/drawingml/2006/main" xmlns:p="http://schemas.openxmlformats.org/presentationml/2006/main" xmlns:r="http://schemas.openxmlformats.org/officeDocument/2006/relationships" xmlns:p14="http://schemas.microsoft.com/office/powerpoint/2010/main" xmlns:p15="http://schemas.microsoft.com/office/powerpoint/2012/main" xmlns:mc="http://schemas.openxmlformats.org/markup-compatibility/2006" type="blank" preserve="1">
+<p:sldLayout xmlns:a="http://schemas.openxmlformats.org/drawingml/2006/main" xmlns:r="http://schemas.openxmlformats.org/officeDocument/2006/relationships" xmlns:p="http://schemas.openxmlformats.org/presentationml/2006/main" type="blank" preserve="1">
   <p:cSld name="Title, 6 Content">
     <p:spTree>
       <p:nvGrpSpPr>
@@ -1144,12 +2303,13 @@
           </a:prstGeom>
         </p:spPr>
         <p:txBody>
-          <a:bodyPr lIns="0" rIns="0" tIns="0" bIns="0" anchor="ctr">
+          <a:bodyPr lIns="0" tIns="0" rIns="0" bIns="0" anchor="ctr">
             <a:noAutofit/>
           </a:bodyPr>
+          <a:lstStyle/>
           <a:p>
             <a:pPr algn="ctr"/>
-            <a:endParaRPr b="0" lang="en-US" sz="4400" spc="-1" strike="noStrike">
+            <a:endParaRPr lang="en-US" sz="4400" b="0" strike="noStrike" spc="-1">
               <a:latin typeface="Arial"/>
             </a:endParaRPr>
           </a:p>
@@ -1175,11 +2335,12 @@
           </a:prstGeom>
         </p:spPr>
         <p:txBody>
-          <a:bodyPr lIns="0" rIns="0" tIns="0" bIns="0">
+          <a:bodyPr lIns="0" tIns="0" rIns="0" bIns="0">
             <a:normAutofit/>
           </a:bodyPr>
-          <a:p>
-            <a:endParaRPr b="0" lang="en-US" sz="3200" spc="-1" strike="noStrike">
+          <a:lstStyle/>
+          <a:p>
+            <a:endParaRPr lang="en-US" sz="3200" b="0" strike="noStrike" spc="-1">
               <a:latin typeface="Arial"/>
             </a:endParaRPr>
           </a:p>
@@ -1205,11 +2366,12 @@
           </a:prstGeom>
         </p:spPr>
         <p:txBody>
-          <a:bodyPr lIns="0" rIns="0" tIns="0" bIns="0">
+          <a:bodyPr lIns="0" tIns="0" rIns="0" bIns="0">
             <a:normAutofit/>
           </a:bodyPr>
-          <a:p>
-            <a:endParaRPr b="0" lang="en-US" sz="3200" spc="-1" strike="noStrike">
+          <a:lstStyle/>
+          <a:p>
+            <a:endParaRPr lang="en-US" sz="3200" b="0" strike="noStrike" spc="-1">
               <a:latin typeface="Arial"/>
             </a:endParaRPr>
           </a:p>
@@ -1235,11 +2397,12 @@
           </a:prstGeom>
         </p:spPr>
         <p:txBody>
-          <a:bodyPr lIns="0" rIns="0" tIns="0" bIns="0">
+          <a:bodyPr lIns="0" tIns="0" rIns="0" bIns="0">
             <a:normAutofit/>
           </a:bodyPr>
-          <a:p>
-            <a:endParaRPr b="0" lang="en-US" sz="3200" spc="-1" strike="noStrike">
+          <a:lstStyle/>
+          <a:p>
+            <a:endParaRPr lang="en-US" sz="3200" b="0" strike="noStrike" spc="-1">
               <a:latin typeface="Arial"/>
             </a:endParaRPr>
           </a:p>
@@ -1265,11 +2428,12 @@
           </a:prstGeom>
         </p:spPr>
         <p:txBody>
-          <a:bodyPr lIns="0" rIns="0" tIns="0" bIns="0">
+          <a:bodyPr lIns="0" tIns="0" rIns="0" bIns="0">
             <a:normAutofit/>
           </a:bodyPr>
-          <a:p>
-            <a:endParaRPr b="0" lang="en-US" sz="3200" spc="-1" strike="noStrike">
+          <a:lstStyle/>
+          <a:p>
+            <a:endParaRPr lang="en-US" sz="3200" b="0" strike="noStrike" spc="-1">
               <a:latin typeface="Arial"/>
             </a:endParaRPr>
           </a:p>
@@ -1295,11 +2459,12 @@
           </a:prstGeom>
         </p:spPr>
         <p:txBody>
-          <a:bodyPr lIns="0" rIns="0" tIns="0" bIns="0">
+          <a:bodyPr lIns="0" tIns="0" rIns="0" bIns="0">
             <a:normAutofit/>
           </a:bodyPr>
-          <a:p>
-            <a:endParaRPr b="0" lang="en-US" sz="3200" spc="-1" strike="noStrike">
+          <a:lstStyle/>
+          <a:p>
+            <a:endParaRPr lang="en-US" sz="3200" b="0" strike="noStrike" spc="-1">
               <a:latin typeface="Arial"/>
             </a:endParaRPr>
           </a:p>
@@ -1325,11 +2490,12 @@
           </a:prstGeom>
         </p:spPr>
         <p:txBody>
-          <a:bodyPr lIns="0" rIns="0" tIns="0" bIns="0">
+          <a:bodyPr lIns="0" tIns="0" rIns="0" bIns="0">
             <a:normAutofit/>
           </a:bodyPr>
-          <a:p>
-            <a:endParaRPr b="0" lang="en-US" sz="3200" spc="-1" strike="noStrike">
+          <a:lstStyle/>
+          <a:p>
+            <a:endParaRPr lang="en-US" sz="3200" b="0" strike="noStrike" spc="-1">
               <a:latin typeface="Arial"/>
             </a:endParaRPr>
           </a:p>
@@ -1337,11 +2503,14 @@
       </p:sp>
     </p:spTree>
   </p:cSld>
+  <p:clrMapOvr>
+    <a:masterClrMapping/>
+  </p:clrMapOvr>
 </p:sldLayout>
 </file>
 
 <file path=ppt/slideLayouts/slideLayout13.xml><?xml version="1.0" encoding="utf-8"?>
-<p:sldLayout xmlns:a="http://schemas.openxmlformats.org/drawingml/2006/main" xmlns:p="http://schemas.openxmlformats.org/presentationml/2006/main" xmlns:r="http://schemas.openxmlformats.org/officeDocument/2006/relationships" xmlns:p14="http://schemas.microsoft.com/office/powerpoint/2010/main" xmlns:p15="http://schemas.microsoft.com/office/powerpoint/2012/main" xmlns:mc="http://schemas.openxmlformats.org/markup-compatibility/2006" type="blank" preserve="1">
+<p:sldLayout xmlns:a="http://schemas.openxmlformats.org/drawingml/2006/main" xmlns:r="http://schemas.openxmlformats.org/officeDocument/2006/relationships" xmlns:p="http://schemas.openxmlformats.org/presentationml/2006/main" type="blank" preserve="1">
   <p:cSld name="Blank Slide">
     <p:spTree>
       <p:nvGrpSpPr>
@@ -1359,11 +2528,14 @@
       </p:grpSpPr>
     </p:spTree>
   </p:cSld>
+  <p:clrMapOvr>
+    <a:masterClrMapping/>
+  </p:clrMapOvr>
 </p:sldLayout>
 </file>
 
 <file path=ppt/slideLayouts/slideLayout14.xml><?xml version="1.0" encoding="utf-8"?>
-<p:sldLayout xmlns:a="http://schemas.openxmlformats.org/drawingml/2006/main" xmlns:p="http://schemas.openxmlformats.org/presentationml/2006/main" xmlns:r="http://schemas.openxmlformats.org/officeDocument/2006/relationships" xmlns:p14="http://schemas.microsoft.com/office/powerpoint/2010/main" xmlns:p15="http://schemas.microsoft.com/office/powerpoint/2012/main" xmlns:mc="http://schemas.openxmlformats.org/markup-compatibility/2006" type="tx" preserve="1">
+<p:sldLayout xmlns:a="http://schemas.openxmlformats.org/drawingml/2006/main" xmlns:r="http://schemas.openxmlformats.org/officeDocument/2006/relationships" xmlns:p="http://schemas.openxmlformats.org/presentationml/2006/main" type="tx" preserve="1">
   <p:cSld name="Title Slide">
     <p:spTree>
       <p:nvGrpSpPr>
@@ -1399,12 +2571,13 @@
           </a:prstGeom>
         </p:spPr>
         <p:txBody>
-          <a:bodyPr lIns="0" rIns="0" tIns="0" bIns="0" anchor="ctr">
+          <a:bodyPr lIns="0" tIns="0" rIns="0" bIns="0" anchor="ctr">
             <a:noAutofit/>
           </a:bodyPr>
+          <a:lstStyle/>
           <a:p>
             <a:pPr algn="ctr"/>
-            <a:endParaRPr b="0" lang="en-US" sz="4400" spc="-1" strike="noStrike">
+            <a:endParaRPr lang="en-US" sz="4400" b="0" strike="noStrike" spc="-1">
               <a:latin typeface="Arial"/>
             </a:endParaRPr>
           </a:p>
@@ -1430,12 +2603,13 @@
           </a:prstGeom>
         </p:spPr>
         <p:txBody>
-          <a:bodyPr lIns="0" rIns="0" tIns="0" bIns="0" anchor="ctr">
+          <a:bodyPr lIns="0" tIns="0" rIns="0" bIns="0" anchor="ctr">
             <a:noAutofit/>
           </a:bodyPr>
+          <a:lstStyle/>
           <a:p>
             <a:pPr algn="ctr"/>
-            <a:endParaRPr b="0" lang="en-US" sz="3200" spc="-1" strike="noStrike">
+            <a:endParaRPr lang="en-US" sz="3200" b="0" strike="noStrike" spc="-1">
               <a:latin typeface="Arial"/>
             </a:endParaRPr>
           </a:p>
@@ -1443,11 +2617,14 @@
       </p:sp>
     </p:spTree>
   </p:cSld>
+  <p:clrMapOvr>
+    <a:masterClrMapping/>
+  </p:clrMapOvr>
 </p:sldLayout>
 </file>
 
 <file path=ppt/slideLayouts/slideLayout15.xml><?xml version="1.0" encoding="utf-8"?>
-<p:sldLayout xmlns:a="http://schemas.openxmlformats.org/drawingml/2006/main" xmlns:p="http://schemas.openxmlformats.org/presentationml/2006/main" xmlns:r="http://schemas.openxmlformats.org/officeDocument/2006/relationships" xmlns:p14="http://schemas.microsoft.com/office/powerpoint/2010/main" xmlns:p15="http://schemas.microsoft.com/office/powerpoint/2012/main" xmlns:mc="http://schemas.openxmlformats.org/markup-compatibility/2006" type="obj" preserve="1">
+<p:sldLayout xmlns:a="http://schemas.openxmlformats.org/drawingml/2006/main" xmlns:r="http://schemas.openxmlformats.org/officeDocument/2006/relationships" xmlns:p="http://schemas.openxmlformats.org/presentationml/2006/main" type="obj" preserve="1">
   <p:cSld name="Title, Content">
     <p:spTree>
       <p:nvGrpSpPr>
@@ -1483,12 +2660,13 @@
           </a:prstGeom>
         </p:spPr>
         <p:txBody>
-          <a:bodyPr lIns="0" rIns="0" tIns="0" bIns="0" anchor="ctr">
+          <a:bodyPr lIns="0" tIns="0" rIns="0" bIns="0" anchor="ctr">
             <a:noAutofit/>
           </a:bodyPr>
+          <a:lstStyle/>
           <a:p>
             <a:pPr algn="ctr"/>
-            <a:endParaRPr b="0" lang="en-US" sz="4400" spc="-1" strike="noStrike">
+            <a:endParaRPr lang="en-US" sz="4400" b="0" strike="noStrike" spc="-1">
               <a:latin typeface="Arial"/>
             </a:endParaRPr>
           </a:p>
@@ -1514,11 +2692,12 @@
           </a:prstGeom>
         </p:spPr>
         <p:txBody>
-          <a:bodyPr lIns="0" rIns="0" tIns="0" bIns="0">
+          <a:bodyPr lIns="0" tIns="0" rIns="0" bIns="0">
             <a:normAutofit/>
           </a:bodyPr>
-          <a:p>
-            <a:endParaRPr b="0" lang="en-US" sz="3200" spc="-1" strike="noStrike">
+          <a:lstStyle/>
+          <a:p>
+            <a:endParaRPr lang="en-US" sz="3200" b="0" strike="noStrike" spc="-1">
               <a:latin typeface="Arial"/>
             </a:endParaRPr>
           </a:p>
@@ -1526,11 +2705,14 @@
       </p:sp>
     </p:spTree>
   </p:cSld>
+  <p:clrMapOvr>
+    <a:masterClrMapping/>
+  </p:clrMapOvr>
 </p:sldLayout>
 </file>
 
 <file path=ppt/slideLayouts/slideLayout16.xml><?xml version="1.0" encoding="utf-8"?>
-<p:sldLayout xmlns:a="http://schemas.openxmlformats.org/drawingml/2006/main" xmlns:p="http://schemas.openxmlformats.org/presentationml/2006/main" xmlns:r="http://schemas.openxmlformats.org/officeDocument/2006/relationships" xmlns:p14="http://schemas.microsoft.com/office/powerpoint/2010/main" xmlns:p15="http://schemas.microsoft.com/office/powerpoint/2012/main" xmlns:mc="http://schemas.openxmlformats.org/markup-compatibility/2006" type="twoObj" preserve="1">
+<p:sldLayout xmlns:a="http://schemas.openxmlformats.org/drawingml/2006/main" xmlns:r="http://schemas.openxmlformats.org/officeDocument/2006/relationships" xmlns:p="http://schemas.openxmlformats.org/presentationml/2006/main" type="twoObj" preserve="1">
   <p:cSld name="Title, 2 Content">
     <p:spTree>
       <p:nvGrpSpPr>
@@ -1566,12 +2748,13 @@
           </a:prstGeom>
         </p:spPr>
         <p:txBody>
-          <a:bodyPr lIns="0" rIns="0" tIns="0" bIns="0" anchor="ctr">
+          <a:bodyPr lIns="0" tIns="0" rIns="0" bIns="0" anchor="ctr">
             <a:noAutofit/>
           </a:bodyPr>
+          <a:lstStyle/>
           <a:p>
             <a:pPr algn="ctr"/>
-            <a:endParaRPr b="0" lang="en-US" sz="4400" spc="-1" strike="noStrike">
+            <a:endParaRPr lang="en-US" sz="4400" b="0" strike="noStrike" spc="-1">
               <a:latin typeface="Arial"/>
             </a:endParaRPr>
           </a:p>
@@ -1597,11 +2780,12 @@
           </a:prstGeom>
         </p:spPr>
         <p:txBody>
-          <a:bodyPr lIns="0" rIns="0" tIns="0" bIns="0">
+          <a:bodyPr lIns="0" tIns="0" rIns="0" bIns="0">
             <a:normAutofit/>
           </a:bodyPr>
-          <a:p>
-            <a:endParaRPr b="0" lang="en-US" sz="3200" spc="-1" strike="noStrike">
+          <a:lstStyle/>
+          <a:p>
+            <a:endParaRPr lang="en-US" sz="3200" b="0" strike="noStrike" spc="-1">
               <a:latin typeface="Arial"/>
             </a:endParaRPr>
           </a:p>
@@ -1627,11 +2811,12 @@
           </a:prstGeom>
         </p:spPr>
         <p:txBody>
-          <a:bodyPr lIns="0" rIns="0" tIns="0" bIns="0">
+          <a:bodyPr lIns="0" tIns="0" rIns="0" bIns="0">
             <a:normAutofit/>
           </a:bodyPr>
-          <a:p>
-            <a:endParaRPr b="0" lang="en-US" sz="3200" spc="-1" strike="noStrike">
+          <a:lstStyle/>
+          <a:p>
+            <a:endParaRPr lang="en-US" sz="3200" b="0" strike="noStrike" spc="-1">
               <a:latin typeface="Arial"/>
             </a:endParaRPr>
           </a:p>
@@ -1639,11 +2824,14 @@
       </p:sp>
     </p:spTree>
   </p:cSld>
+  <p:clrMapOvr>
+    <a:masterClrMapping/>
+  </p:clrMapOvr>
 </p:sldLayout>
 </file>
 
 <file path=ppt/slideLayouts/slideLayout17.xml><?xml version="1.0" encoding="utf-8"?>
-<p:sldLayout xmlns:a="http://schemas.openxmlformats.org/drawingml/2006/main" xmlns:p="http://schemas.openxmlformats.org/presentationml/2006/main" xmlns:r="http://schemas.openxmlformats.org/officeDocument/2006/relationships" xmlns:p14="http://schemas.microsoft.com/office/powerpoint/2010/main" xmlns:p15="http://schemas.microsoft.com/office/powerpoint/2012/main" xmlns:mc="http://schemas.openxmlformats.org/markup-compatibility/2006" type="titleOnly" preserve="1">
+<p:sldLayout xmlns:a="http://schemas.openxmlformats.org/drawingml/2006/main" xmlns:r="http://schemas.openxmlformats.org/officeDocument/2006/relationships" xmlns:p="http://schemas.openxmlformats.org/presentationml/2006/main" type="titleOnly" preserve="1">
   <p:cSld name="Title Only">
     <p:spTree>
       <p:nvGrpSpPr>
@@ -1679,12 +2867,13 @@
           </a:prstGeom>
         </p:spPr>
         <p:txBody>
-          <a:bodyPr lIns="0" rIns="0" tIns="0" bIns="0" anchor="ctr">
+          <a:bodyPr lIns="0" tIns="0" rIns="0" bIns="0" anchor="ctr">
             <a:noAutofit/>
           </a:bodyPr>
+          <a:lstStyle/>
           <a:p>
             <a:pPr algn="ctr"/>
-            <a:endParaRPr b="0" lang="en-US" sz="4400" spc="-1" strike="noStrike">
+            <a:endParaRPr lang="en-US" sz="4400" b="0" strike="noStrike" spc="-1">
               <a:latin typeface="Arial"/>
             </a:endParaRPr>
           </a:p>
@@ -1692,11 +2881,14 @@
       </p:sp>
     </p:spTree>
   </p:cSld>
+  <p:clrMapOvr>
+    <a:masterClrMapping/>
+  </p:clrMapOvr>
 </p:sldLayout>
 </file>
 
 <file path=ppt/slideLayouts/slideLayout18.xml><?xml version="1.0" encoding="utf-8"?>
-<p:sldLayout xmlns:a="http://schemas.openxmlformats.org/drawingml/2006/main" xmlns:p="http://schemas.openxmlformats.org/presentationml/2006/main" xmlns:r="http://schemas.openxmlformats.org/officeDocument/2006/relationships" xmlns:p14="http://schemas.microsoft.com/office/powerpoint/2010/main" xmlns:p15="http://schemas.microsoft.com/office/powerpoint/2012/main" xmlns:mc="http://schemas.openxmlformats.org/markup-compatibility/2006" type="objOnly" preserve="1">
+<p:sldLayout xmlns:a="http://schemas.openxmlformats.org/drawingml/2006/main" xmlns:r="http://schemas.openxmlformats.org/officeDocument/2006/relationships" xmlns:p="http://schemas.openxmlformats.org/presentationml/2006/main" type="objOnly" preserve="1">
   <p:cSld name="Centered Text">
     <p:spTree>
       <p:nvGrpSpPr>
@@ -1732,12 +2924,13 @@
           </a:prstGeom>
         </p:spPr>
         <p:txBody>
-          <a:bodyPr lIns="0" rIns="0" tIns="0" bIns="0" anchor="ctr">
+          <a:bodyPr lIns="0" tIns="0" rIns="0" bIns="0" anchor="ctr">
             <a:noAutofit/>
           </a:bodyPr>
+          <a:lstStyle/>
           <a:p>
             <a:pPr algn="ctr"/>
-            <a:endParaRPr b="0" lang="en-US" sz="3200" spc="-1" strike="noStrike">
+            <a:endParaRPr lang="en-US" sz="3200" b="0" strike="noStrike" spc="-1">
               <a:latin typeface="Arial"/>
             </a:endParaRPr>
           </a:p>
@@ -1745,11 +2938,14 @@
       </p:sp>
     </p:spTree>
   </p:cSld>
+  <p:clrMapOvr>
+    <a:masterClrMapping/>
+  </p:clrMapOvr>
 </p:sldLayout>
 </file>
 
 <file path=ppt/slideLayouts/slideLayout19.xml><?xml version="1.0" encoding="utf-8"?>
-<p:sldLayout xmlns:a="http://schemas.openxmlformats.org/drawingml/2006/main" xmlns:p="http://schemas.openxmlformats.org/presentationml/2006/main" xmlns:r="http://schemas.openxmlformats.org/officeDocument/2006/relationships" xmlns:p14="http://schemas.microsoft.com/office/powerpoint/2010/main" xmlns:p15="http://schemas.microsoft.com/office/powerpoint/2012/main" xmlns:mc="http://schemas.openxmlformats.org/markup-compatibility/2006" type="twoObjAndObj" preserve="1">
+<p:sldLayout xmlns:a="http://schemas.openxmlformats.org/drawingml/2006/main" xmlns:r="http://schemas.openxmlformats.org/officeDocument/2006/relationships" xmlns:p="http://schemas.openxmlformats.org/presentationml/2006/main" type="twoObjAndObj" preserve="1">
   <p:cSld name="Title, 2 Content and Content">
     <p:spTree>
       <p:nvGrpSpPr>
@@ -1785,12 +2981,13 @@
           </a:prstGeom>
         </p:spPr>
         <p:txBody>
-          <a:bodyPr lIns="0" rIns="0" tIns="0" bIns="0" anchor="ctr">
+          <a:bodyPr lIns="0" tIns="0" rIns="0" bIns="0" anchor="ctr">
             <a:noAutofit/>
           </a:bodyPr>
+          <a:lstStyle/>
           <a:p>
             <a:pPr algn="ctr"/>
-            <a:endParaRPr b="0" lang="en-US" sz="4400" spc="-1" strike="noStrike">
+            <a:endParaRPr lang="en-US" sz="4400" b="0" strike="noStrike" spc="-1">
               <a:latin typeface="Arial"/>
             </a:endParaRPr>
           </a:p>
@@ -1816,11 +3013,12 @@
           </a:prstGeom>
         </p:spPr>
         <p:txBody>
-          <a:bodyPr lIns="0" rIns="0" tIns="0" bIns="0">
+          <a:bodyPr lIns="0" tIns="0" rIns="0" bIns="0">
             <a:normAutofit/>
           </a:bodyPr>
-          <a:p>
-            <a:endParaRPr b="0" lang="en-US" sz="3200" spc="-1" strike="noStrike">
+          <a:lstStyle/>
+          <a:p>
+            <a:endParaRPr lang="en-US" sz="3200" b="0" strike="noStrike" spc="-1">
               <a:latin typeface="Arial"/>
             </a:endParaRPr>
           </a:p>
@@ -1846,11 +3044,12 @@
           </a:prstGeom>
         </p:spPr>
         <p:txBody>
-          <a:bodyPr lIns="0" rIns="0" tIns="0" bIns="0">
+          <a:bodyPr lIns="0" tIns="0" rIns="0" bIns="0">
             <a:normAutofit/>
           </a:bodyPr>
-          <a:p>
-            <a:endParaRPr b="0" lang="en-US" sz="3200" spc="-1" strike="noStrike">
+          <a:lstStyle/>
+          <a:p>
+            <a:endParaRPr lang="en-US" sz="3200" b="0" strike="noStrike" spc="-1">
               <a:latin typeface="Arial"/>
             </a:endParaRPr>
           </a:p>
@@ -1876,11 +3075,12 @@
           </a:prstGeom>
         </p:spPr>
         <p:txBody>
-          <a:bodyPr lIns="0" rIns="0" tIns="0" bIns="0">
+          <a:bodyPr lIns="0" tIns="0" rIns="0" bIns="0">
             <a:normAutofit/>
           </a:bodyPr>
-          <a:p>
-            <a:endParaRPr b="0" lang="en-US" sz="3200" spc="-1" strike="noStrike">
+          <a:lstStyle/>
+          <a:p>
+            <a:endParaRPr lang="en-US" sz="3200" b="0" strike="noStrike" spc="-1">
               <a:latin typeface="Arial"/>
             </a:endParaRPr>
           </a:p>
@@ -1888,11 +3088,14 @@
       </p:sp>
     </p:spTree>
   </p:cSld>
+  <p:clrMapOvr>
+    <a:masterClrMapping/>
+  </p:clrMapOvr>
 </p:sldLayout>
 </file>
 
 <file path=ppt/slideLayouts/slideLayout2.xml><?xml version="1.0" encoding="utf-8"?>
-<p:sldLayout xmlns:a="http://schemas.openxmlformats.org/drawingml/2006/main" xmlns:p="http://schemas.openxmlformats.org/presentationml/2006/main" xmlns:r="http://schemas.openxmlformats.org/officeDocument/2006/relationships" xmlns:p14="http://schemas.microsoft.com/office/powerpoint/2010/main" xmlns:p15="http://schemas.microsoft.com/office/powerpoint/2012/main" xmlns:mc="http://schemas.openxmlformats.org/markup-compatibility/2006" type="tx" preserve="1">
+<p:sldLayout xmlns:a="http://schemas.openxmlformats.org/drawingml/2006/main" xmlns:r="http://schemas.openxmlformats.org/officeDocument/2006/relationships" xmlns:p="http://schemas.openxmlformats.org/presentationml/2006/main" type="tx" preserve="1">
   <p:cSld name="Title Slide">
     <p:spTree>
       <p:nvGrpSpPr>
@@ -1928,12 +3131,13 @@
           </a:prstGeom>
         </p:spPr>
         <p:txBody>
-          <a:bodyPr lIns="0" rIns="0" tIns="0" bIns="0" anchor="ctr">
+          <a:bodyPr lIns="0" tIns="0" rIns="0" bIns="0" anchor="ctr">
             <a:noAutofit/>
           </a:bodyPr>
+          <a:lstStyle/>
           <a:p>
             <a:pPr algn="ctr"/>
-            <a:endParaRPr b="0" lang="en-US" sz="4400" spc="-1" strike="noStrike">
+            <a:endParaRPr lang="en-US" sz="4400" b="0" strike="noStrike" spc="-1">
               <a:latin typeface="Arial"/>
             </a:endParaRPr>
           </a:p>
@@ -1959,12 +3163,13 @@
           </a:prstGeom>
         </p:spPr>
         <p:txBody>
-          <a:bodyPr lIns="0" rIns="0" tIns="0" bIns="0" anchor="ctr">
+          <a:bodyPr lIns="0" tIns="0" rIns="0" bIns="0" anchor="ctr">
             <a:noAutofit/>
           </a:bodyPr>
+          <a:lstStyle/>
           <a:p>
             <a:pPr algn="ctr"/>
-            <a:endParaRPr b="0" lang="en-US" sz="3200" spc="-1" strike="noStrike">
+            <a:endParaRPr lang="en-US" sz="3200" b="0" strike="noStrike" spc="-1">
               <a:latin typeface="Arial"/>
             </a:endParaRPr>
           </a:p>
@@ -1972,11 +3177,14 @@
       </p:sp>
     </p:spTree>
   </p:cSld>
+  <p:clrMapOvr>
+    <a:masterClrMapping/>
+  </p:clrMapOvr>
 </p:sldLayout>
 </file>
 
 <file path=ppt/slideLayouts/slideLayout20.xml><?xml version="1.0" encoding="utf-8"?>
-<p:sldLayout xmlns:a="http://schemas.openxmlformats.org/drawingml/2006/main" xmlns:p="http://schemas.openxmlformats.org/presentationml/2006/main" xmlns:r="http://schemas.openxmlformats.org/officeDocument/2006/relationships" xmlns:p14="http://schemas.microsoft.com/office/powerpoint/2010/main" xmlns:p15="http://schemas.microsoft.com/office/powerpoint/2012/main" xmlns:mc="http://schemas.openxmlformats.org/markup-compatibility/2006" type="objAndTwoObj" preserve="1">
+<p:sldLayout xmlns:a="http://schemas.openxmlformats.org/drawingml/2006/main" xmlns:r="http://schemas.openxmlformats.org/officeDocument/2006/relationships" xmlns:p="http://schemas.openxmlformats.org/presentationml/2006/main" type="objAndTwoObj" preserve="1">
   <p:cSld name="Title Content and 2 Content">
     <p:spTree>
       <p:nvGrpSpPr>
@@ -2012,12 +3220,13 @@
           </a:prstGeom>
         </p:spPr>
         <p:txBody>
-          <a:bodyPr lIns="0" rIns="0" tIns="0" bIns="0" anchor="ctr">
+          <a:bodyPr lIns="0" tIns="0" rIns="0" bIns="0" anchor="ctr">
             <a:noAutofit/>
           </a:bodyPr>
+          <a:lstStyle/>
           <a:p>
             <a:pPr algn="ctr"/>
-            <a:endParaRPr b="0" lang="en-US" sz="4400" spc="-1" strike="noStrike">
+            <a:endParaRPr lang="en-US" sz="4400" b="0" strike="noStrike" spc="-1">
               <a:latin typeface="Arial"/>
             </a:endParaRPr>
           </a:p>
@@ -2043,11 +3252,12 @@
           </a:prstGeom>
         </p:spPr>
         <p:txBody>
-          <a:bodyPr lIns="0" rIns="0" tIns="0" bIns="0">
+          <a:bodyPr lIns="0" tIns="0" rIns="0" bIns="0">
             <a:normAutofit/>
           </a:bodyPr>
-          <a:p>
-            <a:endParaRPr b="0" lang="en-US" sz="3200" spc="-1" strike="noStrike">
+          <a:lstStyle/>
+          <a:p>
+            <a:endParaRPr lang="en-US" sz="3200" b="0" strike="noStrike" spc="-1">
               <a:latin typeface="Arial"/>
             </a:endParaRPr>
           </a:p>
@@ -2073,11 +3283,12 @@
           </a:prstGeom>
         </p:spPr>
         <p:txBody>
-          <a:bodyPr lIns="0" rIns="0" tIns="0" bIns="0">
+          <a:bodyPr lIns="0" tIns="0" rIns="0" bIns="0">
             <a:normAutofit/>
           </a:bodyPr>
-          <a:p>
-            <a:endParaRPr b="0" lang="en-US" sz="3200" spc="-1" strike="noStrike">
+          <a:lstStyle/>
+          <a:p>
+            <a:endParaRPr lang="en-US" sz="3200" b="0" strike="noStrike" spc="-1">
               <a:latin typeface="Arial"/>
             </a:endParaRPr>
           </a:p>
@@ -2103,11 +3314,12 @@
           </a:prstGeom>
         </p:spPr>
         <p:txBody>
-          <a:bodyPr lIns="0" rIns="0" tIns="0" bIns="0">
+          <a:bodyPr lIns="0" tIns="0" rIns="0" bIns="0">
             <a:normAutofit/>
           </a:bodyPr>
-          <a:p>
-            <a:endParaRPr b="0" lang="en-US" sz="3200" spc="-1" strike="noStrike">
+          <a:lstStyle/>
+          <a:p>
+            <a:endParaRPr lang="en-US" sz="3200" b="0" strike="noStrike" spc="-1">
               <a:latin typeface="Arial"/>
             </a:endParaRPr>
           </a:p>
@@ -2115,11 +3327,14 @@
       </p:sp>
     </p:spTree>
   </p:cSld>
+  <p:clrMapOvr>
+    <a:masterClrMapping/>
+  </p:clrMapOvr>
 </p:sldLayout>
 </file>
 
 <file path=ppt/slideLayouts/slideLayout21.xml><?xml version="1.0" encoding="utf-8"?>
-<p:sldLayout xmlns:a="http://schemas.openxmlformats.org/drawingml/2006/main" xmlns:p="http://schemas.openxmlformats.org/presentationml/2006/main" xmlns:r="http://schemas.openxmlformats.org/officeDocument/2006/relationships" xmlns:p14="http://schemas.microsoft.com/office/powerpoint/2010/main" xmlns:p15="http://schemas.microsoft.com/office/powerpoint/2012/main" xmlns:mc="http://schemas.openxmlformats.org/markup-compatibility/2006" type="twoObjOverTx" preserve="1">
+<p:sldLayout xmlns:a="http://schemas.openxmlformats.org/drawingml/2006/main" xmlns:r="http://schemas.openxmlformats.org/officeDocument/2006/relationships" xmlns:p="http://schemas.openxmlformats.org/presentationml/2006/main" type="twoObjOverTx" preserve="1">
   <p:cSld name="Title, 2 Content over Content">
     <p:spTree>
       <p:nvGrpSpPr>
@@ -2155,12 +3370,13 @@
           </a:prstGeom>
         </p:spPr>
         <p:txBody>
-          <a:bodyPr lIns="0" rIns="0" tIns="0" bIns="0" anchor="ctr">
+          <a:bodyPr lIns="0" tIns="0" rIns="0" bIns="0" anchor="ctr">
             <a:noAutofit/>
           </a:bodyPr>
+          <a:lstStyle/>
           <a:p>
             <a:pPr algn="ctr"/>
-            <a:endParaRPr b="0" lang="en-US" sz="4400" spc="-1" strike="noStrike">
+            <a:endParaRPr lang="en-US" sz="4400" b="0" strike="noStrike" spc="-1">
               <a:latin typeface="Arial"/>
             </a:endParaRPr>
           </a:p>
@@ -2186,11 +3402,12 @@
           </a:prstGeom>
         </p:spPr>
         <p:txBody>
-          <a:bodyPr lIns="0" rIns="0" tIns="0" bIns="0">
+          <a:bodyPr lIns="0" tIns="0" rIns="0" bIns="0">
             <a:normAutofit/>
           </a:bodyPr>
-          <a:p>
-            <a:endParaRPr b="0" lang="en-US" sz="3200" spc="-1" strike="noStrike">
+          <a:lstStyle/>
+          <a:p>
+            <a:endParaRPr lang="en-US" sz="3200" b="0" strike="noStrike" spc="-1">
               <a:latin typeface="Arial"/>
             </a:endParaRPr>
           </a:p>
@@ -2216,11 +3433,12 @@
           </a:prstGeom>
         </p:spPr>
         <p:txBody>
-          <a:bodyPr lIns="0" rIns="0" tIns="0" bIns="0">
+          <a:bodyPr lIns="0" tIns="0" rIns="0" bIns="0">
             <a:normAutofit/>
           </a:bodyPr>
-          <a:p>
-            <a:endParaRPr b="0" lang="en-US" sz="3200" spc="-1" strike="noStrike">
+          <a:lstStyle/>
+          <a:p>
+            <a:endParaRPr lang="en-US" sz="3200" b="0" strike="noStrike" spc="-1">
               <a:latin typeface="Arial"/>
             </a:endParaRPr>
           </a:p>
@@ -2246,11 +3464,12 @@
           </a:prstGeom>
         </p:spPr>
         <p:txBody>
-          <a:bodyPr lIns="0" rIns="0" tIns="0" bIns="0">
+          <a:bodyPr lIns="0" tIns="0" rIns="0" bIns="0">
             <a:normAutofit/>
           </a:bodyPr>
-          <a:p>
-            <a:endParaRPr b="0" lang="en-US" sz="3200" spc="-1" strike="noStrike">
+          <a:lstStyle/>
+          <a:p>
+            <a:endParaRPr lang="en-US" sz="3200" b="0" strike="noStrike" spc="-1">
               <a:latin typeface="Arial"/>
             </a:endParaRPr>
           </a:p>
@@ -2258,11 +3477,14 @@
       </p:sp>
     </p:spTree>
   </p:cSld>
+  <p:clrMapOvr>
+    <a:masterClrMapping/>
+  </p:clrMapOvr>
 </p:sldLayout>
 </file>
 
 <file path=ppt/slideLayouts/slideLayout22.xml><?xml version="1.0" encoding="utf-8"?>
-<p:sldLayout xmlns:a="http://schemas.openxmlformats.org/drawingml/2006/main" xmlns:p="http://schemas.openxmlformats.org/presentationml/2006/main" xmlns:r="http://schemas.openxmlformats.org/officeDocument/2006/relationships" xmlns:p14="http://schemas.microsoft.com/office/powerpoint/2010/main" xmlns:p15="http://schemas.microsoft.com/office/powerpoint/2012/main" xmlns:mc="http://schemas.openxmlformats.org/markup-compatibility/2006" type="objOverTx" preserve="1">
+<p:sldLayout xmlns:a="http://schemas.openxmlformats.org/drawingml/2006/main" xmlns:r="http://schemas.openxmlformats.org/officeDocument/2006/relationships" xmlns:p="http://schemas.openxmlformats.org/presentationml/2006/main" type="objOverTx" preserve="1">
   <p:cSld name="Title, Content over Content">
     <p:spTree>
       <p:nvGrpSpPr>
@@ -2298,12 +3520,13 @@
           </a:prstGeom>
         </p:spPr>
         <p:txBody>
-          <a:bodyPr lIns="0" rIns="0" tIns="0" bIns="0" anchor="ctr">
+          <a:bodyPr lIns="0" tIns="0" rIns="0" bIns="0" anchor="ctr">
             <a:noAutofit/>
           </a:bodyPr>
+          <a:lstStyle/>
           <a:p>
             <a:pPr algn="ctr"/>
-            <a:endParaRPr b="0" lang="en-US" sz="4400" spc="-1" strike="noStrike">
+            <a:endParaRPr lang="en-US" sz="4400" b="0" strike="noStrike" spc="-1">
               <a:latin typeface="Arial"/>
             </a:endParaRPr>
           </a:p>
@@ -2329,11 +3552,12 @@
           </a:prstGeom>
         </p:spPr>
         <p:txBody>
-          <a:bodyPr lIns="0" rIns="0" tIns="0" bIns="0">
+          <a:bodyPr lIns="0" tIns="0" rIns="0" bIns="0">
             <a:normAutofit/>
           </a:bodyPr>
-          <a:p>
-            <a:endParaRPr b="0" lang="en-US" sz="3200" spc="-1" strike="noStrike">
+          <a:lstStyle/>
+          <a:p>
+            <a:endParaRPr lang="en-US" sz="3200" b="0" strike="noStrike" spc="-1">
               <a:latin typeface="Arial"/>
             </a:endParaRPr>
           </a:p>
@@ -2359,11 +3583,12 @@
           </a:prstGeom>
         </p:spPr>
         <p:txBody>
-          <a:bodyPr lIns="0" rIns="0" tIns="0" bIns="0">
+          <a:bodyPr lIns="0" tIns="0" rIns="0" bIns="0">
             <a:normAutofit/>
           </a:bodyPr>
-          <a:p>
-            <a:endParaRPr b="0" lang="en-US" sz="3200" spc="-1" strike="noStrike">
+          <a:lstStyle/>
+          <a:p>
+            <a:endParaRPr lang="en-US" sz="3200" b="0" strike="noStrike" spc="-1">
               <a:latin typeface="Arial"/>
             </a:endParaRPr>
           </a:p>
@@ -2371,11 +3596,14 @@
       </p:sp>
     </p:spTree>
   </p:cSld>
+  <p:clrMapOvr>
+    <a:masterClrMapping/>
+  </p:clrMapOvr>
 </p:sldLayout>
 </file>
 
 <file path=ppt/slideLayouts/slideLayout23.xml><?xml version="1.0" encoding="utf-8"?>
-<p:sldLayout xmlns:a="http://schemas.openxmlformats.org/drawingml/2006/main" xmlns:p="http://schemas.openxmlformats.org/presentationml/2006/main" xmlns:r="http://schemas.openxmlformats.org/officeDocument/2006/relationships" xmlns:p14="http://schemas.microsoft.com/office/powerpoint/2010/main" xmlns:p15="http://schemas.microsoft.com/office/powerpoint/2012/main" xmlns:mc="http://schemas.openxmlformats.org/markup-compatibility/2006" type="fourObj" preserve="1">
+<p:sldLayout xmlns:a="http://schemas.openxmlformats.org/drawingml/2006/main" xmlns:r="http://schemas.openxmlformats.org/officeDocument/2006/relationships" xmlns:p="http://schemas.openxmlformats.org/presentationml/2006/main" type="fourObj" preserve="1">
   <p:cSld name="Title, 4 Content">
     <p:spTree>
       <p:nvGrpSpPr>
@@ -2411,12 +3639,13 @@
           </a:prstGeom>
         </p:spPr>
         <p:txBody>
-          <a:bodyPr lIns="0" rIns="0" tIns="0" bIns="0" anchor="ctr">
+          <a:bodyPr lIns="0" tIns="0" rIns="0" bIns="0" anchor="ctr">
             <a:noAutofit/>
           </a:bodyPr>
+          <a:lstStyle/>
           <a:p>
             <a:pPr algn="ctr"/>
-            <a:endParaRPr b="0" lang="en-US" sz="4400" spc="-1" strike="noStrike">
+            <a:endParaRPr lang="en-US" sz="4400" b="0" strike="noStrike" spc="-1">
               <a:latin typeface="Arial"/>
             </a:endParaRPr>
           </a:p>
@@ -2442,11 +3671,12 @@
           </a:prstGeom>
         </p:spPr>
         <p:txBody>
-          <a:bodyPr lIns="0" rIns="0" tIns="0" bIns="0">
+          <a:bodyPr lIns="0" tIns="0" rIns="0" bIns="0">
             <a:normAutofit/>
           </a:bodyPr>
-          <a:p>
-            <a:endParaRPr b="0" lang="en-US" sz="3200" spc="-1" strike="noStrike">
+          <a:lstStyle/>
+          <a:p>
+            <a:endParaRPr lang="en-US" sz="3200" b="0" strike="noStrike" spc="-1">
               <a:latin typeface="Arial"/>
             </a:endParaRPr>
           </a:p>
@@ -2472,11 +3702,12 @@
           </a:prstGeom>
         </p:spPr>
         <p:txBody>
-          <a:bodyPr lIns="0" rIns="0" tIns="0" bIns="0">
+          <a:bodyPr lIns="0" tIns="0" rIns="0" bIns="0">
             <a:normAutofit/>
           </a:bodyPr>
-          <a:p>
-            <a:endParaRPr b="0" lang="en-US" sz="3200" spc="-1" strike="noStrike">
+          <a:lstStyle/>
+          <a:p>
+            <a:endParaRPr lang="en-US" sz="3200" b="0" strike="noStrike" spc="-1">
               <a:latin typeface="Arial"/>
             </a:endParaRPr>
           </a:p>
@@ -2502,11 +3733,12 @@
           </a:prstGeom>
         </p:spPr>
         <p:txBody>
-          <a:bodyPr lIns="0" rIns="0" tIns="0" bIns="0">
+          <a:bodyPr lIns="0" tIns="0" rIns="0" bIns="0">
             <a:normAutofit/>
           </a:bodyPr>
-          <a:p>
-            <a:endParaRPr b="0" lang="en-US" sz="3200" spc="-1" strike="noStrike">
+          <a:lstStyle/>
+          <a:p>
+            <a:endParaRPr lang="en-US" sz="3200" b="0" strike="noStrike" spc="-1">
               <a:latin typeface="Arial"/>
             </a:endParaRPr>
           </a:p>
@@ -2532,11 +3764,12 @@
           </a:prstGeom>
         </p:spPr>
         <p:txBody>
-          <a:bodyPr lIns="0" rIns="0" tIns="0" bIns="0">
+          <a:bodyPr lIns="0" tIns="0" rIns="0" bIns="0">
             <a:normAutofit/>
           </a:bodyPr>
-          <a:p>
-            <a:endParaRPr b="0" lang="en-US" sz="3200" spc="-1" strike="noStrike">
+          <a:lstStyle/>
+          <a:p>
+            <a:endParaRPr lang="en-US" sz="3200" b="0" strike="noStrike" spc="-1">
               <a:latin typeface="Arial"/>
             </a:endParaRPr>
           </a:p>
@@ -2544,11 +3777,14 @@
       </p:sp>
     </p:spTree>
   </p:cSld>
+  <p:clrMapOvr>
+    <a:masterClrMapping/>
+  </p:clrMapOvr>
 </p:sldLayout>
 </file>
 
 <file path=ppt/slideLayouts/slideLayout24.xml><?xml version="1.0" encoding="utf-8"?>
-<p:sldLayout xmlns:a="http://schemas.openxmlformats.org/drawingml/2006/main" xmlns:p="http://schemas.openxmlformats.org/presentationml/2006/main" xmlns:r="http://schemas.openxmlformats.org/officeDocument/2006/relationships" xmlns:p14="http://schemas.microsoft.com/office/powerpoint/2010/main" xmlns:p15="http://schemas.microsoft.com/office/powerpoint/2012/main" xmlns:mc="http://schemas.openxmlformats.org/markup-compatibility/2006" type="blank" preserve="1">
+<p:sldLayout xmlns:a="http://schemas.openxmlformats.org/drawingml/2006/main" xmlns:r="http://schemas.openxmlformats.org/officeDocument/2006/relationships" xmlns:p="http://schemas.openxmlformats.org/presentationml/2006/main" type="blank" preserve="1">
   <p:cSld name="Title, 6 Content">
     <p:spTree>
       <p:nvGrpSpPr>
@@ -2584,12 +3820,13 @@
           </a:prstGeom>
         </p:spPr>
         <p:txBody>
-          <a:bodyPr lIns="0" rIns="0" tIns="0" bIns="0" anchor="ctr">
+          <a:bodyPr lIns="0" tIns="0" rIns="0" bIns="0" anchor="ctr">
             <a:noAutofit/>
           </a:bodyPr>
+          <a:lstStyle/>
           <a:p>
             <a:pPr algn="ctr"/>
-            <a:endParaRPr b="0" lang="en-US" sz="4400" spc="-1" strike="noStrike">
+            <a:endParaRPr lang="en-US" sz="4400" b="0" strike="noStrike" spc="-1">
               <a:latin typeface="Arial"/>
             </a:endParaRPr>
           </a:p>
@@ -2615,11 +3852,12 @@
           </a:prstGeom>
         </p:spPr>
         <p:txBody>
-          <a:bodyPr lIns="0" rIns="0" tIns="0" bIns="0">
+          <a:bodyPr lIns="0" tIns="0" rIns="0" bIns="0">
             <a:normAutofit/>
           </a:bodyPr>
-          <a:p>
-            <a:endParaRPr b="0" lang="en-US" sz="3200" spc="-1" strike="noStrike">
+          <a:lstStyle/>
+          <a:p>
+            <a:endParaRPr lang="en-US" sz="3200" b="0" strike="noStrike" spc="-1">
               <a:latin typeface="Arial"/>
             </a:endParaRPr>
           </a:p>
@@ -2645,11 +3883,12 @@
           </a:prstGeom>
         </p:spPr>
         <p:txBody>
-          <a:bodyPr lIns="0" rIns="0" tIns="0" bIns="0">
+          <a:bodyPr lIns="0" tIns="0" rIns="0" bIns="0">
             <a:normAutofit/>
           </a:bodyPr>
-          <a:p>
-            <a:endParaRPr b="0" lang="en-US" sz="3200" spc="-1" strike="noStrike">
+          <a:lstStyle/>
+          <a:p>
+            <a:endParaRPr lang="en-US" sz="3200" b="0" strike="noStrike" spc="-1">
               <a:latin typeface="Arial"/>
             </a:endParaRPr>
           </a:p>
@@ -2675,11 +3914,12 @@
           </a:prstGeom>
         </p:spPr>
         <p:txBody>
-          <a:bodyPr lIns="0" rIns="0" tIns="0" bIns="0">
+          <a:bodyPr lIns="0" tIns="0" rIns="0" bIns="0">
             <a:normAutofit/>
           </a:bodyPr>
-          <a:p>
-            <a:endParaRPr b="0" lang="en-US" sz="3200" spc="-1" strike="noStrike">
+          <a:lstStyle/>
+          <a:p>
+            <a:endParaRPr lang="en-US" sz="3200" b="0" strike="noStrike" spc="-1">
               <a:latin typeface="Arial"/>
             </a:endParaRPr>
           </a:p>
@@ -2705,11 +3945,12 @@
           </a:prstGeom>
         </p:spPr>
         <p:txBody>
-          <a:bodyPr lIns="0" rIns="0" tIns="0" bIns="0">
+          <a:bodyPr lIns="0" tIns="0" rIns="0" bIns="0">
             <a:normAutofit/>
           </a:bodyPr>
-          <a:p>
-            <a:endParaRPr b="0" lang="en-US" sz="3200" spc="-1" strike="noStrike">
+          <a:lstStyle/>
+          <a:p>
+            <a:endParaRPr lang="en-US" sz="3200" b="0" strike="noStrike" spc="-1">
               <a:latin typeface="Arial"/>
             </a:endParaRPr>
           </a:p>
@@ -2735,11 +3976,12 @@
           </a:prstGeom>
         </p:spPr>
         <p:txBody>
-          <a:bodyPr lIns="0" rIns="0" tIns="0" bIns="0">
+          <a:bodyPr lIns="0" tIns="0" rIns="0" bIns="0">
             <a:normAutofit/>
           </a:bodyPr>
-          <a:p>
-            <a:endParaRPr b="0" lang="en-US" sz="3200" spc="-1" strike="noStrike">
+          <a:lstStyle/>
+          <a:p>
+            <a:endParaRPr lang="en-US" sz="3200" b="0" strike="noStrike" spc="-1">
               <a:latin typeface="Arial"/>
             </a:endParaRPr>
           </a:p>
@@ -2765,11 +4007,12 @@
           </a:prstGeom>
         </p:spPr>
         <p:txBody>
-          <a:bodyPr lIns="0" rIns="0" tIns="0" bIns="0">
+          <a:bodyPr lIns="0" tIns="0" rIns="0" bIns="0">
             <a:normAutofit/>
           </a:bodyPr>
-          <a:p>
-            <a:endParaRPr b="0" lang="en-US" sz="3200" spc="-1" strike="noStrike">
+          <a:lstStyle/>
+          <a:p>
+            <a:endParaRPr lang="en-US" sz="3200" b="0" strike="noStrike" spc="-1">
               <a:latin typeface="Arial"/>
             </a:endParaRPr>
           </a:p>
@@ -2777,11 +4020,14 @@
       </p:sp>
     </p:spTree>
   </p:cSld>
+  <p:clrMapOvr>
+    <a:masterClrMapping/>
+  </p:clrMapOvr>
 </p:sldLayout>
 </file>
 
 <file path=ppt/slideLayouts/slideLayout3.xml><?xml version="1.0" encoding="utf-8"?>
-<p:sldLayout xmlns:a="http://schemas.openxmlformats.org/drawingml/2006/main" xmlns:p="http://schemas.openxmlformats.org/presentationml/2006/main" xmlns:r="http://schemas.openxmlformats.org/officeDocument/2006/relationships" xmlns:p14="http://schemas.microsoft.com/office/powerpoint/2010/main" xmlns:p15="http://schemas.microsoft.com/office/powerpoint/2012/main" xmlns:mc="http://schemas.openxmlformats.org/markup-compatibility/2006" type="obj" preserve="1">
+<p:sldLayout xmlns:a="http://schemas.openxmlformats.org/drawingml/2006/main" xmlns:r="http://schemas.openxmlformats.org/officeDocument/2006/relationships" xmlns:p="http://schemas.openxmlformats.org/presentationml/2006/main" type="obj" preserve="1">
   <p:cSld name="Title, Content">
     <p:spTree>
       <p:nvGrpSpPr>
@@ -2817,12 +4063,13 @@
           </a:prstGeom>
         </p:spPr>
         <p:txBody>
-          <a:bodyPr lIns="0" rIns="0" tIns="0" bIns="0" anchor="ctr">
+          <a:bodyPr lIns="0" tIns="0" rIns="0" bIns="0" anchor="ctr">
             <a:noAutofit/>
           </a:bodyPr>
+          <a:lstStyle/>
           <a:p>
             <a:pPr algn="ctr"/>
-            <a:endParaRPr b="0" lang="en-US" sz="4400" spc="-1" strike="noStrike">
+            <a:endParaRPr lang="en-US" sz="4400" b="0" strike="noStrike" spc="-1">
               <a:latin typeface="Arial"/>
             </a:endParaRPr>
           </a:p>
@@ -2848,11 +4095,12 @@
           </a:prstGeom>
         </p:spPr>
         <p:txBody>
-          <a:bodyPr lIns="0" rIns="0" tIns="0" bIns="0">
+          <a:bodyPr lIns="0" tIns="0" rIns="0" bIns="0">
             <a:normAutofit/>
           </a:bodyPr>
-          <a:p>
-            <a:endParaRPr b="0" lang="en-US" sz="3200" spc="-1" strike="noStrike">
+          <a:lstStyle/>
+          <a:p>
+            <a:endParaRPr lang="en-US" sz="3200" b="0" strike="noStrike" spc="-1">
               <a:latin typeface="Arial"/>
             </a:endParaRPr>
           </a:p>
@@ -2860,11 +4108,14 @@
       </p:sp>
     </p:spTree>
   </p:cSld>
+  <p:clrMapOvr>
+    <a:masterClrMapping/>
+  </p:clrMapOvr>
 </p:sldLayout>
 </file>
 
 <file path=ppt/slideLayouts/slideLayout4.xml><?xml version="1.0" encoding="utf-8"?>
-<p:sldLayout xmlns:a="http://schemas.openxmlformats.org/drawingml/2006/main" xmlns:p="http://schemas.openxmlformats.org/presentationml/2006/main" xmlns:r="http://schemas.openxmlformats.org/officeDocument/2006/relationships" xmlns:p14="http://schemas.microsoft.com/office/powerpoint/2010/main" xmlns:p15="http://schemas.microsoft.com/office/powerpoint/2012/main" xmlns:mc="http://schemas.openxmlformats.org/markup-compatibility/2006" type="twoObj" preserve="1">
+<p:sldLayout xmlns:a="http://schemas.openxmlformats.org/drawingml/2006/main" xmlns:r="http://schemas.openxmlformats.org/officeDocument/2006/relationships" xmlns:p="http://schemas.openxmlformats.org/presentationml/2006/main" type="twoObj" preserve="1">
   <p:cSld name="Title, 2 Content">
     <p:spTree>
       <p:nvGrpSpPr>
@@ -2900,12 +4151,13 @@
           </a:prstGeom>
         </p:spPr>
         <p:txBody>
-          <a:bodyPr lIns="0" rIns="0" tIns="0" bIns="0" anchor="ctr">
+          <a:bodyPr lIns="0" tIns="0" rIns="0" bIns="0" anchor="ctr">
             <a:noAutofit/>
           </a:bodyPr>
+          <a:lstStyle/>
           <a:p>
             <a:pPr algn="ctr"/>
-            <a:endParaRPr b="0" lang="en-US" sz="4400" spc="-1" strike="noStrike">
+            <a:endParaRPr lang="en-US" sz="4400" b="0" strike="noStrike" spc="-1">
               <a:latin typeface="Arial"/>
             </a:endParaRPr>
           </a:p>
@@ -2931,11 +4183,12 @@
           </a:prstGeom>
         </p:spPr>
         <p:txBody>
-          <a:bodyPr lIns="0" rIns="0" tIns="0" bIns="0">
+          <a:bodyPr lIns="0" tIns="0" rIns="0" bIns="0">
             <a:normAutofit/>
           </a:bodyPr>
-          <a:p>
-            <a:endParaRPr b="0" lang="en-US" sz="3200" spc="-1" strike="noStrike">
+          <a:lstStyle/>
+          <a:p>
+            <a:endParaRPr lang="en-US" sz="3200" b="0" strike="noStrike" spc="-1">
               <a:latin typeface="Arial"/>
             </a:endParaRPr>
           </a:p>
@@ -2961,11 +4214,12 @@
           </a:prstGeom>
         </p:spPr>
         <p:txBody>
-          <a:bodyPr lIns="0" rIns="0" tIns="0" bIns="0">
+          <a:bodyPr lIns="0" tIns="0" rIns="0" bIns="0">
             <a:normAutofit/>
           </a:bodyPr>
-          <a:p>
-            <a:endParaRPr b="0" lang="en-US" sz="3200" spc="-1" strike="noStrike">
+          <a:lstStyle/>
+          <a:p>
+            <a:endParaRPr lang="en-US" sz="3200" b="0" strike="noStrike" spc="-1">
               <a:latin typeface="Arial"/>
             </a:endParaRPr>
           </a:p>
@@ -2973,11 +4227,14 @@
       </p:sp>
     </p:spTree>
   </p:cSld>
+  <p:clrMapOvr>
+    <a:masterClrMapping/>
+  </p:clrMapOvr>
 </p:sldLayout>
 </file>
 
 <file path=ppt/slideLayouts/slideLayout5.xml><?xml version="1.0" encoding="utf-8"?>
-<p:sldLayout xmlns:a="http://schemas.openxmlformats.org/drawingml/2006/main" xmlns:p="http://schemas.openxmlformats.org/presentationml/2006/main" xmlns:r="http://schemas.openxmlformats.org/officeDocument/2006/relationships" xmlns:p14="http://schemas.microsoft.com/office/powerpoint/2010/main" xmlns:p15="http://schemas.microsoft.com/office/powerpoint/2012/main" xmlns:mc="http://schemas.openxmlformats.org/markup-compatibility/2006" type="titleOnly" preserve="1">
+<p:sldLayout xmlns:a="http://schemas.openxmlformats.org/drawingml/2006/main" xmlns:r="http://schemas.openxmlformats.org/officeDocument/2006/relationships" xmlns:p="http://schemas.openxmlformats.org/presentationml/2006/main" type="titleOnly" preserve="1">
   <p:cSld name="Title Only">
     <p:spTree>
       <p:nvGrpSpPr>
@@ -3013,12 +4270,13 @@
           </a:prstGeom>
         </p:spPr>
         <p:txBody>
-          <a:bodyPr lIns="0" rIns="0" tIns="0" bIns="0" anchor="ctr">
+          <a:bodyPr lIns="0" tIns="0" rIns="0" bIns="0" anchor="ctr">
             <a:noAutofit/>
           </a:bodyPr>
+          <a:lstStyle/>
           <a:p>
             <a:pPr algn="ctr"/>
-            <a:endParaRPr b="0" lang="en-US" sz="4400" spc="-1" strike="noStrike">
+            <a:endParaRPr lang="en-US" sz="4400" b="0" strike="noStrike" spc="-1">
               <a:latin typeface="Arial"/>
             </a:endParaRPr>
           </a:p>
@@ -3026,11 +4284,14 @@
       </p:sp>
     </p:spTree>
   </p:cSld>
+  <p:clrMapOvr>
+    <a:masterClrMapping/>
+  </p:clrMapOvr>
 </p:sldLayout>
 </file>
 
 <file path=ppt/slideLayouts/slideLayout6.xml><?xml version="1.0" encoding="utf-8"?>
-<p:sldLayout xmlns:a="http://schemas.openxmlformats.org/drawingml/2006/main" xmlns:p="http://schemas.openxmlformats.org/presentationml/2006/main" xmlns:r="http://schemas.openxmlformats.org/officeDocument/2006/relationships" xmlns:p14="http://schemas.microsoft.com/office/powerpoint/2010/main" xmlns:p15="http://schemas.microsoft.com/office/powerpoint/2012/main" xmlns:mc="http://schemas.openxmlformats.org/markup-compatibility/2006" type="objOnly" preserve="1">
+<p:sldLayout xmlns:a="http://schemas.openxmlformats.org/drawingml/2006/main" xmlns:r="http://schemas.openxmlformats.org/officeDocument/2006/relationships" xmlns:p="http://schemas.openxmlformats.org/presentationml/2006/main" type="objOnly" preserve="1">
   <p:cSld name="Centered Text">
     <p:spTree>
       <p:nvGrpSpPr>
@@ -3066,12 +4327,13 @@
           </a:prstGeom>
         </p:spPr>
         <p:txBody>
-          <a:bodyPr lIns="0" rIns="0" tIns="0" bIns="0" anchor="ctr">
+          <a:bodyPr lIns="0" tIns="0" rIns="0" bIns="0" anchor="ctr">
             <a:noAutofit/>
           </a:bodyPr>
+          <a:lstStyle/>
           <a:p>
             <a:pPr algn="ctr"/>
-            <a:endParaRPr b="0" lang="en-US" sz="3200" spc="-1" strike="noStrike">
+            <a:endParaRPr lang="en-US" sz="3200" b="0" strike="noStrike" spc="-1">
               <a:latin typeface="Arial"/>
             </a:endParaRPr>
           </a:p>
@@ -3079,11 +4341,14 @@
       </p:sp>
     </p:spTree>
   </p:cSld>
+  <p:clrMapOvr>
+    <a:masterClrMapping/>
+  </p:clrMapOvr>
 </p:sldLayout>
 </file>
 
 <file path=ppt/slideLayouts/slideLayout7.xml><?xml version="1.0" encoding="utf-8"?>
-<p:sldLayout xmlns:a="http://schemas.openxmlformats.org/drawingml/2006/main" xmlns:p="http://schemas.openxmlformats.org/presentationml/2006/main" xmlns:r="http://schemas.openxmlformats.org/officeDocument/2006/relationships" xmlns:p14="http://schemas.microsoft.com/office/powerpoint/2010/main" xmlns:p15="http://schemas.microsoft.com/office/powerpoint/2012/main" xmlns:mc="http://schemas.openxmlformats.org/markup-compatibility/2006" type="twoObjAndObj" preserve="1">
+<p:sldLayout xmlns:a="http://schemas.openxmlformats.org/drawingml/2006/main" xmlns:r="http://schemas.openxmlformats.org/officeDocument/2006/relationships" xmlns:p="http://schemas.openxmlformats.org/presentationml/2006/main" type="twoObjAndObj" preserve="1">
   <p:cSld name="Title, 2 Content and Content">
     <p:spTree>
       <p:nvGrpSpPr>
@@ -3119,12 +4384,13 @@
           </a:prstGeom>
         </p:spPr>
         <p:txBody>
-          <a:bodyPr lIns="0" rIns="0" tIns="0" bIns="0" anchor="ctr">
+          <a:bodyPr lIns="0" tIns="0" rIns="0" bIns="0" anchor="ctr">
             <a:noAutofit/>
           </a:bodyPr>
+          <a:lstStyle/>
           <a:p>
             <a:pPr algn="ctr"/>
-            <a:endParaRPr b="0" lang="en-US" sz="4400" spc="-1" strike="noStrike">
+            <a:endParaRPr lang="en-US" sz="4400" b="0" strike="noStrike" spc="-1">
               <a:latin typeface="Arial"/>
             </a:endParaRPr>
           </a:p>
@@ -3150,11 +4416,12 @@
           </a:prstGeom>
         </p:spPr>
         <p:txBody>
-          <a:bodyPr lIns="0" rIns="0" tIns="0" bIns="0">
+          <a:bodyPr lIns="0" tIns="0" rIns="0" bIns="0">
             <a:normAutofit/>
           </a:bodyPr>
-          <a:p>
-            <a:endParaRPr b="0" lang="en-US" sz="3200" spc="-1" strike="noStrike">
+          <a:lstStyle/>
+          <a:p>
+            <a:endParaRPr lang="en-US" sz="3200" b="0" strike="noStrike" spc="-1">
               <a:latin typeface="Arial"/>
             </a:endParaRPr>
           </a:p>
@@ -3180,11 +4447,12 @@
           </a:prstGeom>
         </p:spPr>
         <p:txBody>
-          <a:bodyPr lIns="0" rIns="0" tIns="0" bIns="0">
+          <a:bodyPr lIns="0" tIns="0" rIns="0" bIns="0">
             <a:normAutofit/>
           </a:bodyPr>
-          <a:p>
-            <a:endParaRPr b="0" lang="en-US" sz="3200" spc="-1" strike="noStrike">
+          <a:lstStyle/>
+          <a:p>
+            <a:endParaRPr lang="en-US" sz="3200" b="0" strike="noStrike" spc="-1">
               <a:latin typeface="Arial"/>
             </a:endParaRPr>
           </a:p>
@@ -3210,11 +4478,12 @@
           </a:prstGeom>
         </p:spPr>
         <p:txBody>
-          <a:bodyPr lIns="0" rIns="0" tIns="0" bIns="0">
+          <a:bodyPr lIns="0" tIns="0" rIns="0" bIns="0">
             <a:normAutofit/>
           </a:bodyPr>
-          <a:p>
-            <a:endParaRPr b="0" lang="en-US" sz="3200" spc="-1" strike="noStrike">
+          <a:lstStyle/>
+          <a:p>
+            <a:endParaRPr lang="en-US" sz="3200" b="0" strike="noStrike" spc="-1">
               <a:latin typeface="Arial"/>
             </a:endParaRPr>
           </a:p>
@@ -3222,11 +4491,14 @@
       </p:sp>
     </p:spTree>
   </p:cSld>
+  <p:clrMapOvr>
+    <a:masterClrMapping/>
+  </p:clrMapOvr>
 </p:sldLayout>
 </file>
 
 <file path=ppt/slideLayouts/slideLayout8.xml><?xml version="1.0" encoding="utf-8"?>
-<p:sldLayout xmlns:a="http://schemas.openxmlformats.org/drawingml/2006/main" xmlns:p="http://schemas.openxmlformats.org/presentationml/2006/main" xmlns:r="http://schemas.openxmlformats.org/officeDocument/2006/relationships" xmlns:p14="http://schemas.microsoft.com/office/powerpoint/2010/main" xmlns:p15="http://schemas.microsoft.com/office/powerpoint/2012/main" xmlns:mc="http://schemas.openxmlformats.org/markup-compatibility/2006" type="objAndTwoObj" preserve="1">
+<p:sldLayout xmlns:a="http://schemas.openxmlformats.org/drawingml/2006/main" xmlns:r="http://schemas.openxmlformats.org/officeDocument/2006/relationships" xmlns:p="http://schemas.openxmlformats.org/presentationml/2006/main" type="objAndTwoObj" preserve="1">
   <p:cSld name="Title Content and 2 Content">
     <p:spTree>
       <p:nvGrpSpPr>
@@ -3262,12 +4534,13 @@
           </a:prstGeom>
         </p:spPr>
         <p:txBody>
-          <a:bodyPr lIns="0" rIns="0" tIns="0" bIns="0" anchor="ctr">
+          <a:bodyPr lIns="0" tIns="0" rIns="0" bIns="0" anchor="ctr">
             <a:noAutofit/>
           </a:bodyPr>
+          <a:lstStyle/>
           <a:p>
             <a:pPr algn="ctr"/>
-            <a:endParaRPr b="0" lang="en-US" sz="4400" spc="-1" strike="noStrike">
+            <a:endParaRPr lang="en-US" sz="4400" b="0" strike="noStrike" spc="-1">
               <a:latin typeface="Arial"/>
             </a:endParaRPr>
           </a:p>
@@ -3293,11 +4566,12 @@
           </a:prstGeom>
         </p:spPr>
         <p:txBody>
-          <a:bodyPr lIns="0" rIns="0" tIns="0" bIns="0">
+          <a:bodyPr lIns="0" tIns="0" rIns="0" bIns="0">
             <a:normAutofit/>
           </a:bodyPr>
-          <a:p>
-            <a:endParaRPr b="0" lang="en-US" sz="3200" spc="-1" strike="noStrike">
+          <a:lstStyle/>
+          <a:p>
+            <a:endParaRPr lang="en-US" sz="3200" b="0" strike="noStrike" spc="-1">
               <a:latin typeface="Arial"/>
             </a:endParaRPr>
           </a:p>
@@ -3323,11 +4597,12 @@
           </a:prstGeom>
         </p:spPr>
         <p:txBody>
-          <a:bodyPr lIns="0" rIns="0" tIns="0" bIns="0">
+          <a:bodyPr lIns="0" tIns="0" rIns="0" bIns="0">
             <a:normAutofit/>
           </a:bodyPr>
-          <a:p>
-            <a:endParaRPr b="0" lang="en-US" sz="3200" spc="-1" strike="noStrike">
+          <a:lstStyle/>
+          <a:p>
+            <a:endParaRPr lang="en-US" sz="3200" b="0" strike="noStrike" spc="-1">
               <a:latin typeface="Arial"/>
             </a:endParaRPr>
           </a:p>
@@ -3353,11 +4628,12 @@
           </a:prstGeom>
         </p:spPr>
         <p:txBody>
-          <a:bodyPr lIns="0" rIns="0" tIns="0" bIns="0">
+          <a:bodyPr lIns="0" tIns="0" rIns="0" bIns="0">
             <a:normAutofit/>
           </a:bodyPr>
-          <a:p>
-            <a:endParaRPr b="0" lang="en-US" sz="3200" spc="-1" strike="noStrike">
+          <a:lstStyle/>
+          <a:p>
+            <a:endParaRPr lang="en-US" sz="3200" b="0" strike="noStrike" spc="-1">
               <a:latin typeface="Arial"/>
             </a:endParaRPr>
           </a:p>
@@ -3365,11 +4641,14 @@
       </p:sp>
     </p:spTree>
   </p:cSld>
+  <p:clrMapOvr>
+    <a:masterClrMapping/>
+  </p:clrMapOvr>
 </p:sldLayout>
 </file>
 
 <file path=ppt/slideLayouts/slideLayout9.xml><?xml version="1.0" encoding="utf-8"?>
-<p:sldLayout xmlns:a="http://schemas.openxmlformats.org/drawingml/2006/main" xmlns:p="http://schemas.openxmlformats.org/presentationml/2006/main" xmlns:r="http://schemas.openxmlformats.org/officeDocument/2006/relationships" xmlns:p14="http://schemas.microsoft.com/office/powerpoint/2010/main" xmlns:p15="http://schemas.microsoft.com/office/powerpoint/2012/main" xmlns:mc="http://schemas.openxmlformats.org/markup-compatibility/2006" type="twoObjOverTx" preserve="1">
+<p:sldLayout xmlns:a="http://schemas.openxmlformats.org/drawingml/2006/main" xmlns:r="http://schemas.openxmlformats.org/officeDocument/2006/relationships" xmlns:p="http://schemas.openxmlformats.org/presentationml/2006/main" type="twoObjOverTx" preserve="1">
   <p:cSld name="Title, 2 Content over Content">
     <p:spTree>
       <p:nvGrpSpPr>
@@ -3405,12 +4684,13 @@
           </a:prstGeom>
         </p:spPr>
         <p:txBody>
-          <a:bodyPr lIns="0" rIns="0" tIns="0" bIns="0" anchor="ctr">
+          <a:bodyPr lIns="0" tIns="0" rIns="0" bIns="0" anchor="ctr">
             <a:noAutofit/>
           </a:bodyPr>
+          <a:lstStyle/>
           <a:p>
             <a:pPr algn="ctr"/>
-            <a:endParaRPr b="0" lang="en-US" sz="4400" spc="-1" strike="noStrike">
+            <a:endParaRPr lang="en-US" sz="4400" b="0" strike="noStrike" spc="-1">
               <a:latin typeface="Arial"/>
             </a:endParaRPr>
           </a:p>
@@ -3436,11 +4716,12 @@
           </a:prstGeom>
         </p:spPr>
         <p:txBody>
-          <a:bodyPr lIns="0" rIns="0" tIns="0" bIns="0">
+          <a:bodyPr lIns="0" tIns="0" rIns="0" bIns="0">
             <a:normAutofit/>
           </a:bodyPr>
-          <a:p>
-            <a:endParaRPr b="0" lang="en-US" sz="3200" spc="-1" strike="noStrike">
+          <a:lstStyle/>
+          <a:p>
+            <a:endParaRPr lang="en-US" sz="3200" b="0" strike="noStrike" spc="-1">
               <a:latin typeface="Arial"/>
             </a:endParaRPr>
           </a:p>
@@ -3466,11 +4747,12 @@
           </a:prstGeom>
         </p:spPr>
         <p:txBody>
-          <a:bodyPr lIns="0" rIns="0" tIns="0" bIns="0">
+          <a:bodyPr lIns="0" tIns="0" rIns="0" bIns="0">
             <a:normAutofit/>
           </a:bodyPr>
-          <a:p>
-            <a:endParaRPr b="0" lang="en-US" sz="3200" spc="-1" strike="noStrike">
+          <a:lstStyle/>
+          <a:p>
+            <a:endParaRPr lang="en-US" sz="3200" b="0" strike="noStrike" spc="-1">
               <a:latin typeface="Arial"/>
             </a:endParaRPr>
           </a:p>
@@ -3496,11 +4778,12 @@
           </a:prstGeom>
         </p:spPr>
         <p:txBody>
-          <a:bodyPr lIns="0" rIns="0" tIns="0" bIns="0">
+          <a:bodyPr lIns="0" tIns="0" rIns="0" bIns="0">
             <a:normAutofit/>
           </a:bodyPr>
-          <a:p>
-            <a:endParaRPr b="0" lang="en-US" sz="3200" spc="-1" strike="noStrike">
+          <a:lstStyle/>
+          <a:p>
+            <a:endParaRPr lang="en-US" sz="3200" b="0" strike="noStrike" spc="-1">
               <a:latin typeface="Arial"/>
             </a:endParaRPr>
           </a:p>
@@ -3508,17 +4791,21 @@
       </p:sp>
     </p:spTree>
   </p:cSld>
+  <p:clrMapOvr>
+    <a:masterClrMapping/>
+  </p:clrMapOvr>
 </p:sldLayout>
 </file>
 
 <file path=ppt/slideMasters/slideMaster1.xml><?xml version="1.0" encoding="utf-8"?>
-<p:sldMaster xmlns:a="http://schemas.openxmlformats.org/drawingml/2006/main" xmlns:p="http://schemas.openxmlformats.org/presentationml/2006/main" xmlns:r="http://schemas.openxmlformats.org/officeDocument/2006/relationships" xmlns:p14="http://schemas.microsoft.com/office/powerpoint/2010/main" xmlns:p15="http://schemas.microsoft.com/office/powerpoint/2012/main" xmlns:mc="http://schemas.openxmlformats.org/markup-compatibility/2006">
+<p:sldMaster xmlns:a="http://schemas.openxmlformats.org/drawingml/2006/main" xmlns:r="http://schemas.openxmlformats.org/officeDocument/2006/relationships" xmlns:p="http://schemas.openxmlformats.org/presentationml/2006/main">
   <p:cSld>
     <p:bg>
       <p:bgPr>
         <a:solidFill>
-          <a:srgbClr val="2a3990"/>
+          <a:srgbClr val="2A3990"/>
         </a:solidFill>
+        <a:effectLst/>
       </p:bgPr>
     </p:bg>
     <p:spTree>
@@ -3537,7 +4824,7 @@
       </p:grpSpPr>
       <p:grpSp>
         <p:nvGrpSpPr>
-          <p:cNvPr id="0" name="Group 1"/>
+          <p:cNvPr id="8" name="Group 1"/>
           <p:cNvGrpSpPr/>
           <p:nvPr/>
         </p:nvGrpSpPr>
@@ -3551,7 +4838,7 @@
         </p:grpSpPr>
         <p:sp>
           <p:nvSpPr>
-            <p:cNvPr id="1" name="CustomShape 2"/>
+            <p:cNvPr id="9" name="CustomShape 2"/>
             <p:cNvSpPr/>
             <p:nvPr/>
           </p:nvSpPr>
@@ -3571,9 +4858,15 @@
             </a:ln>
           </p:spPr>
           <p:style>
-            <a:lnRef idx="0"/>
-            <a:fillRef idx="0"/>
-            <a:effectRef idx="0"/>
+            <a:lnRef idx="0">
+              <a:scrgbClr r="0" g="0" b="0"/>
+            </a:lnRef>
+            <a:fillRef idx="0">
+              <a:scrgbClr r="0" g="0" b="0"/>
+            </a:fillRef>
+            <a:effectRef idx="0">
+              <a:scrgbClr r="0" g="0" b="0"/>
+            </a:effectRef>
             <a:fontRef idx="minor"/>
           </p:style>
         </p:sp>
@@ -3599,9 +4892,15 @@
             </a:ln>
           </p:spPr>
           <p:style>
-            <a:lnRef idx="0"/>
-            <a:fillRef idx="0"/>
-            <a:effectRef idx="0"/>
+            <a:lnRef idx="0">
+              <a:scrgbClr r="0" g="0" b="0"/>
+            </a:lnRef>
+            <a:fillRef idx="0">
+              <a:scrgbClr r="0" g="0" b="0"/>
+            </a:fillRef>
+            <a:effectRef idx="0">
+              <a:scrgbClr r="0" g="0" b="0"/>
+            </a:effectRef>
             <a:fontRef idx="minor"/>
           </p:style>
         </p:sp>
@@ -3612,7 +4911,7 @@
             <p:nvPr/>
           </p:nvSpPr>
           <p:spPr>
-            <a:xfrm flipH="1" rot="10800000">
+            <a:xfrm rot="10800000" flipH="1">
               <a:off x="7113600" y="720"/>
               <a:ext cx="1014480" cy="1014480"/>
             </a:xfrm>
@@ -3627,9 +4926,15 @@
             </a:ln>
           </p:spPr>
           <p:style>
-            <a:lnRef idx="0"/>
-            <a:fillRef idx="0"/>
-            <a:effectRef idx="0"/>
+            <a:lnRef idx="0">
+              <a:scrgbClr r="0" g="0" b="0"/>
+            </a:lnRef>
+            <a:fillRef idx="0">
+              <a:scrgbClr r="0" g="0" b="0"/>
+            </a:fillRef>
+            <a:effectRef idx="0">
+              <a:scrgbClr r="0" g="0" b="0"/>
+            </a:effectRef>
             <a:fontRef idx="minor"/>
           </p:style>
         </p:sp>
@@ -3655,9 +4960,15 @@
             </a:ln>
           </p:spPr>
           <p:style>
-            <a:lnRef idx="0"/>
-            <a:fillRef idx="0"/>
-            <a:effectRef idx="0"/>
+            <a:lnRef idx="0">
+              <a:scrgbClr r="0" g="0" b="0"/>
+            </a:lnRef>
+            <a:fillRef idx="0">
+              <a:scrgbClr r="0" g="0" b="0"/>
+            </a:fillRef>
+            <a:effectRef idx="0">
+              <a:scrgbClr r="0" g="0" b="0"/>
+            </a:effectRef>
             <a:fontRef idx="minor"/>
           </p:style>
         </p:sp>
@@ -3683,9 +4994,15 @@
             </a:ln>
           </p:spPr>
           <p:style>
-            <a:lnRef idx="0"/>
-            <a:fillRef idx="0"/>
-            <a:effectRef idx="0"/>
+            <a:lnRef idx="0">
+              <a:scrgbClr r="0" g="0" b="0"/>
+            </a:lnRef>
+            <a:fillRef idx="0">
+              <a:scrgbClr r="0" g="0" b="0"/>
+            </a:fillRef>
+            <a:effectRef idx="0">
+              <a:scrgbClr r="0" g="0" b="0"/>
+            </a:effectRef>
             <a:fontRef idx="minor"/>
           </p:style>
         </p:sp>
@@ -3710,19 +5027,17 @@
           </a:prstGeom>
         </p:spPr>
         <p:txBody>
-          <a:bodyPr lIns="0" rIns="0" tIns="0" bIns="0" anchor="ctr">
+          <a:bodyPr lIns="0" tIns="0" rIns="0" bIns="0" anchor="ctr">
             <a:noAutofit/>
           </a:bodyPr>
-          <a:p>
-            <a:r>
-              <a:rPr b="0" lang="en-US" sz="1800" spc="-1" strike="noStrike">
+          <a:lstStyle/>
+          <a:p>
+            <a:r>
+              <a:rPr lang="en-US" sz="1800" b="0" strike="noStrike" spc="-1">
                 <a:latin typeface="Arial"/>
               </a:rPr>
               <a:t>Click to edit the title text format</a:t>
             </a:r>
-            <a:endParaRPr b="0" lang="en-US" sz="1800" spc="-1" strike="noStrike">
-              <a:latin typeface="Arial"/>
-            </a:endParaRPr>
           </a:p>
         </p:txBody>
       </p:sp>
@@ -3746,9 +5061,10 @@
           </a:prstGeom>
         </p:spPr>
         <p:txBody>
-          <a:bodyPr lIns="0" rIns="0" tIns="0" bIns="0">
+          <a:bodyPr lIns="0" tIns="0" rIns="0" bIns="0">
             <a:normAutofit/>
           </a:bodyPr>
+          <a:lstStyle/>
           <a:p>
             <a:pPr marL="432000" indent="-324000">
               <a:spcBef>
@@ -3762,17 +5078,14 @@
               <a:buChar char=""/>
             </a:pPr>
             <a:r>
-              <a:rPr b="0" lang="en-US" sz="3200" spc="-1" strike="noStrike">
+              <a:rPr lang="en-US" sz="3200" b="0" strike="noStrike" spc="-1">
                 <a:latin typeface="Arial"/>
               </a:rPr>
               <a:t>Click to edit the outline text format</a:t>
             </a:r>
-            <a:endParaRPr b="0" lang="en-US" sz="3200" spc="-1" strike="noStrike">
-              <a:latin typeface="Arial"/>
-            </a:endParaRPr>
-          </a:p>
-          <a:p>
-            <a:pPr lvl="1" marL="864000" indent="-324000">
+          </a:p>
+          <a:p>
+            <a:pPr marL="864000" lvl="1" indent="-324000">
               <a:spcBef>
                 <a:spcPts val="1134"/>
               </a:spcBef>
@@ -3784,17 +5097,14 @@
               <a:buChar char=""/>
             </a:pPr>
             <a:r>
-              <a:rPr b="0" lang="en-US" sz="2800" spc="-1" strike="noStrike">
+              <a:rPr lang="en-US" sz="2800" b="0" strike="noStrike" spc="-1">
                 <a:latin typeface="Arial"/>
               </a:rPr>
               <a:t>Second Outline Level</a:t>
             </a:r>
-            <a:endParaRPr b="0" lang="en-US" sz="2800" spc="-1" strike="noStrike">
-              <a:latin typeface="Arial"/>
-            </a:endParaRPr>
-          </a:p>
-          <a:p>
-            <a:pPr lvl="2" marL="1296000" indent="-288000">
+          </a:p>
+          <a:p>
+            <a:pPr marL="1296000" lvl="2" indent="-288000">
               <a:spcBef>
                 <a:spcPts val="850"/>
               </a:spcBef>
@@ -3806,17 +5116,14 @@
               <a:buChar char=""/>
             </a:pPr>
             <a:r>
-              <a:rPr b="0" lang="en-US" sz="2400" spc="-1" strike="noStrike">
+              <a:rPr lang="en-US" sz="2400" b="0" strike="noStrike" spc="-1">
                 <a:latin typeface="Arial"/>
               </a:rPr>
               <a:t>Third Outline Level</a:t>
             </a:r>
-            <a:endParaRPr b="0" lang="en-US" sz="2400" spc="-1" strike="noStrike">
-              <a:latin typeface="Arial"/>
-            </a:endParaRPr>
-          </a:p>
-          <a:p>
-            <a:pPr lvl="3" marL="1728000" indent="-216000">
+          </a:p>
+          <a:p>
+            <a:pPr marL="1728000" lvl="3" indent="-216000">
               <a:spcBef>
                 <a:spcPts val="567"/>
               </a:spcBef>
@@ -3828,17 +5135,14 @@
               <a:buChar char=""/>
             </a:pPr>
             <a:r>
-              <a:rPr b="0" lang="en-US" sz="2000" spc="-1" strike="noStrike">
+              <a:rPr lang="en-US" sz="2000" b="0" strike="noStrike" spc="-1">
                 <a:latin typeface="Arial"/>
               </a:rPr>
               <a:t>Fourth Outline Level</a:t>
             </a:r>
-            <a:endParaRPr b="0" lang="en-US" sz="2000" spc="-1" strike="noStrike">
-              <a:latin typeface="Arial"/>
-            </a:endParaRPr>
-          </a:p>
-          <a:p>
-            <a:pPr lvl="4" marL="2160000" indent="-216000">
+          </a:p>
+          <a:p>
+            <a:pPr marL="2160000" lvl="4" indent="-216000">
               <a:spcBef>
                 <a:spcPts val="283"/>
               </a:spcBef>
@@ -3850,17 +5154,14 @@
               <a:buChar char=""/>
             </a:pPr>
             <a:r>
-              <a:rPr b="0" lang="en-US" sz="2000" spc="-1" strike="noStrike">
+              <a:rPr lang="en-US" sz="2000" b="0" strike="noStrike" spc="-1">
                 <a:latin typeface="Arial"/>
               </a:rPr>
               <a:t>Fifth Outline Level</a:t>
             </a:r>
-            <a:endParaRPr b="0" lang="en-US" sz="2000" spc="-1" strike="noStrike">
-              <a:latin typeface="Arial"/>
-            </a:endParaRPr>
-          </a:p>
-          <a:p>
-            <a:pPr lvl="5" marL="2592000" indent="-216000">
+          </a:p>
+          <a:p>
+            <a:pPr marL="2592000" lvl="5" indent="-216000">
               <a:spcBef>
                 <a:spcPts val="283"/>
               </a:spcBef>
@@ -3872,17 +5173,14 @@
               <a:buChar char=""/>
             </a:pPr>
             <a:r>
-              <a:rPr b="0" lang="en-US" sz="2000" spc="-1" strike="noStrike">
+              <a:rPr lang="en-US" sz="2000" b="0" strike="noStrike" spc="-1">
                 <a:latin typeface="Arial"/>
               </a:rPr>
               <a:t>Sixth Outline Level</a:t>
             </a:r>
-            <a:endParaRPr b="0" lang="en-US" sz="2000" spc="-1" strike="noStrike">
-              <a:latin typeface="Arial"/>
-            </a:endParaRPr>
-          </a:p>
-          <a:p>
-            <a:pPr lvl="6" marL="3024000" indent="-216000">
+          </a:p>
+          <a:p>
+            <a:pPr marL="3024000" lvl="6" indent="-216000">
               <a:spcBef>
                 <a:spcPts val="283"/>
               </a:spcBef>
@@ -3894,45 +5192,323 @@
               <a:buChar char=""/>
             </a:pPr>
             <a:r>
-              <a:rPr b="0" lang="en-US" sz="2000" spc="-1" strike="noStrike">
+              <a:rPr lang="en-US" sz="2000" b="0" strike="noStrike" spc="-1">
                 <a:latin typeface="Arial"/>
               </a:rPr>
               <a:t>Seventh Outline Level</a:t>
             </a:r>
-            <a:endParaRPr b="0" lang="en-US" sz="2000" spc="-1" strike="noStrike">
-              <a:latin typeface="Arial"/>
-            </a:endParaRPr>
           </a:p>
         </p:txBody>
       </p:sp>
     </p:spTree>
   </p:cSld>
-  <p:clrMap bg1="lt1" bg2="lt2" tx1="dk1" tx2="dk2" accent1="accent1" accent2="accent2" accent3="accent3" accent4="accent4" accent5="accent5" accent6="accent6" hlink="hlink" folHlink="folHlink"/>
+  <p:clrMap bg1="lt1" tx1="dk1" bg2="lt2" tx2="dk2" accent1="accent1" accent2="accent2" accent3="accent3" accent4="accent4" accent5="accent5" accent6="accent6" hlink="hlink" folHlink="folHlink"/>
   <p:sldLayoutIdLst>
-    <p:sldLayoutId id="2147483649" r:id="rId2"/>
-    <p:sldLayoutId id="2147483650" r:id="rId3"/>
-    <p:sldLayoutId id="2147483651" r:id="rId4"/>
-    <p:sldLayoutId id="2147483652" r:id="rId5"/>
-    <p:sldLayoutId id="2147483653" r:id="rId6"/>
-    <p:sldLayoutId id="2147483654" r:id="rId7"/>
-    <p:sldLayoutId id="2147483655" r:id="rId8"/>
-    <p:sldLayoutId id="2147483656" r:id="rId9"/>
-    <p:sldLayoutId id="2147483657" r:id="rId10"/>
-    <p:sldLayoutId id="2147483658" r:id="rId11"/>
-    <p:sldLayoutId id="2147483659" r:id="rId12"/>
-    <p:sldLayoutId id="2147483660" r:id="rId13"/>
+    <p:sldLayoutId id="2147483649" r:id="rId1"/>
+    <p:sldLayoutId id="2147483650" r:id="rId2"/>
+    <p:sldLayoutId id="2147483651" r:id="rId3"/>
+    <p:sldLayoutId id="2147483652" r:id="rId4"/>
+    <p:sldLayoutId id="2147483653" r:id="rId5"/>
+    <p:sldLayoutId id="2147483654" r:id="rId6"/>
+    <p:sldLayoutId id="2147483655" r:id="rId7"/>
+    <p:sldLayoutId id="2147483656" r:id="rId8"/>
+    <p:sldLayoutId id="2147483657" r:id="rId9"/>
+    <p:sldLayoutId id="2147483658" r:id="rId10"/>
+    <p:sldLayoutId id="2147483659" r:id="rId11"/>
+    <p:sldLayoutId id="2147483660" r:id="rId12"/>
   </p:sldLayoutIdLst>
+  <p:txStyles>
+    <p:titleStyle>
+      <a:lvl1pPr algn="l" defTabSz="914400" rtl="0" eaLnBrk="1" latinLnBrk="0" hangingPunct="1">
+        <a:lnSpc>
+          <a:spcPct val="90000"/>
+        </a:lnSpc>
+        <a:spcBef>
+          <a:spcPct val="0"/>
+        </a:spcBef>
+        <a:buNone/>
+        <a:defRPr sz="4400" kern="1200">
+          <a:solidFill>
+            <a:schemeClr val="tx1"/>
+          </a:solidFill>
+          <a:latin typeface="+mj-lt"/>
+          <a:ea typeface="+mj-ea"/>
+          <a:cs typeface="+mj-cs"/>
+        </a:defRPr>
+      </a:lvl1pPr>
+    </p:titleStyle>
+    <p:bodyStyle>
+      <a:lvl1pPr marL="228600" indent="-228600" algn="l" defTabSz="914400" rtl="0" eaLnBrk="1" latinLnBrk="0" hangingPunct="1">
+        <a:lnSpc>
+          <a:spcPct val="90000"/>
+        </a:lnSpc>
+        <a:spcBef>
+          <a:spcPts val="1000"/>
+        </a:spcBef>
+        <a:buFont typeface="Arial" panose="020B0604020202020204" pitchFamily="34" charset="0"/>
+        <a:buChar char="•"/>
+        <a:defRPr sz="2800" kern="1200">
+          <a:solidFill>
+            <a:schemeClr val="tx1"/>
+          </a:solidFill>
+          <a:latin typeface="+mn-lt"/>
+          <a:ea typeface="+mn-ea"/>
+          <a:cs typeface="+mn-cs"/>
+        </a:defRPr>
+      </a:lvl1pPr>
+      <a:lvl2pPr marL="685800" indent="-228600" algn="l" defTabSz="914400" rtl="0" eaLnBrk="1" latinLnBrk="0" hangingPunct="1">
+        <a:lnSpc>
+          <a:spcPct val="90000"/>
+        </a:lnSpc>
+        <a:spcBef>
+          <a:spcPts val="500"/>
+        </a:spcBef>
+        <a:buFont typeface="Arial" panose="020B0604020202020204" pitchFamily="34" charset="0"/>
+        <a:buChar char="•"/>
+        <a:defRPr sz="2400" kern="1200">
+          <a:solidFill>
+            <a:schemeClr val="tx1"/>
+          </a:solidFill>
+          <a:latin typeface="+mn-lt"/>
+          <a:ea typeface="+mn-ea"/>
+          <a:cs typeface="+mn-cs"/>
+        </a:defRPr>
+      </a:lvl2pPr>
+      <a:lvl3pPr marL="1143000" indent="-228600" algn="l" defTabSz="914400" rtl="0" eaLnBrk="1" latinLnBrk="0" hangingPunct="1">
+        <a:lnSpc>
+          <a:spcPct val="90000"/>
+        </a:lnSpc>
+        <a:spcBef>
+          <a:spcPts val="500"/>
+        </a:spcBef>
+        <a:buFont typeface="Arial" panose="020B0604020202020204" pitchFamily="34" charset="0"/>
+        <a:buChar char="•"/>
+        <a:defRPr sz="2000" kern="1200">
+          <a:solidFill>
+            <a:schemeClr val="tx1"/>
+          </a:solidFill>
+          <a:latin typeface="+mn-lt"/>
+          <a:ea typeface="+mn-ea"/>
+          <a:cs typeface="+mn-cs"/>
+        </a:defRPr>
+      </a:lvl3pPr>
+      <a:lvl4pPr marL="1600200" indent="-228600" algn="l" defTabSz="914400" rtl="0" eaLnBrk="1" latinLnBrk="0" hangingPunct="1">
+        <a:lnSpc>
+          <a:spcPct val="90000"/>
+        </a:lnSpc>
+        <a:spcBef>
+          <a:spcPts val="500"/>
+        </a:spcBef>
+        <a:buFont typeface="Arial" panose="020B0604020202020204" pitchFamily="34" charset="0"/>
+        <a:buChar char="•"/>
+        <a:defRPr sz="1800" kern="1200">
+          <a:solidFill>
+            <a:schemeClr val="tx1"/>
+          </a:solidFill>
+          <a:latin typeface="+mn-lt"/>
+          <a:ea typeface="+mn-ea"/>
+          <a:cs typeface="+mn-cs"/>
+        </a:defRPr>
+      </a:lvl4pPr>
+      <a:lvl5pPr marL="2057400" indent="-228600" algn="l" defTabSz="914400" rtl="0" eaLnBrk="1" latinLnBrk="0" hangingPunct="1">
+        <a:lnSpc>
+          <a:spcPct val="90000"/>
+        </a:lnSpc>
+        <a:spcBef>
+          <a:spcPts val="500"/>
+        </a:spcBef>
+        <a:buFont typeface="Arial" panose="020B0604020202020204" pitchFamily="34" charset="0"/>
+        <a:buChar char="•"/>
+        <a:defRPr sz="1800" kern="1200">
+          <a:solidFill>
+            <a:schemeClr val="tx1"/>
+          </a:solidFill>
+          <a:latin typeface="+mn-lt"/>
+          <a:ea typeface="+mn-ea"/>
+          <a:cs typeface="+mn-cs"/>
+        </a:defRPr>
+      </a:lvl5pPr>
+      <a:lvl6pPr marL="2514600" indent="-228600" algn="l" defTabSz="914400" rtl="0" eaLnBrk="1" latinLnBrk="0" hangingPunct="1">
+        <a:lnSpc>
+          <a:spcPct val="90000"/>
+        </a:lnSpc>
+        <a:spcBef>
+          <a:spcPts val="500"/>
+        </a:spcBef>
+        <a:buFont typeface="Arial" panose="020B0604020202020204" pitchFamily="34" charset="0"/>
+        <a:buChar char="•"/>
+        <a:defRPr sz="1800" kern="1200">
+          <a:solidFill>
+            <a:schemeClr val="tx1"/>
+          </a:solidFill>
+          <a:latin typeface="+mn-lt"/>
+          <a:ea typeface="+mn-ea"/>
+          <a:cs typeface="+mn-cs"/>
+        </a:defRPr>
+      </a:lvl6pPr>
+      <a:lvl7pPr marL="2971800" indent="-228600" algn="l" defTabSz="914400" rtl="0" eaLnBrk="1" latinLnBrk="0" hangingPunct="1">
+        <a:lnSpc>
+          <a:spcPct val="90000"/>
+        </a:lnSpc>
+        <a:spcBef>
+          <a:spcPts val="500"/>
+        </a:spcBef>
+        <a:buFont typeface="Arial" panose="020B0604020202020204" pitchFamily="34" charset="0"/>
+        <a:buChar char="•"/>
+        <a:defRPr sz="1800" kern="1200">
+          <a:solidFill>
+            <a:schemeClr val="tx1"/>
+          </a:solidFill>
+          <a:latin typeface="+mn-lt"/>
+          <a:ea typeface="+mn-ea"/>
+          <a:cs typeface="+mn-cs"/>
+        </a:defRPr>
+      </a:lvl7pPr>
+      <a:lvl8pPr marL="3429000" indent="-228600" algn="l" defTabSz="914400" rtl="0" eaLnBrk="1" latinLnBrk="0" hangingPunct="1">
+        <a:lnSpc>
+          <a:spcPct val="90000"/>
+        </a:lnSpc>
+        <a:spcBef>
+          <a:spcPts val="500"/>
+        </a:spcBef>
+        <a:buFont typeface="Arial" panose="020B0604020202020204" pitchFamily="34" charset="0"/>
+        <a:buChar char="•"/>
+        <a:defRPr sz="1800" kern="1200">
+          <a:solidFill>
+            <a:schemeClr val="tx1"/>
+          </a:solidFill>
+          <a:latin typeface="+mn-lt"/>
+          <a:ea typeface="+mn-ea"/>
+          <a:cs typeface="+mn-cs"/>
+        </a:defRPr>
+      </a:lvl8pPr>
+      <a:lvl9pPr marL="3886200" indent="-228600" algn="l" defTabSz="914400" rtl="0" eaLnBrk="1" latinLnBrk="0" hangingPunct="1">
+        <a:lnSpc>
+          <a:spcPct val="90000"/>
+        </a:lnSpc>
+        <a:spcBef>
+          <a:spcPts val="500"/>
+        </a:spcBef>
+        <a:buFont typeface="Arial" panose="020B0604020202020204" pitchFamily="34" charset="0"/>
+        <a:buChar char="•"/>
+        <a:defRPr sz="1800" kern="1200">
+          <a:solidFill>
+            <a:schemeClr val="tx1"/>
+          </a:solidFill>
+          <a:latin typeface="+mn-lt"/>
+          <a:ea typeface="+mn-ea"/>
+          <a:cs typeface="+mn-cs"/>
+        </a:defRPr>
+      </a:lvl9pPr>
+    </p:bodyStyle>
+    <p:otherStyle>
+      <a:defPPr>
+        <a:defRPr lang="en-US"/>
+      </a:defPPr>
+      <a:lvl1pPr marL="0" algn="l" defTabSz="914400" rtl="0" eaLnBrk="1" latinLnBrk="0" hangingPunct="1">
+        <a:defRPr sz="1800" kern="1200">
+          <a:solidFill>
+            <a:schemeClr val="tx1"/>
+          </a:solidFill>
+          <a:latin typeface="+mn-lt"/>
+          <a:ea typeface="+mn-ea"/>
+          <a:cs typeface="+mn-cs"/>
+        </a:defRPr>
+      </a:lvl1pPr>
+      <a:lvl2pPr marL="457200" algn="l" defTabSz="914400" rtl="0" eaLnBrk="1" latinLnBrk="0" hangingPunct="1">
+        <a:defRPr sz="1800" kern="1200">
+          <a:solidFill>
+            <a:schemeClr val="tx1"/>
+          </a:solidFill>
+          <a:latin typeface="+mn-lt"/>
+          <a:ea typeface="+mn-ea"/>
+          <a:cs typeface="+mn-cs"/>
+        </a:defRPr>
+      </a:lvl2pPr>
+      <a:lvl3pPr marL="914400" algn="l" defTabSz="914400" rtl="0" eaLnBrk="1" latinLnBrk="0" hangingPunct="1">
+        <a:defRPr sz="1800" kern="1200">
+          <a:solidFill>
+            <a:schemeClr val="tx1"/>
+          </a:solidFill>
+          <a:latin typeface="+mn-lt"/>
+          <a:ea typeface="+mn-ea"/>
+          <a:cs typeface="+mn-cs"/>
+        </a:defRPr>
+      </a:lvl3pPr>
+      <a:lvl4pPr marL="1371600" algn="l" defTabSz="914400" rtl="0" eaLnBrk="1" latinLnBrk="0" hangingPunct="1">
+        <a:defRPr sz="1800" kern="1200">
+          <a:solidFill>
+            <a:schemeClr val="tx1"/>
+          </a:solidFill>
+          <a:latin typeface="+mn-lt"/>
+          <a:ea typeface="+mn-ea"/>
+          <a:cs typeface="+mn-cs"/>
+        </a:defRPr>
+      </a:lvl4pPr>
+      <a:lvl5pPr marL="1828800" algn="l" defTabSz="914400" rtl="0" eaLnBrk="1" latinLnBrk="0" hangingPunct="1">
+        <a:defRPr sz="1800" kern="1200">
+          <a:solidFill>
+            <a:schemeClr val="tx1"/>
+          </a:solidFill>
+          <a:latin typeface="+mn-lt"/>
+          <a:ea typeface="+mn-ea"/>
+          <a:cs typeface="+mn-cs"/>
+        </a:defRPr>
+      </a:lvl5pPr>
+      <a:lvl6pPr marL="2286000" algn="l" defTabSz="914400" rtl="0" eaLnBrk="1" latinLnBrk="0" hangingPunct="1">
+        <a:defRPr sz="1800" kern="1200">
+          <a:solidFill>
+            <a:schemeClr val="tx1"/>
+          </a:solidFill>
+          <a:latin typeface="+mn-lt"/>
+          <a:ea typeface="+mn-ea"/>
+          <a:cs typeface="+mn-cs"/>
+        </a:defRPr>
+      </a:lvl6pPr>
+      <a:lvl7pPr marL="2743200" algn="l" defTabSz="914400" rtl="0" eaLnBrk="1" latinLnBrk="0" hangingPunct="1">
+        <a:defRPr sz="1800" kern="1200">
+          <a:solidFill>
+            <a:schemeClr val="tx1"/>
+          </a:solidFill>
+          <a:latin typeface="+mn-lt"/>
+          <a:ea typeface="+mn-ea"/>
+          <a:cs typeface="+mn-cs"/>
+        </a:defRPr>
+      </a:lvl7pPr>
+      <a:lvl8pPr marL="3200400" algn="l" defTabSz="914400" rtl="0" eaLnBrk="1" latinLnBrk="0" hangingPunct="1">
+        <a:defRPr sz="1800" kern="1200">
+          <a:solidFill>
+            <a:schemeClr val="tx1"/>
+          </a:solidFill>
+          <a:latin typeface="+mn-lt"/>
+          <a:ea typeface="+mn-ea"/>
+          <a:cs typeface="+mn-cs"/>
+        </a:defRPr>
+      </a:lvl8pPr>
+      <a:lvl9pPr marL="3657600" algn="l" defTabSz="914400" rtl="0" eaLnBrk="1" latinLnBrk="0" hangingPunct="1">
+        <a:defRPr sz="1800" kern="1200">
+          <a:solidFill>
+            <a:schemeClr val="tx1"/>
+          </a:solidFill>
+          <a:latin typeface="+mn-lt"/>
+          <a:ea typeface="+mn-ea"/>
+          <a:cs typeface="+mn-cs"/>
+        </a:defRPr>
+      </a:lvl9pPr>
+    </p:otherStyle>
+  </p:txStyles>
 </p:sldMaster>
 </file>
 
 <file path=ppt/slideMasters/slideMaster2.xml><?xml version="1.0" encoding="utf-8"?>
-<p:sldMaster xmlns:a="http://schemas.openxmlformats.org/drawingml/2006/main" xmlns:p="http://schemas.openxmlformats.org/presentationml/2006/main" xmlns:r="http://schemas.openxmlformats.org/officeDocument/2006/relationships" xmlns:p14="http://schemas.microsoft.com/office/powerpoint/2010/main" xmlns:p15="http://schemas.microsoft.com/office/powerpoint/2012/main" xmlns:mc="http://schemas.openxmlformats.org/markup-compatibility/2006">
+<p:sldMaster xmlns:a="http://schemas.openxmlformats.org/drawingml/2006/main" xmlns:r="http://schemas.openxmlformats.org/officeDocument/2006/relationships" xmlns:p="http://schemas.openxmlformats.org/presentationml/2006/main">
   <p:cSld>
     <p:bg>
       <p:bgPr>
         <a:solidFill>
-          <a:srgbClr val="ffffff"/>
+          <a:srgbClr val="FFFFFF"/>
         </a:solidFill>
+        <a:effectLst/>
       </p:bgPr>
     </p:bg>
     <p:spTree>
@@ -3985,9 +5561,15 @@
             </a:ln>
           </p:spPr>
           <p:style>
-            <a:lnRef idx="0"/>
-            <a:fillRef idx="0"/>
-            <a:effectRef idx="0"/>
+            <a:lnRef idx="0">
+              <a:scrgbClr r="0" g="0" b="0"/>
+            </a:lnRef>
+            <a:fillRef idx="0">
+              <a:scrgbClr r="0" g="0" b="0"/>
+            </a:fillRef>
+            <a:effectRef idx="0">
+              <a:scrgbClr r="0" g="0" b="0"/>
+            </a:effectRef>
             <a:fontRef idx="minor"/>
           </p:style>
         </p:sp>
@@ -4013,9 +5595,15 @@
             </a:ln>
           </p:spPr>
           <p:style>
-            <a:lnRef idx="0"/>
-            <a:fillRef idx="0"/>
-            <a:effectRef idx="0"/>
+            <a:lnRef idx="0">
+              <a:scrgbClr r="0" g="0" b="0"/>
+            </a:lnRef>
+            <a:fillRef idx="0">
+              <a:scrgbClr r="0" g="0" b="0"/>
+            </a:fillRef>
+            <a:effectRef idx="0">
+              <a:scrgbClr r="0" g="0" b="0"/>
+            </a:effectRef>
             <a:fontRef idx="minor"/>
           </p:style>
         </p:sp>
@@ -4041,9 +5629,15 @@
             </a:ln>
           </p:spPr>
           <p:style>
-            <a:lnRef idx="0"/>
-            <a:fillRef idx="0"/>
-            <a:effectRef idx="0"/>
+            <a:lnRef idx="0">
+              <a:scrgbClr r="0" g="0" b="0"/>
+            </a:lnRef>
+            <a:fillRef idx="0">
+              <a:scrgbClr r="0" g="0" b="0"/>
+            </a:fillRef>
+            <a:effectRef idx="0">
+              <a:scrgbClr r="0" g="0" b="0"/>
+            </a:effectRef>
             <a:fontRef idx="minor"/>
           </p:style>
         </p:sp>
@@ -4069,9 +5663,15 @@
             </a:ln>
           </p:spPr>
           <p:style>
-            <a:lnRef idx="0"/>
-            <a:fillRef idx="0"/>
-            <a:effectRef idx="0"/>
+            <a:lnRef idx="0">
+              <a:scrgbClr r="0" g="0" b="0"/>
+            </a:lnRef>
+            <a:fillRef idx="0">
+              <a:scrgbClr r="0" g="0" b="0"/>
+            </a:fillRef>
+            <a:effectRef idx="0">
+              <a:scrgbClr r="0" g="0" b="0"/>
+            </a:effectRef>
             <a:fontRef idx="minor"/>
           </p:style>
         </p:sp>
@@ -4097,9 +5697,15 @@
             </a:ln>
           </p:spPr>
           <p:style>
-            <a:lnRef idx="0"/>
-            <a:fillRef idx="0"/>
-            <a:effectRef idx="0"/>
+            <a:lnRef idx="0">
+              <a:scrgbClr r="0" g="0" b="0"/>
+            </a:lnRef>
+            <a:fillRef idx="0">
+              <a:scrgbClr r="0" g="0" b="0"/>
+            </a:fillRef>
+            <a:effectRef idx="0">
+              <a:scrgbClr r="0" g="0" b="0"/>
+            </a:effectRef>
             <a:fontRef idx="minor"/>
           </p:style>
         </p:sp>
@@ -4124,19 +5730,17 @@
           </a:prstGeom>
         </p:spPr>
         <p:txBody>
-          <a:bodyPr lIns="0" rIns="0" tIns="0" bIns="0" anchor="ctr">
+          <a:bodyPr lIns="0" tIns="0" rIns="0" bIns="0" anchor="ctr">
             <a:noAutofit/>
           </a:bodyPr>
-          <a:p>
-            <a:r>
-              <a:rPr b="0" lang="en-US" sz="1800" spc="-1" strike="noStrike">
+          <a:lstStyle/>
+          <a:p>
+            <a:r>
+              <a:rPr lang="en-US" sz="1800" b="0" strike="noStrike" spc="-1">
                 <a:latin typeface="Arial"/>
               </a:rPr>
               <a:t>Click to edit the title text format</a:t>
             </a:r>
-            <a:endParaRPr b="0" lang="en-US" sz="1800" spc="-1" strike="noStrike">
-              <a:latin typeface="Arial"/>
-            </a:endParaRPr>
           </a:p>
         </p:txBody>
       </p:sp>
@@ -4160,9 +5764,10 @@
           </a:prstGeom>
         </p:spPr>
         <p:txBody>
-          <a:bodyPr lIns="0" rIns="0" tIns="0" bIns="0">
+          <a:bodyPr lIns="0" tIns="0" rIns="0" bIns="0">
             <a:normAutofit/>
           </a:bodyPr>
+          <a:lstStyle/>
           <a:p>
             <a:pPr marL="432000" indent="-324000">
               <a:spcBef>
@@ -4176,17 +5781,14 @@
               <a:buChar char=""/>
             </a:pPr>
             <a:r>
-              <a:rPr b="0" lang="en-US" sz="1800" spc="-1" strike="noStrike">
+              <a:rPr lang="en-US" sz="1800" b="0" strike="noStrike" spc="-1">
                 <a:latin typeface="Arial"/>
               </a:rPr>
               <a:t>Click to edit the outline text format</a:t>
             </a:r>
-            <a:endParaRPr b="0" lang="en-US" sz="1800" spc="-1" strike="noStrike">
-              <a:latin typeface="Arial"/>
-            </a:endParaRPr>
-          </a:p>
-          <a:p>
-            <a:pPr lvl="1" marL="864000" indent="-324000">
+          </a:p>
+          <a:p>
+            <a:pPr marL="864000" lvl="1" indent="-324000">
               <a:spcBef>
                 <a:spcPts val="1134"/>
               </a:spcBef>
@@ -4198,17 +5800,14 @@
               <a:buChar char=""/>
             </a:pPr>
             <a:r>
-              <a:rPr b="0" lang="en-US" sz="1800" spc="-1" strike="noStrike">
+              <a:rPr lang="en-US" sz="1800" b="0" strike="noStrike" spc="-1">
                 <a:latin typeface="Arial"/>
               </a:rPr>
               <a:t>Second Outline Level</a:t>
             </a:r>
-            <a:endParaRPr b="0" lang="en-US" sz="1800" spc="-1" strike="noStrike">
-              <a:latin typeface="Arial"/>
-            </a:endParaRPr>
-          </a:p>
-          <a:p>
-            <a:pPr lvl="2" marL="1296000" indent="-288000">
+          </a:p>
+          <a:p>
+            <a:pPr marL="1296000" lvl="2" indent="-288000">
               <a:spcBef>
                 <a:spcPts val="850"/>
               </a:spcBef>
@@ -4220,17 +5819,14 @@
               <a:buChar char=""/>
             </a:pPr>
             <a:r>
-              <a:rPr b="0" lang="en-US" sz="1800" spc="-1" strike="noStrike">
+              <a:rPr lang="en-US" sz="1800" b="0" strike="noStrike" spc="-1">
                 <a:latin typeface="Arial"/>
               </a:rPr>
               <a:t>Third Outline Level</a:t>
             </a:r>
-            <a:endParaRPr b="0" lang="en-US" sz="1800" spc="-1" strike="noStrike">
-              <a:latin typeface="Arial"/>
-            </a:endParaRPr>
-          </a:p>
-          <a:p>
-            <a:pPr lvl="3" marL="1728000" indent="-216000">
+          </a:p>
+          <a:p>
+            <a:pPr marL="1728000" lvl="3" indent="-216000">
               <a:spcBef>
                 <a:spcPts val="567"/>
               </a:spcBef>
@@ -4242,17 +5838,14 @@
               <a:buChar char=""/>
             </a:pPr>
             <a:r>
-              <a:rPr b="0" lang="en-US" sz="1800" spc="-1" strike="noStrike">
+              <a:rPr lang="en-US" sz="1800" b="0" strike="noStrike" spc="-1">
                 <a:latin typeface="Arial"/>
               </a:rPr>
               <a:t>Fourth Outline Level</a:t>
             </a:r>
-            <a:endParaRPr b="0" lang="en-US" sz="1800" spc="-1" strike="noStrike">
-              <a:latin typeface="Arial"/>
-            </a:endParaRPr>
-          </a:p>
-          <a:p>
-            <a:pPr lvl="4" marL="2160000" indent="-216000">
+          </a:p>
+          <a:p>
+            <a:pPr marL="2160000" lvl="4" indent="-216000">
               <a:spcBef>
                 <a:spcPts val="283"/>
               </a:spcBef>
@@ -4264,17 +5857,14 @@
               <a:buChar char=""/>
             </a:pPr>
             <a:r>
-              <a:rPr b="0" lang="en-US" sz="1800" spc="-1" strike="noStrike">
+              <a:rPr lang="en-US" sz="1800" b="0" strike="noStrike" spc="-1">
                 <a:latin typeface="Arial"/>
               </a:rPr>
               <a:t>Fifth Outline Level</a:t>
             </a:r>
-            <a:endParaRPr b="0" lang="en-US" sz="1800" spc="-1" strike="noStrike">
-              <a:latin typeface="Arial"/>
-            </a:endParaRPr>
-          </a:p>
-          <a:p>
-            <a:pPr lvl="5" marL="2592000" indent="-216000">
+          </a:p>
+          <a:p>
+            <a:pPr marL="2592000" lvl="5" indent="-216000">
               <a:spcBef>
                 <a:spcPts val="283"/>
               </a:spcBef>
@@ -4286,17 +5876,14 @@
               <a:buChar char=""/>
             </a:pPr>
             <a:r>
-              <a:rPr b="0" lang="en-US" sz="1800" spc="-1" strike="noStrike">
+              <a:rPr lang="en-US" sz="1800" b="0" strike="noStrike" spc="-1">
                 <a:latin typeface="Arial"/>
               </a:rPr>
               <a:t>Sixth Outline Level</a:t>
             </a:r>
-            <a:endParaRPr b="0" lang="en-US" sz="1800" spc="-1" strike="noStrike">
-              <a:latin typeface="Arial"/>
-            </a:endParaRPr>
-          </a:p>
-          <a:p>
-            <a:pPr lvl="6" marL="3024000" indent="-216000">
+          </a:p>
+          <a:p>
+            <a:pPr marL="3024000" lvl="6" indent="-216000">
               <a:spcBef>
                 <a:spcPts val="283"/>
               </a:spcBef>
@@ -4308,39 +5895,316 @@
               <a:buChar char=""/>
             </a:pPr>
             <a:r>
-              <a:rPr b="0" lang="en-US" sz="1800" spc="-1" strike="noStrike">
+              <a:rPr lang="en-US" sz="1800" b="0" strike="noStrike" spc="-1">
                 <a:latin typeface="Arial"/>
               </a:rPr>
               <a:t>Seventh Outline Level</a:t>
             </a:r>
-            <a:endParaRPr b="0" lang="en-US" sz="1800" spc="-1" strike="noStrike">
-              <a:latin typeface="Arial"/>
-            </a:endParaRPr>
           </a:p>
         </p:txBody>
       </p:sp>
     </p:spTree>
   </p:cSld>
-  <p:clrMap bg1="lt1" bg2="lt2" tx1="dk1" tx2="dk2" accent1="accent1" accent2="accent2" accent3="accent3" accent4="accent4" accent5="accent5" accent6="accent6" hlink="hlink" folHlink="folHlink"/>
+  <p:clrMap bg1="lt1" tx1="dk1" bg2="lt2" tx2="dk2" accent1="accent1" accent2="accent2" accent3="accent3" accent4="accent4" accent5="accent5" accent6="accent6" hlink="hlink" folHlink="folHlink"/>
   <p:sldLayoutIdLst>
-    <p:sldLayoutId id="2147483662" r:id="rId2"/>
-    <p:sldLayoutId id="2147483663" r:id="rId3"/>
-    <p:sldLayoutId id="2147483664" r:id="rId4"/>
-    <p:sldLayoutId id="2147483665" r:id="rId5"/>
-    <p:sldLayoutId id="2147483666" r:id="rId6"/>
-    <p:sldLayoutId id="2147483667" r:id="rId7"/>
-    <p:sldLayoutId id="2147483668" r:id="rId8"/>
-    <p:sldLayoutId id="2147483669" r:id="rId9"/>
-    <p:sldLayoutId id="2147483670" r:id="rId10"/>
-    <p:sldLayoutId id="2147483671" r:id="rId11"/>
-    <p:sldLayoutId id="2147483672" r:id="rId12"/>
-    <p:sldLayoutId id="2147483673" r:id="rId13"/>
+    <p:sldLayoutId id="2147483662" r:id="rId1"/>
+    <p:sldLayoutId id="2147483663" r:id="rId2"/>
+    <p:sldLayoutId id="2147483664" r:id="rId3"/>
+    <p:sldLayoutId id="2147483665" r:id="rId4"/>
+    <p:sldLayoutId id="2147483666" r:id="rId5"/>
+    <p:sldLayoutId id="2147483667" r:id="rId6"/>
+    <p:sldLayoutId id="2147483668" r:id="rId7"/>
+    <p:sldLayoutId id="2147483669" r:id="rId8"/>
+    <p:sldLayoutId id="2147483670" r:id="rId9"/>
+    <p:sldLayoutId id="2147483671" r:id="rId10"/>
+    <p:sldLayoutId id="2147483672" r:id="rId11"/>
+    <p:sldLayoutId id="2147483673" r:id="rId12"/>
   </p:sldLayoutIdLst>
+  <p:txStyles>
+    <p:titleStyle>
+      <a:lvl1pPr algn="l" defTabSz="914400" rtl="0" eaLnBrk="1" latinLnBrk="0" hangingPunct="1">
+        <a:lnSpc>
+          <a:spcPct val="90000"/>
+        </a:lnSpc>
+        <a:spcBef>
+          <a:spcPct val="0"/>
+        </a:spcBef>
+        <a:buNone/>
+        <a:defRPr sz="4400" kern="1200">
+          <a:solidFill>
+            <a:schemeClr val="tx1"/>
+          </a:solidFill>
+          <a:latin typeface="+mj-lt"/>
+          <a:ea typeface="+mj-ea"/>
+          <a:cs typeface="+mj-cs"/>
+        </a:defRPr>
+      </a:lvl1pPr>
+    </p:titleStyle>
+    <p:bodyStyle>
+      <a:lvl1pPr marL="228600" indent="-228600" algn="l" defTabSz="914400" rtl="0" eaLnBrk="1" latinLnBrk="0" hangingPunct="1">
+        <a:lnSpc>
+          <a:spcPct val="90000"/>
+        </a:lnSpc>
+        <a:spcBef>
+          <a:spcPts val="1000"/>
+        </a:spcBef>
+        <a:buFont typeface="Arial" panose="020B0604020202020204" pitchFamily="34" charset="0"/>
+        <a:buChar char="•"/>
+        <a:defRPr sz="2800" kern="1200">
+          <a:solidFill>
+            <a:schemeClr val="tx1"/>
+          </a:solidFill>
+          <a:latin typeface="+mn-lt"/>
+          <a:ea typeface="+mn-ea"/>
+          <a:cs typeface="+mn-cs"/>
+        </a:defRPr>
+      </a:lvl1pPr>
+      <a:lvl2pPr marL="685800" indent="-228600" algn="l" defTabSz="914400" rtl="0" eaLnBrk="1" latinLnBrk="0" hangingPunct="1">
+        <a:lnSpc>
+          <a:spcPct val="90000"/>
+        </a:lnSpc>
+        <a:spcBef>
+          <a:spcPts val="500"/>
+        </a:spcBef>
+        <a:buFont typeface="Arial" panose="020B0604020202020204" pitchFamily="34" charset="0"/>
+        <a:buChar char="•"/>
+        <a:defRPr sz="2400" kern="1200">
+          <a:solidFill>
+            <a:schemeClr val="tx1"/>
+          </a:solidFill>
+          <a:latin typeface="+mn-lt"/>
+          <a:ea typeface="+mn-ea"/>
+          <a:cs typeface="+mn-cs"/>
+        </a:defRPr>
+      </a:lvl2pPr>
+      <a:lvl3pPr marL="1143000" indent="-228600" algn="l" defTabSz="914400" rtl="0" eaLnBrk="1" latinLnBrk="0" hangingPunct="1">
+        <a:lnSpc>
+          <a:spcPct val="90000"/>
+        </a:lnSpc>
+        <a:spcBef>
+          <a:spcPts val="500"/>
+        </a:spcBef>
+        <a:buFont typeface="Arial" panose="020B0604020202020204" pitchFamily="34" charset="0"/>
+        <a:buChar char="•"/>
+        <a:defRPr sz="2000" kern="1200">
+          <a:solidFill>
+            <a:schemeClr val="tx1"/>
+          </a:solidFill>
+          <a:latin typeface="+mn-lt"/>
+          <a:ea typeface="+mn-ea"/>
+          <a:cs typeface="+mn-cs"/>
+        </a:defRPr>
+      </a:lvl3pPr>
+      <a:lvl4pPr marL="1600200" indent="-228600" algn="l" defTabSz="914400" rtl="0" eaLnBrk="1" latinLnBrk="0" hangingPunct="1">
+        <a:lnSpc>
+          <a:spcPct val="90000"/>
+        </a:lnSpc>
+        <a:spcBef>
+          <a:spcPts val="500"/>
+        </a:spcBef>
+        <a:buFont typeface="Arial" panose="020B0604020202020204" pitchFamily="34" charset="0"/>
+        <a:buChar char="•"/>
+        <a:defRPr sz="1800" kern="1200">
+          <a:solidFill>
+            <a:schemeClr val="tx1"/>
+          </a:solidFill>
+          <a:latin typeface="+mn-lt"/>
+          <a:ea typeface="+mn-ea"/>
+          <a:cs typeface="+mn-cs"/>
+        </a:defRPr>
+      </a:lvl4pPr>
+      <a:lvl5pPr marL="2057400" indent="-228600" algn="l" defTabSz="914400" rtl="0" eaLnBrk="1" latinLnBrk="0" hangingPunct="1">
+        <a:lnSpc>
+          <a:spcPct val="90000"/>
+        </a:lnSpc>
+        <a:spcBef>
+          <a:spcPts val="500"/>
+        </a:spcBef>
+        <a:buFont typeface="Arial" panose="020B0604020202020204" pitchFamily="34" charset="0"/>
+        <a:buChar char="•"/>
+        <a:defRPr sz="1800" kern="1200">
+          <a:solidFill>
+            <a:schemeClr val="tx1"/>
+          </a:solidFill>
+          <a:latin typeface="+mn-lt"/>
+          <a:ea typeface="+mn-ea"/>
+          <a:cs typeface="+mn-cs"/>
+        </a:defRPr>
+      </a:lvl5pPr>
+      <a:lvl6pPr marL="2514600" indent="-228600" algn="l" defTabSz="914400" rtl="0" eaLnBrk="1" latinLnBrk="0" hangingPunct="1">
+        <a:lnSpc>
+          <a:spcPct val="90000"/>
+        </a:lnSpc>
+        <a:spcBef>
+          <a:spcPts val="500"/>
+        </a:spcBef>
+        <a:buFont typeface="Arial" panose="020B0604020202020204" pitchFamily="34" charset="0"/>
+        <a:buChar char="•"/>
+        <a:defRPr sz="1800" kern="1200">
+          <a:solidFill>
+            <a:schemeClr val="tx1"/>
+          </a:solidFill>
+          <a:latin typeface="+mn-lt"/>
+          <a:ea typeface="+mn-ea"/>
+          <a:cs typeface="+mn-cs"/>
+        </a:defRPr>
+      </a:lvl6pPr>
+      <a:lvl7pPr marL="2971800" indent="-228600" algn="l" defTabSz="914400" rtl="0" eaLnBrk="1" latinLnBrk="0" hangingPunct="1">
+        <a:lnSpc>
+          <a:spcPct val="90000"/>
+        </a:lnSpc>
+        <a:spcBef>
+          <a:spcPts val="500"/>
+        </a:spcBef>
+        <a:buFont typeface="Arial" panose="020B0604020202020204" pitchFamily="34" charset="0"/>
+        <a:buChar char="•"/>
+        <a:defRPr sz="1800" kern="1200">
+          <a:solidFill>
+            <a:schemeClr val="tx1"/>
+          </a:solidFill>
+          <a:latin typeface="+mn-lt"/>
+          <a:ea typeface="+mn-ea"/>
+          <a:cs typeface="+mn-cs"/>
+        </a:defRPr>
+      </a:lvl7pPr>
+      <a:lvl8pPr marL="3429000" indent="-228600" algn="l" defTabSz="914400" rtl="0" eaLnBrk="1" latinLnBrk="0" hangingPunct="1">
+        <a:lnSpc>
+          <a:spcPct val="90000"/>
+        </a:lnSpc>
+        <a:spcBef>
+          <a:spcPts val="500"/>
+        </a:spcBef>
+        <a:buFont typeface="Arial" panose="020B0604020202020204" pitchFamily="34" charset="0"/>
+        <a:buChar char="•"/>
+        <a:defRPr sz="1800" kern="1200">
+          <a:solidFill>
+            <a:schemeClr val="tx1"/>
+          </a:solidFill>
+          <a:latin typeface="+mn-lt"/>
+          <a:ea typeface="+mn-ea"/>
+          <a:cs typeface="+mn-cs"/>
+        </a:defRPr>
+      </a:lvl8pPr>
+      <a:lvl9pPr marL="3886200" indent="-228600" algn="l" defTabSz="914400" rtl="0" eaLnBrk="1" latinLnBrk="0" hangingPunct="1">
+        <a:lnSpc>
+          <a:spcPct val="90000"/>
+        </a:lnSpc>
+        <a:spcBef>
+          <a:spcPts val="500"/>
+        </a:spcBef>
+        <a:buFont typeface="Arial" panose="020B0604020202020204" pitchFamily="34" charset="0"/>
+        <a:buChar char="•"/>
+        <a:defRPr sz="1800" kern="1200">
+          <a:solidFill>
+            <a:schemeClr val="tx1"/>
+          </a:solidFill>
+          <a:latin typeface="+mn-lt"/>
+          <a:ea typeface="+mn-ea"/>
+          <a:cs typeface="+mn-cs"/>
+        </a:defRPr>
+      </a:lvl9pPr>
+    </p:bodyStyle>
+    <p:otherStyle>
+      <a:defPPr>
+        <a:defRPr lang="en-US"/>
+      </a:defPPr>
+      <a:lvl1pPr marL="0" algn="l" defTabSz="914400" rtl="0" eaLnBrk="1" latinLnBrk="0" hangingPunct="1">
+        <a:defRPr sz="1800" kern="1200">
+          <a:solidFill>
+            <a:schemeClr val="tx1"/>
+          </a:solidFill>
+          <a:latin typeface="+mn-lt"/>
+          <a:ea typeface="+mn-ea"/>
+          <a:cs typeface="+mn-cs"/>
+        </a:defRPr>
+      </a:lvl1pPr>
+      <a:lvl2pPr marL="457200" algn="l" defTabSz="914400" rtl="0" eaLnBrk="1" latinLnBrk="0" hangingPunct="1">
+        <a:defRPr sz="1800" kern="1200">
+          <a:solidFill>
+            <a:schemeClr val="tx1"/>
+          </a:solidFill>
+          <a:latin typeface="+mn-lt"/>
+          <a:ea typeface="+mn-ea"/>
+          <a:cs typeface="+mn-cs"/>
+        </a:defRPr>
+      </a:lvl2pPr>
+      <a:lvl3pPr marL="914400" algn="l" defTabSz="914400" rtl="0" eaLnBrk="1" latinLnBrk="0" hangingPunct="1">
+        <a:defRPr sz="1800" kern="1200">
+          <a:solidFill>
+            <a:schemeClr val="tx1"/>
+          </a:solidFill>
+          <a:latin typeface="+mn-lt"/>
+          <a:ea typeface="+mn-ea"/>
+          <a:cs typeface="+mn-cs"/>
+        </a:defRPr>
+      </a:lvl3pPr>
+      <a:lvl4pPr marL="1371600" algn="l" defTabSz="914400" rtl="0" eaLnBrk="1" latinLnBrk="0" hangingPunct="1">
+        <a:defRPr sz="1800" kern="1200">
+          <a:solidFill>
+            <a:schemeClr val="tx1"/>
+          </a:solidFill>
+          <a:latin typeface="+mn-lt"/>
+          <a:ea typeface="+mn-ea"/>
+          <a:cs typeface="+mn-cs"/>
+        </a:defRPr>
+      </a:lvl4pPr>
+      <a:lvl5pPr marL="1828800" algn="l" defTabSz="914400" rtl="0" eaLnBrk="1" latinLnBrk="0" hangingPunct="1">
+        <a:defRPr sz="1800" kern="1200">
+          <a:solidFill>
+            <a:schemeClr val="tx1"/>
+          </a:solidFill>
+          <a:latin typeface="+mn-lt"/>
+          <a:ea typeface="+mn-ea"/>
+          <a:cs typeface="+mn-cs"/>
+        </a:defRPr>
+      </a:lvl5pPr>
+      <a:lvl6pPr marL="2286000" algn="l" defTabSz="914400" rtl="0" eaLnBrk="1" latinLnBrk="0" hangingPunct="1">
+        <a:defRPr sz="1800" kern="1200">
+          <a:solidFill>
+            <a:schemeClr val="tx1"/>
+          </a:solidFill>
+          <a:latin typeface="+mn-lt"/>
+          <a:ea typeface="+mn-ea"/>
+          <a:cs typeface="+mn-cs"/>
+        </a:defRPr>
+      </a:lvl6pPr>
+      <a:lvl7pPr marL="2743200" algn="l" defTabSz="914400" rtl="0" eaLnBrk="1" latinLnBrk="0" hangingPunct="1">
+        <a:defRPr sz="1800" kern="1200">
+          <a:solidFill>
+            <a:schemeClr val="tx1"/>
+          </a:solidFill>
+          <a:latin typeface="+mn-lt"/>
+          <a:ea typeface="+mn-ea"/>
+          <a:cs typeface="+mn-cs"/>
+        </a:defRPr>
+      </a:lvl7pPr>
+      <a:lvl8pPr marL="3200400" algn="l" defTabSz="914400" rtl="0" eaLnBrk="1" latinLnBrk="0" hangingPunct="1">
+        <a:defRPr sz="1800" kern="1200">
+          <a:solidFill>
+            <a:schemeClr val="tx1"/>
+          </a:solidFill>
+          <a:latin typeface="+mn-lt"/>
+          <a:ea typeface="+mn-ea"/>
+          <a:cs typeface="+mn-cs"/>
+        </a:defRPr>
+      </a:lvl8pPr>
+      <a:lvl9pPr marL="3657600" algn="l" defTabSz="914400" rtl="0" eaLnBrk="1" latinLnBrk="0" hangingPunct="1">
+        <a:defRPr sz="1800" kern="1200">
+          <a:solidFill>
+            <a:schemeClr val="tx1"/>
+          </a:solidFill>
+          <a:latin typeface="+mn-lt"/>
+          <a:ea typeface="+mn-ea"/>
+          <a:cs typeface="+mn-cs"/>
+        </a:defRPr>
+      </a:lvl9pPr>
+    </p:otherStyle>
+  </p:txStyles>
 </p:sldMaster>
 </file>
 
 <file path=ppt/slides/slide1.xml><?xml version="1.0" encoding="utf-8"?>
-<p:sld xmlns:a="http://schemas.openxmlformats.org/drawingml/2006/main" xmlns:p="http://schemas.openxmlformats.org/presentationml/2006/main" xmlns:r="http://schemas.openxmlformats.org/officeDocument/2006/relationships" xmlns:p14="http://schemas.microsoft.com/office/powerpoint/2010/main" xmlns:p15="http://schemas.microsoft.com/office/powerpoint/2012/main" xmlns:mc="http://schemas.openxmlformats.org/markup-compatibility/2006">
+<p:sld xmlns:a="http://schemas.openxmlformats.org/drawingml/2006/main" xmlns:r="http://schemas.openxmlformats.org/officeDocument/2006/relationships" xmlns:p="http://schemas.openxmlformats.org/presentationml/2006/main">
   <p:cSld>
     <p:spTree>
       <p:nvGrpSpPr>
@@ -4376,29 +6240,36 @@
           </a:ln>
         </p:spPr>
         <p:style>
-          <a:lnRef idx="0"/>
-          <a:fillRef idx="0"/>
-          <a:effectRef idx="0"/>
+          <a:lnRef idx="0">
+            <a:scrgbClr r="0" g="0" b="0"/>
+          </a:lnRef>
+          <a:fillRef idx="0">
+            <a:scrgbClr r="0" g="0" b="0"/>
+          </a:fillRef>
+          <a:effectRef idx="0">
+            <a:scrgbClr r="0" g="0" b="0"/>
+          </a:effectRef>
           <a:fontRef idx="minor"/>
         </p:style>
         <p:txBody>
-          <a:bodyPr lIns="90000" rIns="90000" tIns="91440" bIns="91440" anchor="b">
+          <a:bodyPr lIns="90000" tIns="91440" rIns="90000" bIns="91440" anchor="b">
             <a:noAutofit/>
           </a:bodyPr>
+          <a:lstStyle/>
           <a:p>
             <a:pPr>
               <a:lnSpc>
                 <a:spcPct val="100000"/>
               </a:lnSpc>
               <a:tabLst>
-                <a:tab algn="l" pos="0"/>
+                <a:tab pos="0" algn="l"/>
               </a:tabLst>
             </a:pPr>
             <a:br/>
             <a:r>
-              <a:rPr b="0" lang="en" sz="4200" spc="-1" strike="noStrike">
+              <a:rPr lang="en" sz="4200" b="0" strike="noStrike" spc="-1">
                 <a:solidFill>
-                  <a:srgbClr val="ffffff"/>
+                  <a:srgbClr val="FFFFFF"/>
                 </a:solidFill>
                 <a:latin typeface="Roboto"/>
                 <a:ea typeface="Roboto"/>
@@ -4407,9 +6278,9 @@
             </a:r>
             <a:br/>
             <a:r>
-              <a:rPr b="0" lang="en" sz="4200" spc="-1" strike="noStrike">
+              <a:rPr lang="en" sz="4200" b="0" strike="noStrike" spc="-1">
                 <a:solidFill>
-                  <a:srgbClr val="ffffff"/>
+                  <a:srgbClr val="FFFFFF"/>
                 </a:solidFill>
                 <a:latin typeface="Roboto"/>
                 <a:ea typeface="Roboto"/>
@@ -4418,16 +6289,16 @@
             </a:r>
             <a:br/>
             <a:r>
-              <a:rPr b="0" lang="en" sz="4200" spc="-1" strike="noStrike">
+              <a:rPr lang="en" sz="4200" b="0" strike="noStrike" spc="-1">
                 <a:solidFill>
-                  <a:srgbClr val="ffffff"/>
+                  <a:srgbClr val="FFFFFF"/>
                 </a:solidFill>
                 <a:latin typeface="Roboto"/>
                 <a:ea typeface="Roboto"/>
               </a:rPr>
               <a:t>Catch the Pink Flamingo?</a:t>
             </a:r>
-            <a:endParaRPr b="0" lang="en-US" sz="4200" spc="-1" strike="noStrike">
+            <a:endParaRPr lang="en-US" sz="4200" b="0" strike="noStrike" spc="-1">
               <a:latin typeface="Arial"/>
             </a:endParaRPr>
           </a:p>
@@ -4448,42 +6319,59 @@
             <a:avLst/>
           </a:prstGeom>
           <a:solidFill>
-            <a:srgbClr val="ffff00"/>
+            <a:srgbClr val="FFFF00"/>
           </a:solidFill>
           <a:ln>
             <a:noFill/>
           </a:ln>
         </p:spPr>
         <p:style>
-          <a:lnRef idx="0"/>
-          <a:fillRef idx="0"/>
-          <a:effectRef idx="0"/>
+          <a:lnRef idx="0">
+            <a:scrgbClr r="0" g="0" b="0"/>
+          </a:lnRef>
+          <a:fillRef idx="0">
+            <a:scrgbClr r="0" g="0" b="0"/>
+          </a:fillRef>
+          <a:effectRef idx="0">
+            <a:scrgbClr r="0" g="0" b="0"/>
+          </a:effectRef>
           <a:fontRef idx="minor"/>
         </p:style>
         <p:txBody>
-          <a:bodyPr lIns="90000" rIns="90000" tIns="91440" bIns="91440">
+          <a:bodyPr lIns="90000" tIns="91440" rIns="90000" bIns="91440">
             <a:noAutofit/>
           </a:bodyPr>
+          <a:lstStyle/>
           <a:p>
             <a:pPr>
               <a:lnSpc>
                 <a:spcPct val="100000"/>
               </a:lnSpc>
               <a:tabLst>
-                <a:tab algn="l" pos="0"/>
+                <a:tab pos="0" algn="l"/>
               </a:tabLst>
             </a:pPr>
             <a:r>
-              <a:rPr b="0" lang="en" sz="2100" spc="-1" strike="noStrike">
+              <a:rPr lang="en" sz="2100" b="0" strike="noStrike" spc="-1" dirty="0">
                 <a:solidFill>
                   <a:srgbClr val="073763"/>
                 </a:solidFill>
                 <a:latin typeface="Roboto"/>
                 <a:ea typeface="Roboto"/>
               </a:rPr>
-              <a:t>Rahul</a:t>
-            </a:r>
-            <a:endParaRPr b="0" lang="en-US" sz="2100" spc="-1" strike="noStrike">
+              <a:t>Rahul </a:t>
+            </a:r>
+            <a:r>
+              <a:rPr lang="en-US" sz="2100" b="0" strike="noStrike" spc="-1" dirty="0">
+                <a:solidFill>
+                  <a:srgbClr val="073763"/>
+                </a:solidFill>
+                <a:latin typeface="Roboto"/>
+                <a:ea typeface="Roboto"/>
+              </a:rPr>
+              <a:t>Vishwakarma</a:t>
+            </a:r>
+            <a:endParaRPr lang="en-US" sz="2100" b="0" strike="noStrike" spc="-1" dirty="0">
               <a:latin typeface="Arial"/>
             </a:endParaRPr>
           </a:p>
@@ -4491,19 +6379,14 @@
       </p:sp>
     </p:spTree>
   </p:cSld>
-  <mc:AlternateContent>
-    <mc:Choice Requires="p14">
-      <p:transition spd="slow" p14:dur="2000"/>
-    </mc:Choice>
-    <mc:Fallback>
-      <p:transition spd="slow"/>
-    </mc:Fallback>
-  </mc:AlternateContent>
+  <p:clrMapOvr>
+    <a:masterClrMapping/>
+  </p:clrMapOvr>
 </p:sld>
 </file>
 
 <file path=ppt/slides/slide2.xml><?xml version="1.0" encoding="utf-8"?>
-<p:sld xmlns:a="http://schemas.openxmlformats.org/drawingml/2006/main" xmlns:p="http://schemas.openxmlformats.org/presentationml/2006/main" xmlns:r="http://schemas.openxmlformats.org/officeDocument/2006/relationships" xmlns:p14="http://schemas.microsoft.com/office/powerpoint/2010/main" xmlns:p15="http://schemas.microsoft.com/office/powerpoint/2012/main" xmlns:mc="http://schemas.openxmlformats.org/markup-compatibility/2006">
+<p:sld xmlns:a="http://schemas.openxmlformats.org/drawingml/2006/main" xmlns:r="http://schemas.openxmlformats.org/officeDocument/2006/relationships" xmlns:p="http://schemas.openxmlformats.org/presentationml/2006/main">
   <p:cSld>
     <p:spTree>
       <p:nvGrpSpPr>
@@ -4539,35 +6422,42 @@
           </a:ln>
         </p:spPr>
         <p:style>
-          <a:lnRef idx="0"/>
-          <a:fillRef idx="0"/>
-          <a:effectRef idx="0"/>
+          <a:lnRef idx="0">
+            <a:scrgbClr r="0" g="0" b="0"/>
+          </a:lnRef>
+          <a:fillRef idx="0">
+            <a:scrgbClr r="0" g="0" b="0"/>
+          </a:fillRef>
+          <a:effectRef idx="0">
+            <a:scrgbClr r="0" g="0" b="0"/>
+          </a:effectRef>
           <a:fontRef idx="minor"/>
         </p:style>
         <p:txBody>
-          <a:bodyPr lIns="90000" rIns="90000" tIns="91440" bIns="91440">
+          <a:bodyPr lIns="90000" tIns="91440" rIns="90000" bIns="91440">
             <a:noAutofit/>
           </a:bodyPr>
+          <a:lstStyle/>
           <a:p>
             <a:pPr>
               <a:lnSpc>
                 <a:spcPct val="100000"/>
               </a:lnSpc>
               <a:tabLst>
-                <a:tab algn="l" pos="0"/>
+                <a:tab pos="0" algn="l"/>
               </a:tabLst>
             </a:pPr>
             <a:r>
-              <a:rPr b="0" lang="en" sz="3000" spc="-1" strike="noStrike">
+              <a:rPr lang="en" sz="3000" b="0" strike="noStrike" spc="-1">
                 <a:solidFill>
-                  <a:srgbClr val="2a3990"/>
+                  <a:srgbClr val="2A3990"/>
                 </a:solidFill>
                 <a:latin typeface="Roboto"/>
                 <a:ea typeface="Roboto"/>
               </a:rPr>
               <a:t>Problem Statement </a:t>
             </a:r>
-            <a:endParaRPr b="0" lang="en-US" sz="3000" spc="-1" strike="noStrike">
+            <a:endParaRPr lang="en-US" sz="3000" b="0" strike="noStrike" spc="-1">
               <a:latin typeface="Arial"/>
             </a:endParaRPr>
           </a:p>
@@ -4581,8 +6471,8 @@
         </p:nvSpPr>
         <p:spPr>
           <a:xfrm>
-            <a:off x="311760" y="1229760"/>
-            <a:ext cx="8519760" cy="3338280"/>
+            <a:off x="322517" y="907031"/>
+            <a:ext cx="8519760" cy="943284"/>
           </a:xfrm>
           <a:prstGeom prst="rect">
             <a:avLst/>
@@ -4593,54 +6483,52 @@
           </a:ln>
         </p:spPr>
         <p:style>
-          <a:lnRef idx="0"/>
-          <a:fillRef idx="0"/>
-          <a:effectRef idx="0"/>
+          <a:lnRef idx="0">
+            <a:scrgbClr r="0" g="0" b="0"/>
+          </a:lnRef>
+          <a:fillRef idx="0">
+            <a:scrgbClr r="0" g="0" b="0"/>
+          </a:fillRef>
+          <a:effectRef idx="0">
+            <a:scrgbClr r="0" g="0" b="0"/>
+          </a:effectRef>
           <a:fontRef idx="minor"/>
         </p:style>
         <p:txBody>
-          <a:bodyPr lIns="90000" rIns="90000" tIns="91440" bIns="91440">
+          <a:bodyPr lIns="90000" tIns="91440" rIns="90000" bIns="91440">
             <a:noAutofit/>
           </a:bodyPr>
+          <a:lstStyle/>
           <a:p>
             <a:pPr>
               <a:lnSpc>
                 <a:spcPct val="115000"/>
               </a:lnSpc>
               <a:tabLst>
-                <a:tab algn="l" pos="0"/>
+                <a:tab pos="0" algn="l"/>
               </a:tabLst>
             </a:pPr>
             <a:r>
-              <a:rPr b="0" lang="en" sz="1800" spc="-1" strike="noStrike">
+              <a:rPr lang="en" sz="1800" b="0" strike="noStrike" spc="-1" dirty="0">
                 <a:solidFill>
                   <a:srgbClr val="434343"/>
                 </a:solidFill>
                 <a:latin typeface="Roboto"/>
                 <a:ea typeface="Roboto"/>
               </a:rPr>
-              <a:t>How can we use the following data sets to understand options for increasing revenue from game players?</a:t>
-            </a:r>
-            <a:endParaRPr b="0" lang="en-US" sz="1800" spc="-1" strike="noStrike">
-              <a:latin typeface="Arial"/>
-            </a:endParaRPr>
-          </a:p>
-          <a:p>
-            <a:pPr>
-              <a:lnSpc>
-                <a:spcPct val="115000"/>
-              </a:lnSpc>
-              <a:spcBef>
-                <a:spcPts val="1599"/>
-              </a:spcBef>
-              <a:spcAft>
-                <a:spcPts val="1599"/>
-              </a:spcAft>
-              <a:tabLst>
-                <a:tab algn="l" pos="0"/>
-              </a:tabLst>
-            </a:pPr>
-            <a:endParaRPr b="0" lang="en-US" sz="1800" spc="-1" strike="noStrike">
+              <a:t>How can we use the following data sets to understand options for increasing revenue from game players</a:t>
+            </a:r>
+            <a:r>
+              <a:rPr lang="en" spc="-1" dirty="0">
+                <a:solidFill>
+                  <a:srgbClr val="434343"/>
+                </a:solidFill>
+                <a:latin typeface="Roboto"/>
+                <a:ea typeface="Roboto"/>
+              </a:rPr>
+              <a:t>?</a:t>
+            </a:r>
+            <a:endParaRPr lang="en-US" sz="1800" b="0" strike="noStrike" spc="-1" dirty="0">
               <a:latin typeface="Arial"/>
             </a:endParaRPr>
           </a:p>
@@ -4648,18 +6536,18 @@
       </p:sp>
       <p:pic>
         <p:nvPicPr>
-          <p:cNvPr id="98" name="" descr=""/>
+          <p:cNvPr id="98" name="Picture 97"/>
           <p:cNvPicPr/>
           <p:nvPr/>
         </p:nvPicPr>
         <p:blipFill>
-          <a:blip r:embed="rId1"/>
+          <a:blip r:embed="rId3"/>
           <a:stretch/>
         </p:blipFill>
         <p:spPr>
           <a:xfrm>
-            <a:off x="365760" y="2011680"/>
-            <a:ext cx="4286520" cy="2769480"/>
+            <a:off x="365759" y="1624406"/>
+            <a:ext cx="5228217" cy="3156754"/>
           </a:xfrm>
           <a:prstGeom prst="rect">
             <a:avLst/>
@@ -4671,18 +6559,18 @@
       </p:pic>
       <p:pic>
         <p:nvPicPr>
-          <p:cNvPr id="99" name="" descr=""/>
+          <p:cNvPr id="99" name="Picture 98"/>
           <p:cNvPicPr/>
           <p:nvPr/>
         </p:nvPicPr>
         <p:blipFill>
-          <a:blip r:embed="rId2"/>
+          <a:blip r:embed="rId4"/>
           <a:stretch/>
         </p:blipFill>
         <p:spPr>
           <a:xfrm>
-            <a:off x="4937760" y="2103120"/>
-            <a:ext cx="2103120" cy="2394000"/>
+            <a:off x="1807285" y="2915322"/>
+            <a:ext cx="1570616" cy="1871830"/>
           </a:xfrm>
           <a:prstGeom prst="rect">
             <a:avLst/>
@@ -4690,23 +6578,53 @@
           <a:ln>
             <a:noFill/>
           </a:ln>
+          <a:effectLst>
+            <a:outerShdw blurRad="63500" sx="102000" sy="102000" algn="ctr" rotWithShape="0">
+              <a:prstClr val="black">
+                <a:alpha val="40000"/>
+              </a:prstClr>
+            </a:outerShdw>
+          </a:effectLst>
+        </p:spPr>
+      </p:pic>
+      <p:pic>
+        <p:nvPicPr>
+          <p:cNvPr id="6" name="Image6">
+            <a:extLst>
+              <a:ext uri="{FF2B5EF4-FFF2-40B4-BE49-F238E27FC236}">
+                <a16:creationId xmlns:a16="http://schemas.microsoft.com/office/drawing/2014/main" id="{4449E208-ADE8-4B7B-8A76-6BA2024307D5}"/>
+              </a:ext>
+            </a:extLst>
+          </p:cNvPr>
+          <p:cNvPicPr/>
+          <p:nvPr/>
+        </p:nvPicPr>
+        <p:blipFill>
+          <a:blip r:embed="rId5"/>
+          <a:stretch>
+            <a:fillRect/>
+          </a:stretch>
+        </p:blipFill>
+        <p:spPr bwMode="auto">
+          <a:xfrm>
+            <a:off x="6217920" y="1721223"/>
+            <a:ext cx="2489199" cy="2958988"/>
+          </a:xfrm>
+          <a:prstGeom prst="rect">
+            <a:avLst/>
+          </a:prstGeom>
         </p:spPr>
       </p:pic>
     </p:spTree>
   </p:cSld>
-  <mc:AlternateContent>
-    <mc:Choice Requires="p14">
-      <p:transition spd="slow" p14:dur="2000"/>
-    </mc:Choice>
-    <mc:Fallback>
-      <p:transition spd="slow"/>
-    </mc:Fallback>
-  </mc:AlternateContent>
+  <p:clrMapOvr>
+    <a:masterClrMapping/>
+  </p:clrMapOvr>
 </p:sld>
 </file>
 
 <file path=ppt/slides/slide3.xml><?xml version="1.0" encoding="utf-8"?>
-<p:sld xmlns:a="http://schemas.openxmlformats.org/drawingml/2006/main" xmlns:p="http://schemas.openxmlformats.org/presentationml/2006/main" xmlns:r="http://schemas.openxmlformats.org/officeDocument/2006/relationships" xmlns:p14="http://schemas.microsoft.com/office/powerpoint/2010/main" xmlns:p15="http://schemas.microsoft.com/office/powerpoint/2012/main" xmlns:mc="http://schemas.openxmlformats.org/markup-compatibility/2006">
+<p:sld xmlns:a="http://schemas.openxmlformats.org/drawingml/2006/main" xmlns:r="http://schemas.openxmlformats.org/officeDocument/2006/relationships" xmlns:p="http://schemas.openxmlformats.org/presentationml/2006/main">
   <p:cSld>
     <p:spTree>
       <p:nvGrpSpPr>
@@ -4742,35 +6660,42 @@
           </a:ln>
         </p:spPr>
         <p:style>
-          <a:lnRef idx="0"/>
-          <a:fillRef idx="0"/>
-          <a:effectRef idx="0"/>
+          <a:lnRef idx="0">
+            <a:scrgbClr r="0" g="0" b="0"/>
+          </a:lnRef>
+          <a:fillRef idx="0">
+            <a:scrgbClr r="0" g="0" b="0"/>
+          </a:fillRef>
+          <a:effectRef idx="0">
+            <a:scrgbClr r="0" g="0" b="0"/>
+          </a:effectRef>
           <a:fontRef idx="minor"/>
         </p:style>
         <p:txBody>
-          <a:bodyPr lIns="90000" rIns="90000" tIns="91440" bIns="91440">
+          <a:bodyPr lIns="90000" tIns="91440" rIns="90000" bIns="91440">
             <a:noAutofit/>
           </a:bodyPr>
+          <a:lstStyle/>
           <a:p>
             <a:pPr>
               <a:lnSpc>
                 <a:spcPct val="100000"/>
               </a:lnSpc>
               <a:tabLst>
-                <a:tab algn="l" pos="0"/>
+                <a:tab pos="0" algn="l"/>
               </a:tabLst>
             </a:pPr>
             <a:r>
-              <a:rPr b="0" lang="en" sz="3000" spc="-1" strike="noStrike">
+              <a:rPr lang="en" sz="3000" b="0" strike="noStrike" spc="-1">
                 <a:solidFill>
-                  <a:srgbClr val="2a3990"/>
+                  <a:srgbClr val="2A3990"/>
                 </a:solidFill>
                 <a:latin typeface="Roboto"/>
                 <a:ea typeface="Roboto"/>
               </a:rPr>
               <a:t>Data Exploration Overview</a:t>
             </a:r>
-            <a:endParaRPr b="0" lang="en-US" sz="3000" spc="-1" strike="noStrike">
+            <a:endParaRPr lang="en-US" sz="3000" b="0" strike="noStrike" spc="-1">
               <a:latin typeface="Arial"/>
             </a:endParaRPr>
           </a:p>
@@ -4796,15 +6721,22 @@
           </a:ln>
         </p:spPr>
         <p:style>
-          <a:lnRef idx="0"/>
-          <a:fillRef idx="0"/>
-          <a:effectRef idx="0"/>
+          <a:lnRef idx="0">
+            <a:scrgbClr r="0" g="0" b="0"/>
+          </a:lnRef>
+          <a:fillRef idx="0">
+            <a:scrgbClr r="0" g="0" b="0"/>
+          </a:fillRef>
+          <a:effectRef idx="0">
+            <a:scrgbClr r="0" g="0" b="0"/>
+          </a:effectRef>
           <a:fontRef idx="minor"/>
         </p:style>
         <p:txBody>
-          <a:bodyPr lIns="90000" rIns="90000" tIns="91440" bIns="91440">
+          <a:bodyPr lIns="90000" tIns="91440" rIns="90000" bIns="91440">
             <a:noAutofit/>
           </a:bodyPr>
+          <a:lstStyle/>
           <a:p>
             <a:pPr marL="457200" indent="-342360">
               <a:lnSpc>
@@ -4817,7 +6749,7 @@
               <a:buChar char="●"/>
             </a:pPr>
             <a:r>
-              <a:rPr b="0" lang="en-US" sz="1800" spc="-1" strike="noStrike">
+              <a:rPr lang="en-US" sz="1800" b="0" strike="noStrike" spc="-1">
                 <a:solidFill>
                   <a:srgbClr val="434343"/>
                 </a:solidFill>
@@ -4825,7 +6757,7 @@
               </a:rPr>
               <a:t>We see that the top buyers or spenders are using iphone and dont follow a consistent Hit-ratio in game play</a:t>
             </a:r>
-            <a:endParaRPr b="0" lang="en-US" sz="1800" spc="-1" strike="noStrike">
+            <a:endParaRPr lang="en-US" sz="1800" b="0" strike="noStrike" spc="-1">
               <a:latin typeface="Arial"/>
             </a:endParaRPr>
           </a:p>
@@ -4841,7 +6773,7 @@
               <a:buChar char="●"/>
             </a:pPr>
             <a:r>
-              <a:rPr b="0" lang="en-US" sz="1800" spc="-1" strike="noStrike">
+              <a:rPr lang="en-US" sz="1800" b="0" strike="noStrike" spc="-1">
                 <a:solidFill>
                   <a:srgbClr val="434343"/>
                 </a:solidFill>
@@ -4849,7 +6781,7 @@
               </a:rPr>
               <a:t>We also see a great demand for product with buyId 2,5 &amp; 0 when compared to 4,3,1 in that order of purchase counts respectively</a:t>
             </a:r>
-            <a:endParaRPr b="0" lang="en-US" sz="1800" spc="-1" strike="noStrike">
+            <a:endParaRPr lang="en-US" sz="1800" b="0" strike="noStrike" spc="-1">
               <a:latin typeface="Arial"/>
             </a:endParaRPr>
           </a:p>
@@ -4871,12 +6803,12 @@
         </p:grpSpPr>
         <p:pic>
           <p:nvPicPr>
-            <p:cNvPr id="103" name="" descr=""/>
+            <p:cNvPr id="103" name="Picture 102"/>
             <p:cNvPicPr/>
             <p:nvPr/>
           </p:nvPicPr>
           <p:blipFill>
-            <a:blip r:embed="rId1"/>
+            <a:blip r:embed="rId3"/>
             <a:stretch/>
           </p:blipFill>
           <p:spPr>
@@ -4894,12 +6826,12 @@
         </p:pic>
         <p:pic>
           <p:nvPicPr>
-            <p:cNvPr id="104" name="" descr=""/>
+            <p:cNvPr id="104" name="Picture 103"/>
             <p:cNvPicPr/>
             <p:nvPr/>
           </p:nvPicPr>
           <p:blipFill>
-            <a:blip r:embed="rId2"/>
+            <a:blip r:embed="rId4"/>
             <a:stretch/>
           </p:blipFill>
           <p:spPr>
@@ -4918,12 +6850,12 @@
       </p:grpSp>
       <p:pic>
         <p:nvPicPr>
-          <p:cNvPr id="105" name="" descr=""/>
+          <p:cNvPr id="105" name="Picture 104"/>
           <p:cNvPicPr/>
           <p:nvPr/>
         </p:nvPicPr>
         <p:blipFill>
-          <a:blip r:embed="rId3"/>
+          <a:blip r:embed="rId5"/>
           <a:stretch/>
         </p:blipFill>
         <p:spPr>
@@ -4941,19 +6873,14 @@
       </p:pic>
     </p:spTree>
   </p:cSld>
-  <mc:AlternateContent>
-    <mc:Choice Requires="p14">
-      <p:transition spd="slow" p14:dur="2000"/>
-    </mc:Choice>
-    <mc:Fallback>
-      <p:transition spd="slow"/>
-    </mc:Fallback>
-  </mc:AlternateContent>
+  <p:clrMapOvr>
+    <a:masterClrMapping/>
+  </p:clrMapOvr>
 </p:sld>
 </file>
 
 <file path=ppt/slides/slide4.xml><?xml version="1.0" encoding="utf-8"?>
-<p:sld xmlns:a="http://schemas.openxmlformats.org/drawingml/2006/main" xmlns:p="http://schemas.openxmlformats.org/presentationml/2006/main" xmlns:r="http://schemas.openxmlformats.org/officeDocument/2006/relationships" xmlns:p14="http://schemas.microsoft.com/office/powerpoint/2010/main" xmlns:p15="http://schemas.microsoft.com/office/powerpoint/2012/main" xmlns:mc="http://schemas.openxmlformats.org/markup-compatibility/2006">
+<p:sld xmlns:a="http://schemas.openxmlformats.org/drawingml/2006/main" xmlns:r="http://schemas.openxmlformats.org/officeDocument/2006/relationships" xmlns:p="http://schemas.openxmlformats.org/presentationml/2006/main">
   <p:cSld>
     <p:spTree>
       <p:nvGrpSpPr>
@@ -4989,35 +6916,42 @@
           </a:ln>
         </p:spPr>
         <p:style>
-          <a:lnRef idx="0"/>
-          <a:fillRef idx="0"/>
-          <a:effectRef idx="0"/>
+          <a:lnRef idx="0">
+            <a:scrgbClr r="0" g="0" b="0"/>
+          </a:lnRef>
+          <a:fillRef idx="0">
+            <a:scrgbClr r="0" g="0" b="0"/>
+          </a:fillRef>
+          <a:effectRef idx="0">
+            <a:scrgbClr r="0" g="0" b="0"/>
+          </a:effectRef>
           <a:fontRef idx="minor"/>
         </p:style>
         <p:txBody>
-          <a:bodyPr lIns="90000" rIns="90000" tIns="91440" bIns="91440">
+          <a:bodyPr lIns="90000" tIns="91440" rIns="90000" bIns="91440">
             <a:noAutofit/>
           </a:bodyPr>
+          <a:lstStyle/>
           <a:p>
             <a:pPr>
               <a:lnSpc>
                 <a:spcPct val="100000"/>
               </a:lnSpc>
               <a:tabLst>
-                <a:tab algn="l" pos="0"/>
+                <a:tab pos="0" algn="l"/>
               </a:tabLst>
             </a:pPr>
             <a:r>
-              <a:rPr b="0" lang="en" sz="3000" spc="-1" strike="noStrike">
+              <a:rPr lang="en" sz="3000" b="0" strike="noStrike" spc="-1">
                 <a:solidFill>
-                  <a:srgbClr val="2a3990"/>
+                  <a:srgbClr val="2A3990"/>
                 </a:solidFill>
                 <a:latin typeface="Roboto"/>
                 <a:ea typeface="Roboto"/>
               </a:rPr>
               <a:t>What have we learned from classification?</a:t>
             </a:r>
-            <a:endParaRPr b="0" lang="en-US" sz="3000" spc="-1" strike="noStrike">
+            <a:endParaRPr lang="en-US" sz="3000" b="0" strike="noStrike" spc="-1">
               <a:latin typeface="Arial"/>
             </a:endParaRPr>
           </a:p>
@@ -5025,12 +6959,12 @@
       </p:sp>
       <p:pic>
         <p:nvPicPr>
-          <p:cNvPr id="107" name="" descr=""/>
+          <p:cNvPr id="107" name="Picture 106"/>
           <p:cNvPicPr/>
           <p:nvPr/>
         </p:nvPicPr>
         <p:blipFill>
-          <a:blip r:embed="rId1"/>
+          <a:blip r:embed="rId3"/>
           <a:stretch/>
         </p:blipFill>
         <p:spPr>
@@ -5066,15 +7000,22 @@
           </a:ln>
         </p:spPr>
         <p:style>
-          <a:lnRef idx="0"/>
-          <a:fillRef idx="0"/>
-          <a:effectRef idx="0"/>
+          <a:lnRef idx="0">
+            <a:scrgbClr r="0" g="0" b="0"/>
+          </a:lnRef>
+          <a:fillRef idx="0">
+            <a:scrgbClr r="0" g="0" b="0"/>
+          </a:fillRef>
+          <a:effectRef idx="0">
+            <a:scrgbClr r="0" g="0" b="0"/>
+          </a:effectRef>
           <a:fontRef idx="minor"/>
         </p:style>
         <p:txBody>
-          <a:bodyPr lIns="90000" rIns="90000" tIns="91440" bIns="91440">
+          <a:bodyPr lIns="90000" tIns="91440" rIns="90000" bIns="91440">
             <a:noAutofit/>
           </a:bodyPr>
+          <a:lstStyle/>
           <a:p>
             <a:pPr marL="457200" indent="-342360">
               <a:lnSpc>
@@ -5087,15 +7028,51 @@
               <a:buChar char="●"/>
             </a:pPr>
             <a:r>
-              <a:rPr b="0" lang="en-US" sz="1800" spc="-1" strike="noStrike">
+              <a:rPr lang="en-US" sz="1800" b="0" strike="noStrike" spc="-1" dirty="0">
                 <a:solidFill>
                   <a:srgbClr val="434343"/>
                 </a:solidFill>
                 <a:latin typeface="Roboto"/>
               </a:rPr>
-              <a:t>Looks like until teamLevel 7 is achieved product count_buyId 1 is not purchased at all.</a:t>
-            </a:r>
-            <a:endParaRPr b="0" lang="en-US" sz="1800" spc="-1" strike="noStrike">
+              <a:t>Looks like until </a:t>
+            </a:r>
+            <a:r>
+              <a:rPr lang="en-US" sz="1800" b="0" strike="noStrike" spc="-1" dirty="0" err="1">
+                <a:solidFill>
+                  <a:srgbClr val="434343"/>
+                </a:solidFill>
+                <a:latin typeface="Roboto"/>
+              </a:rPr>
+              <a:t>teamLevel</a:t>
+            </a:r>
+            <a:r>
+              <a:rPr lang="en-US" sz="1800" b="0" strike="noStrike" spc="-1" dirty="0">
+                <a:solidFill>
+                  <a:srgbClr val="434343"/>
+                </a:solidFill>
+                <a:latin typeface="Roboto"/>
+              </a:rPr>
+              <a:t> 7 is achieved product </a:t>
+            </a:r>
+            <a:r>
+              <a:rPr lang="en-US" sz="1800" b="0" strike="noStrike" spc="-1" dirty="0" err="1">
+                <a:solidFill>
+                  <a:srgbClr val="434343"/>
+                </a:solidFill>
+                <a:latin typeface="Roboto"/>
+              </a:rPr>
+              <a:t>count_buyId</a:t>
+            </a:r>
+            <a:r>
+              <a:rPr lang="en-US" sz="1800" b="0" strike="noStrike" spc="-1" dirty="0">
+                <a:solidFill>
+                  <a:srgbClr val="434343"/>
+                </a:solidFill>
+                <a:latin typeface="Roboto"/>
+              </a:rPr>
+              <a:t> 1 is not purchased at all.</a:t>
+            </a:r>
+            <a:endParaRPr lang="en-US" sz="1800" b="0" strike="noStrike" spc="-1" dirty="0">
               <a:latin typeface="Arial"/>
             </a:endParaRPr>
           </a:p>
@@ -5111,15 +7088,51 @@
               <a:buChar char="●"/>
             </a:pPr>
             <a:r>
-              <a:rPr b="0" lang="en-US" sz="1800" spc="-1" strike="noStrike">
+              <a:rPr lang="en-US" sz="1800" b="0" strike="noStrike" spc="-1" dirty="0">
                 <a:solidFill>
                   <a:srgbClr val="434343"/>
                 </a:solidFill>
                 <a:latin typeface="Roboto"/>
               </a:rPr>
-              <a:t>Only PennyPinchers on count_buyId=5. We will need to apply what is learnt from 3 or 2 which are doing better</a:t>
-            </a:r>
-            <a:endParaRPr b="0" lang="en-US" sz="1800" spc="-1" strike="noStrike">
+              <a:t>Only </a:t>
+            </a:r>
+            <a:r>
+              <a:rPr lang="en-US" sz="1800" b="0" strike="noStrike" spc="-1" dirty="0" err="1">
+                <a:solidFill>
+                  <a:srgbClr val="434343"/>
+                </a:solidFill>
+                <a:latin typeface="Roboto"/>
+              </a:rPr>
+              <a:t>PennyPinchers</a:t>
+            </a:r>
+            <a:r>
+              <a:rPr lang="en-US" sz="1800" b="0" strike="noStrike" spc="-1" dirty="0">
+                <a:solidFill>
+                  <a:srgbClr val="434343"/>
+                </a:solidFill>
+                <a:latin typeface="Roboto"/>
+              </a:rPr>
+              <a:t> on </a:t>
+            </a:r>
+            <a:r>
+              <a:rPr lang="en-US" sz="1800" b="0" strike="noStrike" spc="-1" dirty="0" err="1">
+                <a:solidFill>
+                  <a:srgbClr val="434343"/>
+                </a:solidFill>
+                <a:latin typeface="Roboto"/>
+              </a:rPr>
+              <a:t>count_buyId</a:t>
+            </a:r>
+            <a:r>
+              <a:rPr lang="en-US" sz="1800" b="0" strike="noStrike" spc="-1" dirty="0">
+                <a:solidFill>
+                  <a:srgbClr val="434343"/>
+                </a:solidFill>
+                <a:latin typeface="Roboto"/>
+              </a:rPr>
+              <a:t>=5. We will need to apply what is learnt from 3 or 2 which are doing better</a:t>
+            </a:r>
+            <a:endParaRPr lang="en-US" sz="1800" b="0" strike="noStrike" spc="-1" dirty="0">
               <a:latin typeface="Arial"/>
             </a:endParaRPr>
           </a:p>
@@ -5135,15 +7148,15 @@
               <a:buChar char="●"/>
             </a:pPr>
             <a:r>
-              <a:rPr b="0" lang="en-US" sz="1800" spc="-1" strike="noStrike">
+              <a:rPr lang="en-US" sz="1800" b="0" strike="noStrike" spc="-1" dirty="0">
                 <a:solidFill>
                   <a:srgbClr val="434343"/>
                 </a:solidFill>
                 <a:latin typeface="Roboto"/>
               </a:rPr>
-              <a:t>iPhone users are the money making audience and do  consider the errors in model </a:t>
-            </a:r>
-            <a:endParaRPr b="0" lang="en-US" sz="1800" spc="-1" strike="noStrike">
+              <a:t>iPhone users are the money-making audience and do  consider the errors in model </a:t>
+            </a:r>
+            <a:endParaRPr lang="en-US" sz="1800" b="0" strike="noStrike" spc="-1" dirty="0">
               <a:latin typeface="Arial"/>
             </a:endParaRPr>
           </a:p>
@@ -5151,12 +7164,12 @@
       </p:sp>
       <p:pic>
         <p:nvPicPr>
-          <p:cNvPr id="109" name="" descr=""/>
+          <p:cNvPr id="109" name="Picture 108"/>
           <p:cNvPicPr/>
           <p:nvPr/>
         </p:nvPicPr>
         <p:blipFill>
-          <a:blip r:embed="rId2"/>
+          <a:blip r:embed="rId4"/>
           <a:stretch/>
         </p:blipFill>
         <p:spPr>
@@ -5174,12 +7187,12 @@
       </p:pic>
       <p:pic>
         <p:nvPicPr>
-          <p:cNvPr id="110" name="" descr=""/>
+          <p:cNvPr id="110" name="Picture 109"/>
           <p:cNvPicPr/>
           <p:nvPr/>
         </p:nvPicPr>
         <p:blipFill>
-          <a:blip r:embed="rId3"/>
+          <a:blip r:embed="rId5"/>
           <a:stretch/>
         </p:blipFill>
         <p:spPr>
@@ -5197,19 +7210,14 @@
       </p:pic>
     </p:spTree>
   </p:cSld>
-  <mc:AlternateContent>
-    <mc:Choice Requires="p14">
-      <p:transition spd="slow" p14:dur="2000"/>
-    </mc:Choice>
-    <mc:Fallback>
-      <p:transition spd="slow"/>
-    </mc:Fallback>
-  </mc:AlternateContent>
+  <p:clrMapOvr>
+    <a:masterClrMapping/>
+  </p:clrMapOvr>
 </p:sld>
 </file>
 
 <file path=ppt/slides/slide5.xml><?xml version="1.0" encoding="utf-8"?>
-<p:sld xmlns:a="http://schemas.openxmlformats.org/drawingml/2006/main" xmlns:p="http://schemas.openxmlformats.org/presentationml/2006/main" xmlns:r="http://schemas.openxmlformats.org/officeDocument/2006/relationships" xmlns:p14="http://schemas.microsoft.com/office/powerpoint/2010/main" xmlns:p15="http://schemas.microsoft.com/office/powerpoint/2012/main" xmlns:mc="http://schemas.openxmlformats.org/markup-compatibility/2006">
+<p:sld xmlns:a="http://schemas.openxmlformats.org/drawingml/2006/main" xmlns:r="http://schemas.openxmlformats.org/officeDocument/2006/relationships" xmlns:p="http://schemas.openxmlformats.org/presentationml/2006/main">
   <p:cSld>
     <p:spTree>
       <p:nvGrpSpPr>
@@ -5245,35 +7253,42 @@
           </a:ln>
         </p:spPr>
         <p:style>
-          <a:lnRef idx="0"/>
-          <a:fillRef idx="0"/>
-          <a:effectRef idx="0"/>
+          <a:lnRef idx="0">
+            <a:scrgbClr r="0" g="0" b="0"/>
+          </a:lnRef>
+          <a:fillRef idx="0">
+            <a:scrgbClr r="0" g="0" b="0"/>
+          </a:fillRef>
+          <a:effectRef idx="0">
+            <a:scrgbClr r="0" g="0" b="0"/>
+          </a:effectRef>
           <a:fontRef idx="minor"/>
         </p:style>
         <p:txBody>
-          <a:bodyPr lIns="90000" rIns="90000" tIns="91440" bIns="91440">
+          <a:bodyPr lIns="90000" tIns="91440" rIns="90000" bIns="91440">
             <a:noAutofit/>
           </a:bodyPr>
+          <a:lstStyle/>
           <a:p>
             <a:pPr>
               <a:lnSpc>
                 <a:spcPct val="100000"/>
               </a:lnSpc>
               <a:tabLst>
-                <a:tab algn="l" pos="0"/>
+                <a:tab pos="0" algn="l"/>
               </a:tabLst>
             </a:pPr>
             <a:r>
-              <a:rPr b="0" lang="en" sz="3000" spc="-1" strike="noStrike">
+              <a:rPr lang="en" sz="3000" b="0" strike="noStrike" spc="-1">
                 <a:solidFill>
-                  <a:srgbClr val="2a3990"/>
+                  <a:srgbClr val="2A3990"/>
                 </a:solidFill>
                 <a:latin typeface="Roboto"/>
                 <a:ea typeface="Roboto"/>
               </a:rPr>
               <a:t>What have we learned from clustering? </a:t>
             </a:r>
-            <a:endParaRPr b="0" lang="en-US" sz="3000" spc="-1" strike="noStrike">
+            <a:endParaRPr lang="en-US" sz="3000" b="0" strike="noStrike" spc="-1">
               <a:latin typeface="Arial"/>
             </a:endParaRPr>
           </a:p>
@@ -5299,15 +7314,22 @@
           </a:ln>
         </p:spPr>
         <p:style>
-          <a:lnRef idx="0"/>
-          <a:fillRef idx="0"/>
-          <a:effectRef idx="0"/>
+          <a:lnRef idx="0">
+            <a:scrgbClr r="0" g="0" b="0"/>
+          </a:lnRef>
+          <a:fillRef idx="0">
+            <a:scrgbClr r="0" g="0" b="0"/>
+          </a:fillRef>
+          <a:effectRef idx="0">
+            <a:scrgbClr r="0" g="0" b="0"/>
+          </a:effectRef>
           <a:fontRef idx="minor"/>
         </p:style>
         <p:txBody>
-          <a:bodyPr lIns="90000" rIns="90000" tIns="91440" bIns="91440">
+          <a:bodyPr lIns="90000" tIns="91440" rIns="90000" bIns="91440">
             <a:noAutofit/>
           </a:bodyPr>
+          <a:lstStyle/>
           <a:p>
             <a:pPr marL="457200" indent="-342360">
               <a:lnSpc>
@@ -5320,7 +7342,7 @@
               <a:buChar char="●"/>
             </a:pPr>
             <a:r>
-              <a:rPr b="0" lang="en-US" sz="1800" spc="-1" strike="noStrike">
+              <a:rPr lang="en-US" sz="1800" b="0" strike="noStrike" spc="-1">
                 <a:solidFill>
                   <a:srgbClr val="434343"/>
                 </a:solidFill>
@@ -5329,7 +7351,7 @@
               </a:rPr>
               <a:t>Features from "timestamp", ”price”, “isHit”, “adCount”</a:t>
             </a:r>
-            <a:endParaRPr b="0" lang="en-US" sz="1800" spc="-1" strike="noStrike">
+            <a:endParaRPr lang="en-US" sz="1800" b="0" strike="noStrike" spc="-1">
               <a:latin typeface="Arial"/>
             </a:endParaRPr>
           </a:p>
@@ -5345,7 +7367,7 @@
               <a:buChar char="●"/>
             </a:pPr>
             <a:r>
-              <a:rPr b="0" lang="en-US" sz="1800" spc="-1" strike="noStrike">
+              <a:rPr lang="en-US" sz="1800" b="0" strike="noStrike" spc="-1">
                 <a:solidFill>
                   <a:srgbClr val="434343"/>
                 </a:solidFill>
@@ -5354,12 +7376,12 @@
               </a:rPr>
               <a:t>Action recommendations</a:t>
             </a:r>
-            <a:endParaRPr b="0" lang="en-US" sz="1800" spc="-1" strike="noStrike">
-              <a:latin typeface="Arial"/>
-            </a:endParaRPr>
-          </a:p>
-          <a:p>
-            <a:pPr lvl="1" marL="864000" indent="-323640">
+            <a:endParaRPr lang="en-US" sz="1800" b="0" strike="noStrike" spc="-1">
+              <a:latin typeface="Arial"/>
+            </a:endParaRPr>
+          </a:p>
+          <a:p>
+            <a:pPr marL="864000" lvl="1" indent="-323640">
               <a:lnSpc>
                 <a:spcPct val="100000"/>
               </a:lnSpc>
@@ -5371,7 +7393,7 @@
               <a:buChar char=""/>
             </a:pPr>
             <a:r>
-              <a:rPr b="0" lang="en-US" sz="1800" spc="-1" strike="noStrike">
+              <a:rPr lang="en-US" sz="1800" b="0" strike="noStrike" spc="-1">
                 <a:solidFill>
                   <a:srgbClr val="434343"/>
                 </a:solidFill>
@@ -5380,12 +7402,12 @@
               </a:rPr>
               <a:t>Propose ads right after a winning streak, level up or good hit rate</a:t>
             </a:r>
-            <a:endParaRPr b="0" lang="en-US" sz="1800" spc="-1" strike="noStrike">
-              <a:latin typeface="Arial"/>
-            </a:endParaRPr>
-          </a:p>
-          <a:p>
-            <a:pPr lvl="1" marL="864000" indent="-323640">
+            <a:endParaRPr lang="en-US" sz="1800" b="0" strike="noStrike" spc="-1">
+              <a:latin typeface="Arial"/>
+            </a:endParaRPr>
+          </a:p>
+          <a:p>
+            <a:pPr marL="864000" lvl="1" indent="-323640">
               <a:lnSpc>
                 <a:spcPct val="100000"/>
               </a:lnSpc>
@@ -5397,7 +7419,7 @@
               <a:buChar char=""/>
             </a:pPr>
             <a:r>
-              <a:rPr b="0" lang="en-US" sz="1800" spc="-1" strike="noStrike">
+              <a:rPr lang="en-US" sz="1800" b="0" strike="noStrike" spc="-1">
                 <a:solidFill>
                   <a:srgbClr val="434343"/>
                 </a:solidFill>
@@ -5406,12 +7428,12 @@
               </a:rPr>
               <a:t>Select the high hit and revenue generating customer and show them ads later when compared to others</a:t>
             </a:r>
-            <a:endParaRPr b="0" lang="en-US" sz="1800" spc="-1" strike="noStrike">
-              <a:latin typeface="Arial"/>
-            </a:endParaRPr>
-          </a:p>
-          <a:p>
-            <a:pPr lvl="1" marL="864000" indent="-323640">
+            <a:endParaRPr lang="en-US" sz="1800" b="0" strike="noStrike" spc="-1">
+              <a:latin typeface="Arial"/>
+            </a:endParaRPr>
+          </a:p>
+          <a:p>
+            <a:pPr marL="864000" lvl="1" indent="-323640">
               <a:lnSpc>
                 <a:spcPct val="100000"/>
               </a:lnSpc>
@@ -5423,7 +7445,7 @@
               <a:buChar char=""/>
             </a:pPr>
             <a:r>
-              <a:rPr b="0" lang="en-US" sz="1800" spc="-1" strike="noStrike">
+              <a:rPr lang="en-US" sz="1800" b="0" strike="noStrike" spc="-1">
                 <a:solidFill>
                   <a:srgbClr val="434343"/>
                 </a:solidFill>
@@ -5432,7 +7454,7 @@
               </a:rPr>
               <a:t>Selectively offer training and for low hit rate players so that they can engage and generate more revenue</a:t>
             </a:r>
-            <a:endParaRPr b="0" lang="en-US" sz="1800" spc="-1" strike="noStrike">
+            <a:endParaRPr lang="en-US" sz="1800" b="0" strike="noStrike" spc="-1">
               <a:latin typeface="Arial"/>
             </a:endParaRPr>
           </a:p>
@@ -5440,12 +7462,12 @@
       </p:sp>
       <p:pic>
         <p:nvPicPr>
-          <p:cNvPr id="113" name="" descr=""/>
+          <p:cNvPr id="113" name="Picture 112"/>
           <p:cNvPicPr/>
           <p:nvPr/>
         </p:nvPicPr>
         <p:blipFill>
-          <a:blip r:embed="rId1"/>
+          <a:blip r:embed="rId3"/>
           <a:stretch/>
         </p:blipFill>
         <p:spPr>
@@ -5481,15 +7503,22 @@
           </a:ln>
         </p:spPr>
         <p:style>
-          <a:lnRef idx="0"/>
-          <a:fillRef idx="0"/>
-          <a:effectRef idx="0"/>
+          <a:lnRef idx="0">
+            <a:scrgbClr r="0" g="0" b="0"/>
+          </a:lnRef>
+          <a:fillRef idx="0">
+            <a:scrgbClr r="0" g="0" b="0"/>
+          </a:fillRef>
+          <a:effectRef idx="0">
+            <a:scrgbClr r="0" g="0" b="0"/>
+          </a:effectRef>
           <a:fontRef idx="minor"/>
         </p:style>
         <p:txBody>
-          <a:bodyPr lIns="90000" rIns="90000" tIns="45000" bIns="45000">
+          <a:bodyPr lIns="90000" tIns="45000" rIns="90000" bIns="45000">
             <a:noAutofit/>
           </a:bodyPr>
+          <a:lstStyle/>
           <a:p>
             <a:pPr>
               <a:lnSpc>
@@ -5497,20 +7526,17 @@
               </a:lnSpc>
             </a:pPr>
             <a:r>
-              <a:rPr b="1" lang="en-US" sz="1000" spc="-1" strike="noStrike">
+              <a:rPr lang="en-US" sz="1000" b="1" strike="noStrike" spc="-1">
                 <a:latin typeface="Arial"/>
               </a:rPr>
               <a:t>Cluster 3 </a:t>
             </a:r>
             <a:r>
-              <a:rPr b="0" lang="en-US" sz="1000" spc="-1" strike="noStrike">
+              <a:rPr lang="en-US" sz="1000" b="0" strike="noStrike" spc="-1">
                 <a:latin typeface="Arial"/>
               </a:rPr>
               <a:t>is different from the others in that the users with maximum adCount also have the highest hit and average price leading to higher revenue.</a:t>
             </a:r>
-            <a:endParaRPr b="0" lang="en-US" sz="1000" spc="-1" strike="noStrike">
-              <a:latin typeface="Arial"/>
-            </a:endParaRPr>
           </a:p>
           <a:p>
             <a:pPr>
@@ -5518,7 +7544,7 @@
                 <a:spcPct val="100000"/>
               </a:lnSpc>
             </a:pPr>
-            <a:endParaRPr b="0" lang="en-US" sz="1000" spc="-1" strike="noStrike">
+            <a:endParaRPr lang="en-US" sz="1000" b="0" strike="noStrike" spc="-1">
               <a:latin typeface="Arial"/>
             </a:endParaRPr>
           </a:p>
@@ -5529,7 +7555,7 @@
               </a:lnSpc>
             </a:pPr>
             <a:r>
-              <a:rPr b="1" lang="en-US" sz="1100" spc="-1" strike="noStrike">
+              <a:rPr lang="en-US" sz="1100" b="1" strike="noStrike" spc="-1">
                 <a:solidFill>
                   <a:srgbClr val="000000"/>
                 </a:solidFill>
@@ -5539,7 +7565,7 @@
               <a:t>Cluster 2 </a:t>
             </a:r>
             <a:r>
-              <a:rPr b="0" lang="en-US" sz="1100" spc="-1" strike="noStrike">
+              <a:rPr lang="en-US" sz="1100" b="0" strike="noStrike" spc="-1">
                 <a:solidFill>
                   <a:srgbClr val="000000"/>
                 </a:solidFill>
@@ -5548,7 +7574,7 @@
               </a:rPr>
               <a:t>is different from the others in that the users with minimum adCount and average price also have minimum average hit rate</a:t>
             </a:r>
-            <a:endParaRPr b="0" lang="en-US" sz="1100" spc="-1" strike="noStrike">
+            <a:endParaRPr lang="en-US" sz="1100" b="0" strike="noStrike" spc="-1">
               <a:latin typeface="Arial"/>
             </a:endParaRPr>
           </a:p>
@@ -5556,19 +7582,14 @@
       </p:sp>
     </p:spTree>
   </p:cSld>
-  <mc:AlternateContent>
-    <mc:Choice Requires="p14">
-      <p:transition spd="slow" p14:dur="2000"/>
-    </mc:Choice>
-    <mc:Fallback>
-      <p:transition spd="slow"/>
-    </mc:Fallback>
-  </mc:AlternateContent>
+  <p:clrMapOvr>
+    <a:masterClrMapping/>
+  </p:clrMapOvr>
 </p:sld>
 </file>
 
 <file path=ppt/slides/slide6.xml><?xml version="1.0" encoding="utf-8"?>
-<p:sld xmlns:a="http://schemas.openxmlformats.org/drawingml/2006/main" xmlns:p="http://schemas.openxmlformats.org/presentationml/2006/main" xmlns:r="http://schemas.openxmlformats.org/officeDocument/2006/relationships" xmlns:p14="http://schemas.microsoft.com/office/powerpoint/2010/main" xmlns:p15="http://schemas.microsoft.com/office/powerpoint/2012/main" xmlns:mc="http://schemas.openxmlformats.org/markup-compatibility/2006">
+<p:sld xmlns:a="http://schemas.openxmlformats.org/drawingml/2006/main" xmlns:r="http://schemas.openxmlformats.org/officeDocument/2006/relationships" xmlns:p="http://schemas.openxmlformats.org/presentationml/2006/main">
   <p:cSld>
     <p:spTree>
       <p:nvGrpSpPr>
@@ -5604,35 +7625,42 @@
           </a:ln>
         </p:spPr>
         <p:style>
-          <a:lnRef idx="0"/>
-          <a:fillRef idx="0"/>
-          <a:effectRef idx="0"/>
+          <a:lnRef idx="0">
+            <a:scrgbClr r="0" g="0" b="0"/>
+          </a:lnRef>
+          <a:fillRef idx="0">
+            <a:scrgbClr r="0" g="0" b="0"/>
+          </a:fillRef>
+          <a:effectRef idx="0">
+            <a:scrgbClr r="0" g="0" b="0"/>
+          </a:effectRef>
           <a:fontRef idx="minor"/>
         </p:style>
         <p:txBody>
-          <a:bodyPr lIns="90000" rIns="90000" tIns="91440" bIns="91440">
+          <a:bodyPr lIns="90000" tIns="91440" rIns="90000" bIns="91440">
             <a:noAutofit/>
           </a:bodyPr>
+          <a:lstStyle/>
           <a:p>
             <a:pPr>
               <a:lnSpc>
                 <a:spcPct val="100000"/>
               </a:lnSpc>
               <a:tabLst>
-                <a:tab algn="l" pos="0"/>
+                <a:tab pos="0" algn="l"/>
               </a:tabLst>
             </a:pPr>
             <a:r>
-              <a:rPr b="0" lang="en" sz="3000" spc="-1" strike="noStrike">
+              <a:rPr lang="en" sz="3000" b="0" strike="noStrike" spc="-1">
                 <a:solidFill>
-                  <a:srgbClr val="2a3990"/>
+                  <a:srgbClr val="2A3990"/>
                 </a:solidFill>
                 <a:latin typeface="Roboto"/>
                 <a:ea typeface="Roboto"/>
               </a:rPr>
               <a:t>From our chat graph analysis, what further exploration should we undertake?</a:t>
             </a:r>
-            <a:endParaRPr b="0" lang="en-US" sz="3000" spc="-1" strike="noStrike">
+            <a:endParaRPr lang="en-US" sz="3000" b="0" strike="noStrike" spc="-1">
               <a:latin typeface="Arial"/>
             </a:endParaRPr>
           </a:p>
@@ -5658,15 +7686,22 @@
           </a:ln>
         </p:spPr>
         <p:style>
-          <a:lnRef idx="0"/>
-          <a:fillRef idx="0"/>
-          <a:effectRef idx="0"/>
+          <a:lnRef idx="0">
+            <a:scrgbClr r="0" g="0" b="0"/>
+          </a:lnRef>
+          <a:fillRef idx="0">
+            <a:scrgbClr r="0" g="0" b="0"/>
+          </a:fillRef>
+          <a:effectRef idx="0">
+            <a:scrgbClr r="0" g="0" b="0"/>
+          </a:effectRef>
           <a:fontRef idx="minor"/>
         </p:style>
         <p:txBody>
-          <a:bodyPr lIns="90000" rIns="90000" tIns="91440" bIns="91440">
+          <a:bodyPr lIns="90000" tIns="91440" rIns="90000" bIns="91440">
             <a:noAutofit/>
           </a:bodyPr>
+          <a:lstStyle/>
           <a:p>
             <a:pPr marL="457200" indent="-342360">
               <a:lnSpc>
@@ -5679,7 +7714,7 @@
               <a:buChar char="●"/>
             </a:pPr>
             <a:r>
-              <a:rPr b="0" lang="en-US" sz="1800" spc="-1" strike="noStrike">
+              <a:rPr lang="en-US" sz="1800" b="0" strike="noStrike" spc="-1">
                 <a:solidFill>
                   <a:srgbClr val="434343"/>
                 </a:solidFill>
@@ -5687,7 +7722,7 @@
               </a:rPr>
               <a:t>Looks like all except User:Id:999 shown here is the chattiest. We need to understand how this user performs on buy or hit rates compared to others</a:t>
             </a:r>
-            <a:endParaRPr b="0" lang="en-US" sz="1800" spc="-1" strike="noStrike">
+            <a:endParaRPr lang="en-US" sz="1800" b="0" strike="noStrike" spc="-1">
               <a:latin typeface="Arial"/>
             </a:endParaRPr>
           </a:p>
@@ -5703,7 +7738,7 @@
               <a:buChar char="●"/>
             </a:pPr>
             <a:r>
-              <a:rPr b="0" lang="en-US" sz="1800" spc="-1" strike="noStrike">
+              <a:rPr lang="en-US" sz="1800" b="0" strike="noStrike" spc="-1">
                 <a:solidFill>
                   <a:srgbClr val="434343"/>
                 </a:solidFill>
@@ -5711,7 +7746,7 @@
               </a:rPr>
               <a:t>Similar comparison should be done for team:Id:52 and other chatty teams</a:t>
             </a:r>
-            <a:endParaRPr b="0" lang="en-US" sz="1800" spc="-1" strike="noStrike">
+            <a:endParaRPr lang="en-US" sz="1800" b="0" strike="noStrike" spc="-1">
               <a:latin typeface="Arial"/>
             </a:endParaRPr>
           </a:p>
@@ -5727,7 +7762,7 @@
               <a:buChar char="●"/>
             </a:pPr>
             <a:r>
-              <a:rPr b="0" lang="en-US" sz="1800" spc="-1" strike="noStrike">
+              <a:rPr lang="en-US" sz="1800" b="0" strike="noStrike" spc="-1">
                 <a:solidFill>
                   <a:srgbClr val="434343"/>
                 </a:solidFill>
@@ -5735,7 +7770,7 @@
               </a:rPr>
               <a:t>Correlation between Cluster coefficient and buy revenue or hit rates can be useful</a:t>
             </a:r>
-            <a:endParaRPr b="0" lang="en-US" sz="1800" spc="-1" strike="noStrike">
+            <a:endParaRPr lang="en-US" sz="1800" b="0" strike="noStrike" spc="-1">
               <a:latin typeface="Arial"/>
             </a:endParaRPr>
           </a:p>
@@ -5751,7 +7786,7 @@
               <a:buChar char="●"/>
             </a:pPr>
             <a:r>
-              <a:rPr b="0" lang="en-US" sz="1800" spc="-1" strike="noStrike">
+              <a:rPr lang="en-US" sz="1800" b="0" strike="noStrike" spc="-1">
                 <a:solidFill>
                   <a:srgbClr val="434343"/>
                 </a:solidFill>
@@ -5759,7 +7794,7 @@
               </a:rPr>
               <a:t>Marketing costs for ad buys and clicks for the various clusters can inform about the habits of the community &amp; neighbors</a:t>
             </a:r>
-            <a:endParaRPr b="0" lang="en-US" sz="1800" spc="-1" strike="noStrike">
+            <a:endParaRPr lang="en-US" sz="1800" b="0" strike="noStrike" spc="-1">
               <a:latin typeface="Arial"/>
             </a:endParaRPr>
           </a:p>
@@ -5767,12 +7802,12 @@
       </p:sp>
       <p:pic>
         <p:nvPicPr>
-          <p:cNvPr id="117" name="" descr=""/>
+          <p:cNvPr id="117" name="Picture 116"/>
           <p:cNvPicPr/>
           <p:nvPr/>
         </p:nvPicPr>
         <p:blipFill>
-          <a:blip r:embed="rId1"/>
+          <a:blip r:embed="rId3"/>
           <a:stretch/>
         </p:blipFill>
         <p:spPr>
@@ -5790,17 +7825,17 @@
       </p:pic>
       <p:pic>
         <p:nvPicPr>
-          <p:cNvPr id="118" name="" descr=""/>
+          <p:cNvPr id="118" name="Picture 117"/>
           <p:cNvPicPr/>
           <p:nvPr/>
         </p:nvPicPr>
         <p:blipFill>
-          <a:blip r:embed="rId2"/>
+          <a:blip r:embed="rId4"/>
           <a:stretch/>
         </p:blipFill>
         <p:spPr>
           <a:xfrm>
-            <a:off x="5396040" y="2560320"/>
+            <a:off x="5947269" y="2638140"/>
             <a:ext cx="2650320" cy="2215440"/>
           </a:xfrm>
           <a:prstGeom prst="rect">
@@ -5813,19 +7848,14 @@
       </p:pic>
     </p:spTree>
   </p:cSld>
-  <mc:AlternateContent>
-    <mc:Choice Requires="p14">
-      <p:transition spd="slow" p14:dur="2000"/>
-    </mc:Choice>
-    <mc:Fallback>
-      <p:transition spd="slow"/>
-    </mc:Fallback>
-  </mc:AlternateContent>
+  <p:clrMapOvr>
+    <a:masterClrMapping/>
+  </p:clrMapOvr>
 </p:sld>
 </file>
 
 <file path=ppt/slides/slide7.xml><?xml version="1.0" encoding="utf-8"?>
-<p:sld xmlns:a="http://schemas.openxmlformats.org/drawingml/2006/main" xmlns:p="http://schemas.openxmlformats.org/presentationml/2006/main" xmlns:r="http://schemas.openxmlformats.org/officeDocument/2006/relationships" xmlns:p14="http://schemas.microsoft.com/office/powerpoint/2010/main" xmlns:p15="http://schemas.microsoft.com/office/powerpoint/2012/main" xmlns:mc="http://schemas.openxmlformats.org/markup-compatibility/2006">
+<p:sld xmlns:a="http://schemas.openxmlformats.org/drawingml/2006/main" xmlns:r="http://schemas.openxmlformats.org/officeDocument/2006/relationships" xmlns:p="http://schemas.openxmlformats.org/presentationml/2006/main">
   <p:cSld>
     <p:spTree>
       <p:nvGrpSpPr>
@@ -5861,35 +7891,42 @@
           </a:ln>
         </p:spPr>
         <p:style>
-          <a:lnRef idx="0"/>
-          <a:fillRef idx="0"/>
-          <a:effectRef idx="0"/>
+          <a:lnRef idx="0">
+            <a:scrgbClr r="0" g="0" b="0"/>
+          </a:lnRef>
+          <a:fillRef idx="0">
+            <a:scrgbClr r="0" g="0" b="0"/>
+          </a:fillRef>
+          <a:effectRef idx="0">
+            <a:scrgbClr r="0" g="0" b="0"/>
+          </a:effectRef>
           <a:fontRef idx="minor"/>
         </p:style>
         <p:txBody>
-          <a:bodyPr lIns="90000" rIns="90000" tIns="91440" bIns="91440">
+          <a:bodyPr lIns="90000" tIns="91440" rIns="90000" bIns="91440">
             <a:noAutofit/>
           </a:bodyPr>
+          <a:lstStyle/>
           <a:p>
             <a:pPr>
               <a:lnSpc>
                 <a:spcPct val="100000"/>
               </a:lnSpc>
               <a:tabLst>
-                <a:tab algn="l" pos="0"/>
+                <a:tab pos="0" algn="l"/>
               </a:tabLst>
             </a:pPr>
             <a:r>
-              <a:rPr b="0" lang="en" sz="3000" spc="-1" strike="noStrike">
+              <a:rPr lang="en" sz="3000" b="0" strike="noStrike" spc="-1">
                 <a:solidFill>
-                  <a:srgbClr val="2a3990"/>
+                  <a:srgbClr val="2A3990"/>
                 </a:solidFill>
                 <a:latin typeface="Roboto"/>
                 <a:ea typeface="Roboto"/>
               </a:rPr>
               <a:t>Recommendation</a:t>
             </a:r>
-            <a:endParaRPr b="0" lang="en-US" sz="3000" spc="-1" strike="noStrike">
+            <a:endParaRPr lang="en-US" sz="3000" b="0" strike="noStrike" spc="-1">
               <a:latin typeface="Arial"/>
             </a:endParaRPr>
           </a:p>
@@ -5915,9 +7952,15 @@
           </a:ln>
         </p:spPr>
         <p:style>
-          <a:lnRef idx="0"/>
-          <a:fillRef idx="0"/>
-          <a:effectRef idx="0"/>
+          <a:lnRef idx="0">
+            <a:scrgbClr r="0" g="0" b="0"/>
+          </a:lnRef>
+          <a:fillRef idx="0">
+            <a:scrgbClr r="0" g="0" b="0"/>
+          </a:fillRef>
+          <a:effectRef idx="0">
+            <a:scrgbClr r="0" g="0" b="0"/>
+          </a:effectRef>
           <a:fontRef idx="minor"/>
         </p:style>
       </p:sp>
@@ -5941,15 +7984,22 @@
           </a:ln>
         </p:spPr>
         <p:style>
-          <a:lnRef idx="0"/>
-          <a:fillRef idx="0"/>
-          <a:effectRef idx="0"/>
+          <a:lnRef idx="0">
+            <a:scrgbClr r="0" g="0" b="0"/>
+          </a:lnRef>
+          <a:fillRef idx="0">
+            <a:scrgbClr r="0" g="0" b="0"/>
+          </a:fillRef>
+          <a:effectRef idx="0">
+            <a:scrgbClr r="0" g="0" b="0"/>
+          </a:effectRef>
           <a:fontRef idx="minor"/>
         </p:style>
         <p:txBody>
-          <a:bodyPr lIns="90000" rIns="90000" tIns="91440" bIns="91440">
+          <a:bodyPr lIns="90000" tIns="91440" rIns="90000" bIns="91440">
             <a:noAutofit/>
           </a:bodyPr>
+          <a:lstStyle/>
           <a:p>
             <a:pPr marL="457200" indent="-342360">
               <a:lnSpc>
@@ -5962,26 +8012,16 @@
               <a:buChar char="●"/>
             </a:pPr>
             <a:r>
-              <a:rPr b="0" lang="en-US" sz="1800" spc="-1" strike="noStrike">
+              <a:rPr lang="en-US" sz="1800" b="0" strike="noStrike" spc="-1">
                 <a:solidFill>
                   <a:srgbClr val="434343"/>
                 </a:solidFill>
                 <a:latin typeface="Roboto"/>
                 <a:ea typeface="Roboto"/>
               </a:rPr>
-              <a:t>Market more to the iPhone platform type and assess/survey the </a:t>
-            </a:r>
-            <a:r>
-              <a:rPr b="0" lang="en-US" sz="1800" spc="-1" strike="noStrike">
-                <a:solidFill>
-                  <a:srgbClr val="434343"/>
-                </a:solidFill>
-                <a:latin typeface="Roboto"/>
-                <a:ea typeface="Roboto"/>
-              </a:rPr>
-              <a:t>android user base for low sales.</a:t>
-            </a:r>
-            <a:endParaRPr b="0" lang="en-US" sz="1800" spc="-1" strike="noStrike">
+              <a:t>Market more to the iPhone platform type and assess/survey the android user base for low sales.</a:t>
+            </a:r>
+            <a:endParaRPr lang="en-US" sz="1800" b="0" strike="noStrike" spc="-1">
               <a:latin typeface="Arial"/>
             </a:endParaRPr>
           </a:p>
@@ -5997,7 +8037,7 @@
               <a:buChar char="●"/>
             </a:pPr>
             <a:r>
-              <a:rPr b="0" lang="en-US" sz="1800" spc="-1" strike="noStrike">
+              <a:rPr lang="en-US" sz="1800" b="0" strike="noStrike" spc="-1">
                 <a:solidFill>
                   <a:srgbClr val="434343"/>
                 </a:solidFill>
@@ -6006,7 +8046,7 @@
               </a:rPr>
               <a:t>Promote the purchase of buy item 4,3,1 by its order of revenue</a:t>
             </a:r>
-            <a:endParaRPr b="0" lang="en-US" sz="1800" spc="-1" strike="noStrike">
+            <a:endParaRPr lang="en-US" sz="1800" b="0" strike="noStrike" spc="-1">
               <a:latin typeface="Arial"/>
             </a:endParaRPr>
           </a:p>
@@ -6022,7 +8062,7 @@
               <a:buChar char="●"/>
             </a:pPr>
             <a:r>
-              <a:rPr b="0" lang="en-US" sz="1800" spc="-1" strike="noStrike">
+              <a:rPr lang="en-US" sz="1800" b="0" strike="noStrike" spc="-1">
                 <a:solidFill>
                   <a:srgbClr val="434343"/>
                 </a:solidFill>
@@ -6031,7 +8071,7 @@
               </a:rPr>
               <a:t>Propose ads right after a winning streak, level up or good hit rate</a:t>
             </a:r>
-            <a:endParaRPr b="0" lang="en-US" sz="1800" spc="-1" strike="noStrike">
+            <a:endParaRPr lang="en-US" sz="1800" b="0" strike="noStrike" spc="-1">
               <a:latin typeface="Arial"/>
             </a:endParaRPr>
           </a:p>
@@ -6047,26 +8087,16 @@
               <a:buChar char="●"/>
             </a:pPr>
             <a:r>
-              <a:rPr b="0" lang="en-US" sz="1800" spc="-1" strike="noStrike">
+              <a:rPr lang="en-US" sz="1800" b="0" strike="noStrike" spc="-1">
                 <a:solidFill>
                   <a:srgbClr val="434343"/>
                 </a:solidFill>
                 <a:latin typeface="Roboto"/>
                 <a:ea typeface="Roboto"/>
               </a:rPr>
-              <a:t>Selectively offer training and for low hit rate players so that they </a:t>
-            </a:r>
-            <a:r>
-              <a:rPr b="0" lang="en-US" sz="1800" spc="-1" strike="noStrike">
-                <a:solidFill>
-                  <a:srgbClr val="434343"/>
-                </a:solidFill>
-                <a:latin typeface="Roboto"/>
-                <a:ea typeface="Roboto"/>
-              </a:rPr>
-              <a:t>can engage, share content and generate more revenue</a:t>
-            </a:r>
-            <a:endParaRPr b="0" lang="en-US" sz="1800" spc="-1" strike="noStrike">
+              <a:t>Selectively offer training and for low hit rate players so that they can engage, share content and generate more revenue</a:t>
+            </a:r>
+            <a:endParaRPr lang="en-US" sz="1800" b="0" strike="noStrike" spc="-1">
               <a:latin typeface="Arial"/>
             </a:endParaRPr>
           </a:p>
@@ -6082,26 +8112,16 @@
               <a:buChar char="●"/>
             </a:pPr>
             <a:r>
-              <a:rPr b="0" lang="en-US" sz="1800" spc="-1" strike="noStrike">
+              <a:rPr lang="en-US" sz="1800" b="0" strike="noStrike" spc="-1">
                 <a:solidFill>
                   <a:srgbClr val="434343"/>
                 </a:solidFill>
                 <a:latin typeface="Roboto"/>
                 <a:ea typeface="Roboto"/>
               </a:rPr>
-              <a:t>Promote products based on its availability or make it a prize. (Until </a:t>
-            </a:r>
-            <a:r>
-              <a:rPr b="0" lang="en-US" sz="1800" spc="-1" strike="noStrike">
-                <a:solidFill>
-                  <a:srgbClr val="434343"/>
-                </a:solidFill>
-                <a:latin typeface="Roboto"/>
-                <a:ea typeface="Roboto"/>
-              </a:rPr>
-              <a:t>Level 7 is achieved product count_buyId 1 is not purchased at all) </a:t>
-            </a:r>
-            <a:endParaRPr b="0" lang="en-US" sz="1800" spc="-1" strike="noStrike">
+              <a:t>Promote products based on its availability or make it a prize. (Until Level 7 is achieved product count_buyId 1 is not purchased at all) </a:t>
+            </a:r>
+            <a:endParaRPr lang="en-US" sz="1800" b="0" strike="noStrike" spc="-1">
               <a:latin typeface="Arial"/>
             </a:endParaRPr>
           </a:p>
@@ -6117,7 +8137,7 @@
               <a:buChar char="●"/>
             </a:pPr>
             <a:r>
-              <a:rPr b="0" lang="en-US" sz="1800" spc="-1" strike="noStrike">
+              <a:rPr lang="en-US" sz="1800" b="0" strike="noStrike" spc="-1">
                 <a:solidFill>
                   <a:srgbClr val="434343"/>
                 </a:solidFill>
@@ -6126,7 +8146,7 @@
               </a:rPr>
               <a:t>Reward the chatty communities to share their purchases for reach</a:t>
             </a:r>
-            <a:endParaRPr b="0" lang="en-US" sz="1800" spc="-1" strike="noStrike">
+            <a:endParaRPr lang="en-US" sz="1800" b="0" strike="noStrike" spc="-1">
               <a:latin typeface="Arial"/>
             </a:endParaRPr>
           </a:p>
@@ -6134,14 +8154,9 @@
       </p:sp>
     </p:spTree>
   </p:cSld>
-  <mc:AlternateContent>
-    <mc:Choice Requires="p14">
-      <p:transition spd="slow" p14:dur="2000"/>
-    </mc:Choice>
-    <mc:Fallback>
-      <p:transition spd="slow"/>
-    </mc:Fallback>
-  </mc:AlternateContent>
+  <p:clrMapOvr>
+    <a:masterClrMapping/>
+  </p:clrMapOvr>
 </p:sld>
 </file>
 
@@ -6162,28 +8177,28 @@
         <a:srgbClr val="999999"/>
       </a:lt2>
       <a:accent1>
-        <a:srgbClr val="212d74"/>
+        <a:srgbClr val="212D74"/>
       </a:accent1>
       <a:accent2>
-        <a:srgbClr val="3949ab"/>
+        <a:srgbClr val="3949AB"/>
       </a:accent2>
       <a:accent3>
-        <a:srgbClr val="9c254d"/>
+        <a:srgbClr val="9C254D"/>
       </a:accent3>
       <a:accent4>
-        <a:srgbClr val="d23369"/>
+        <a:srgbClr val="D23369"/>
       </a:accent4>
       <a:accent5>
-        <a:srgbClr val="f06292"/>
+        <a:srgbClr val="F06292"/>
       </a:accent5>
       <a:accent6>
-        <a:srgbClr val="7890cd"/>
+        <a:srgbClr val="7890CD"/>
       </a:accent6>
       <a:hlink>
-        <a:srgbClr val="f06292"/>
+        <a:srgbClr val="F06292"/>
       </a:hlink>
       <a:folHlink>
-        <a:srgbClr val="f06292"/>
+        <a:srgbClr val="F06292"/>
       </a:folHlink>
     </a:clrScheme>
     <a:fontScheme name="Office">
@@ -6368,6 +8383,8 @@
       </a:bgFillStyleLst>
     </a:fmtScheme>
   </a:themeElements>
+  <a:objectDefaults/>
+  <a:extraClrSchemeLst/>
 </a:theme>
 </file>
 
@@ -6388,28 +8405,28 @@
         <a:srgbClr val="999999"/>
       </a:lt2>
       <a:accent1>
-        <a:srgbClr val="212d74"/>
+        <a:srgbClr val="212D74"/>
       </a:accent1>
       <a:accent2>
-        <a:srgbClr val="3949ab"/>
+        <a:srgbClr val="3949AB"/>
       </a:accent2>
       <a:accent3>
-        <a:srgbClr val="9c254d"/>
+        <a:srgbClr val="9C254D"/>
       </a:accent3>
       <a:accent4>
-        <a:srgbClr val="d23369"/>
+        <a:srgbClr val="D23369"/>
       </a:accent4>
       <a:accent5>
-        <a:srgbClr val="f06292"/>
+        <a:srgbClr val="F06292"/>
       </a:accent5>
       <a:accent6>
-        <a:srgbClr val="7890cd"/>
+        <a:srgbClr val="7890CD"/>
       </a:accent6>
       <a:hlink>
-        <a:srgbClr val="f06292"/>
+        <a:srgbClr val="F06292"/>
       </a:hlink>
       <a:folHlink>
-        <a:srgbClr val="f06292"/>
+        <a:srgbClr val="F06292"/>
       </a:folHlink>
     </a:clrScheme>
     <a:fontScheme name="Office">
@@ -6594,6 +8611,8 @@
       </a:bgFillStyleLst>
     </a:fmtScheme>
   </a:themeElements>
+  <a:objectDefaults/>
+  <a:extraClrSchemeLst/>
 </a:theme>
 </file>
 
@@ -6614,28 +8633,28 @@
         <a:srgbClr val="999999"/>
       </a:lt2>
       <a:accent1>
-        <a:srgbClr val="212d74"/>
+        <a:srgbClr val="212D74"/>
       </a:accent1>
       <a:accent2>
-        <a:srgbClr val="3949ab"/>
+        <a:srgbClr val="3949AB"/>
       </a:accent2>
       <a:accent3>
-        <a:srgbClr val="9c254d"/>
+        <a:srgbClr val="9C254D"/>
       </a:accent3>
       <a:accent4>
-        <a:srgbClr val="d23369"/>
+        <a:srgbClr val="D23369"/>
       </a:accent4>
       <a:accent5>
-        <a:srgbClr val="f06292"/>
+        <a:srgbClr val="F06292"/>
       </a:accent5>
       <a:accent6>
-        <a:srgbClr val="7890cd"/>
+        <a:srgbClr val="7890CD"/>
       </a:accent6>
       <a:hlink>
-        <a:srgbClr val="f06292"/>
+        <a:srgbClr val="F06292"/>
       </a:hlink>
       <a:folHlink>
-        <a:srgbClr val="f06292"/>
+        <a:srgbClr val="F06292"/>
       </a:folHlink>
     </a:clrScheme>
     <a:fontScheme name="Office">
@@ -6820,5 +8839,7 @@
       </a:bgFillStyleLst>
     </a:fmtScheme>
   </a:themeElements>
+  <a:objectDefaults/>
+  <a:extraClrSchemeLst/>
 </a:theme>
 </file>